--- a/doc_ru.pptx
+++ b/doc_ru.pptx
@@ -1,23 +1,134 @@
 
 <file path=ppt/presentation.xml><?xml version="1.0" encoding="utf-8"?>
-<p:presentation xmlns:a="http://schemas.openxmlformats.org/drawingml/2006/main" xmlns:p="http://schemas.openxmlformats.org/presentationml/2006/main" xmlns:r="http://schemas.openxmlformats.org/officeDocument/2006/relationships" xmlns:p14="http://schemas.microsoft.com/office/powerpoint/2010/main" xmlns:p15="http://schemas.microsoft.com/office/powerpoint/2012/main" xmlns:mc="http://schemas.openxmlformats.org/markup-compatibility/2006">
+<p:presentation xmlns:a="http://schemas.openxmlformats.org/drawingml/2006/main" xmlns:r="http://schemas.openxmlformats.org/officeDocument/2006/relationships" xmlns:p="http://schemas.openxmlformats.org/presentationml/2006/main">
   <p:sldMasterIdLst>
-    <p:sldMasterId id="2147483648" r:id="rId2"/>
-    <p:sldMasterId id="2147483661" r:id="rId3"/>
+    <p:sldMasterId id="2147483648" r:id="rId1"/>
+    <p:sldMasterId id="2147483661" r:id="rId2"/>
   </p:sldMasterIdLst>
   <p:sldIdLst>
-    <p:sldId id="256" r:id="rId4"/>
-    <p:sldId id="257" r:id="rId5"/>
-    <p:sldId id="258" r:id="rId6"/>
-    <p:sldId id="259" r:id="rId7"/>
+    <p:sldId id="256" r:id="rId3"/>
+    <p:sldId id="257" r:id="rId4"/>
+    <p:sldId id="258" r:id="rId5"/>
+    <p:sldId id="270" r:id="rId6"/>
+    <p:sldId id="260" r:id="rId7"/>
+    <p:sldId id="261" r:id="rId8"/>
+    <p:sldId id="262" r:id="rId9"/>
+    <p:sldId id="263" r:id="rId10"/>
+    <p:sldId id="264" r:id="rId11"/>
+    <p:sldId id="265" r:id="rId12"/>
+    <p:sldId id="266" r:id="rId13"/>
+    <p:sldId id="267" r:id="rId14"/>
+    <p:sldId id="269" r:id="rId15"/>
+    <p:sldId id="268" r:id="rId16"/>
+    <p:sldId id="259" r:id="rId17"/>
   </p:sldIdLst>
   <p:sldSz cx="12192000" cy="6858000"/>
-  <p:notesSz cx="7559675" cy="10691812"/>
+  <p:notesSz cx="7559675" cy="10691813"/>
+  <p:defaultTextStyle>
+    <a:defPPr>
+      <a:defRPr lang="ru-RU"/>
+    </a:defPPr>
+    <a:lvl1pPr marL="0" algn="l" defTabSz="914400" rtl="0" eaLnBrk="1" latinLnBrk="0" hangingPunct="1">
+      <a:defRPr sz="1800" kern="1200">
+        <a:solidFill>
+          <a:schemeClr val="tx1"/>
+        </a:solidFill>
+        <a:latin typeface="+mn-lt"/>
+        <a:ea typeface="+mn-ea"/>
+        <a:cs typeface="+mn-cs"/>
+      </a:defRPr>
+    </a:lvl1pPr>
+    <a:lvl2pPr marL="457200" algn="l" defTabSz="914400" rtl="0" eaLnBrk="1" latinLnBrk="0" hangingPunct="1">
+      <a:defRPr sz="1800" kern="1200">
+        <a:solidFill>
+          <a:schemeClr val="tx1"/>
+        </a:solidFill>
+        <a:latin typeface="+mn-lt"/>
+        <a:ea typeface="+mn-ea"/>
+        <a:cs typeface="+mn-cs"/>
+      </a:defRPr>
+    </a:lvl2pPr>
+    <a:lvl3pPr marL="914400" algn="l" defTabSz="914400" rtl="0" eaLnBrk="1" latinLnBrk="0" hangingPunct="1">
+      <a:defRPr sz="1800" kern="1200">
+        <a:solidFill>
+          <a:schemeClr val="tx1"/>
+        </a:solidFill>
+        <a:latin typeface="+mn-lt"/>
+        <a:ea typeface="+mn-ea"/>
+        <a:cs typeface="+mn-cs"/>
+      </a:defRPr>
+    </a:lvl3pPr>
+    <a:lvl4pPr marL="1371600" algn="l" defTabSz="914400" rtl="0" eaLnBrk="1" latinLnBrk="0" hangingPunct="1">
+      <a:defRPr sz="1800" kern="1200">
+        <a:solidFill>
+          <a:schemeClr val="tx1"/>
+        </a:solidFill>
+        <a:latin typeface="+mn-lt"/>
+        <a:ea typeface="+mn-ea"/>
+        <a:cs typeface="+mn-cs"/>
+      </a:defRPr>
+    </a:lvl4pPr>
+    <a:lvl5pPr marL="1828800" algn="l" defTabSz="914400" rtl="0" eaLnBrk="1" latinLnBrk="0" hangingPunct="1">
+      <a:defRPr sz="1800" kern="1200">
+        <a:solidFill>
+          <a:schemeClr val="tx1"/>
+        </a:solidFill>
+        <a:latin typeface="+mn-lt"/>
+        <a:ea typeface="+mn-ea"/>
+        <a:cs typeface="+mn-cs"/>
+      </a:defRPr>
+    </a:lvl5pPr>
+    <a:lvl6pPr marL="2286000" algn="l" defTabSz="914400" rtl="0" eaLnBrk="1" latinLnBrk="0" hangingPunct="1">
+      <a:defRPr sz="1800" kern="1200">
+        <a:solidFill>
+          <a:schemeClr val="tx1"/>
+        </a:solidFill>
+        <a:latin typeface="+mn-lt"/>
+        <a:ea typeface="+mn-ea"/>
+        <a:cs typeface="+mn-cs"/>
+      </a:defRPr>
+    </a:lvl6pPr>
+    <a:lvl7pPr marL="2743200" algn="l" defTabSz="914400" rtl="0" eaLnBrk="1" latinLnBrk="0" hangingPunct="1">
+      <a:defRPr sz="1800" kern="1200">
+        <a:solidFill>
+          <a:schemeClr val="tx1"/>
+        </a:solidFill>
+        <a:latin typeface="+mn-lt"/>
+        <a:ea typeface="+mn-ea"/>
+        <a:cs typeface="+mn-cs"/>
+      </a:defRPr>
+    </a:lvl7pPr>
+    <a:lvl8pPr marL="3200400" algn="l" defTabSz="914400" rtl="0" eaLnBrk="1" latinLnBrk="0" hangingPunct="1">
+      <a:defRPr sz="1800" kern="1200">
+        <a:solidFill>
+          <a:schemeClr val="tx1"/>
+        </a:solidFill>
+        <a:latin typeface="+mn-lt"/>
+        <a:ea typeface="+mn-ea"/>
+        <a:cs typeface="+mn-cs"/>
+      </a:defRPr>
+    </a:lvl8pPr>
+    <a:lvl9pPr marL="3657600" algn="l" defTabSz="914400" rtl="0" eaLnBrk="1" latinLnBrk="0" hangingPunct="1">
+      <a:defRPr sz="1800" kern="1200">
+        <a:solidFill>
+          <a:schemeClr val="tx1"/>
+        </a:solidFill>
+        <a:latin typeface="+mn-lt"/>
+        <a:ea typeface="+mn-ea"/>
+        <a:cs typeface="+mn-cs"/>
+      </a:defRPr>
+    </a:lvl9pPr>
+  </p:defaultTextStyle>
+  <p:extLst>
+    <p:ext uri="{EFAFB233-063F-42B5-8137-9DF3F51BA10A}">
+      <p15:sldGuideLst xmlns:p15="http://schemas.microsoft.com/office/powerpoint/2012/main"/>
+    </p:ext>
+  </p:extLst>
 </p:presentation>
 </file>
 
 <file path=ppt/slideLayouts/slideLayout1.xml><?xml version="1.0" encoding="utf-8"?>
-<p:sldLayout xmlns:a="http://schemas.openxmlformats.org/drawingml/2006/main" xmlns:p="http://schemas.openxmlformats.org/presentationml/2006/main" xmlns:r="http://schemas.openxmlformats.org/officeDocument/2006/relationships" xmlns:p14="http://schemas.microsoft.com/office/powerpoint/2010/main" xmlns:p15="http://schemas.microsoft.com/office/powerpoint/2012/main" xmlns:mc="http://schemas.openxmlformats.org/markup-compatibility/2006" type="blank" preserve="1">
+<p:sldLayout xmlns:a="http://schemas.openxmlformats.org/drawingml/2006/main" xmlns:r="http://schemas.openxmlformats.org/officeDocument/2006/relationships" xmlns:p="http://schemas.openxmlformats.org/presentationml/2006/main" type="blank" preserve="1">
   <p:cSld name="Blank Slide">
     <p:spTree>
       <p:nvGrpSpPr>
@@ -35,11 +146,14 @@
       </p:grpSpPr>
     </p:spTree>
   </p:cSld>
+  <p:clrMapOvr>
+    <a:masterClrMapping/>
+  </p:clrMapOvr>
 </p:sldLayout>
 </file>
 
 <file path=ppt/slideLayouts/slideLayout10.xml><?xml version="1.0" encoding="utf-8"?>
-<p:sldLayout xmlns:a="http://schemas.openxmlformats.org/drawingml/2006/main" xmlns:p="http://schemas.openxmlformats.org/presentationml/2006/main" xmlns:r="http://schemas.openxmlformats.org/officeDocument/2006/relationships" xmlns:p14="http://schemas.microsoft.com/office/powerpoint/2010/main" xmlns:p15="http://schemas.microsoft.com/office/powerpoint/2012/main" xmlns:mc="http://schemas.openxmlformats.org/markup-compatibility/2006" type="objOverTx" preserve="1">
+<p:sldLayout xmlns:a="http://schemas.openxmlformats.org/drawingml/2006/main" xmlns:r="http://schemas.openxmlformats.org/officeDocument/2006/relationships" xmlns:p="http://schemas.openxmlformats.org/presentationml/2006/main" type="objOverTx" preserve="1">
   <p:cSld name="Title, Content over Content">
     <p:spTree>
       <p:nvGrpSpPr>
@@ -75,9 +189,10 @@
           </a:prstGeom>
         </p:spPr>
         <p:txBody>
-          <a:bodyPr lIns="0" rIns="0" tIns="0" bIns="0" anchor="ctr"/>
-          <a:p>
-            <a:endParaRPr b="0" lang="en-US" sz="1800" spc="-1" strike="noStrike">
+          <a:bodyPr lIns="0" tIns="0" rIns="0" bIns="0" anchor="ctr"/>
+          <a:lstStyle/>
+          <a:p>
+            <a:endParaRPr lang="en-US" sz="1800" b="0" strike="noStrike" spc="-1">
               <a:solidFill>
                 <a:srgbClr val="000000"/>
               </a:solidFill>
@@ -106,13 +221,14 @@
           </a:prstGeom>
         </p:spPr>
         <p:txBody>
-          <a:bodyPr lIns="0" rIns="0" tIns="0" bIns="0">
+          <a:bodyPr lIns="0" tIns="0" rIns="0" bIns="0">
             <a:normAutofit/>
           </a:bodyPr>
-          <a:p>
-            <a:endParaRPr b="0" lang="en-US" sz="2000" spc="-1" strike="noStrike">
-              <a:solidFill>
-                <a:srgbClr val="191b0e"/>
+          <a:lstStyle/>
+          <a:p>
+            <a:endParaRPr lang="en-US" sz="2000" b="0" strike="noStrike" spc="-1">
+              <a:solidFill>
+                <a:srgbClr val="191B0E"/>
               </a:solidFill>
               <a:latin typeface="Franklin Gothic Book"/>
             </a:endParaRPr>
@@ -139,13 +255,14 @@
           </a:prstGeom>
         </p:spPr>
         <p:txBody>
-          <a:bodyPr lIns="0" rIns="0" tIns="0" bIns="0">
+          <a:bodyPr lIns="0" tIns="0" rIns="0" bIns="0">
             <a:normAutofit/>
           </a:bodyPr>
-          <a:p>
-            <a:endParaRPr b="0" lang="en-US" sz="2000" spc="-1" strike="noStrike">
-              <a:solidFill>
-                <a:srgbClr val="191b0e"/>
+          <a:lstStyle/>
+          <a:p>
+            <a:endParaRPr lang="en-US" sz="2000" b="0" strike="noStrike" spc="-1">
+              <a:solidFill>
+                <a:srgbClr val="191B0E"/>
               </a:solidFill>
               <a:latin typeface="Franklin Gothic Book"/>
             </a:endParaRPr>
@@ -154,11 +271,14 @@
       </p:sp>
     </p:spTree>
   </p:cSld>
+  <p:clrMapOvr>
+    <a:masterClrMapping/>
+  </p:clrMapOvr>
 </p:sldLayout>
 </file>
 
 <file path=ppt/slideLayouts/slideLayout11.xml><?xml version="1.0" encoding="utf-8"?>
-<p:sldLayout xmlns:a="http://schemas.openxmlformats.org/drawingml/2006/main" xmlns:p="http://schemas.openxmlformats.org/presentationml/2006/main" xmlns:r="http://schemas.openxmlformats.org/officeDocument/2006/relationships" xmlns:p14="http://schemas.microsoft.com/office/powerpoint/2010/main" xmlns:p15="http://schemas.microsoft.com/office/powerpoint/2012/main" xmlns:mc="http://schemas.openxmlformats.org/markup-compatibility/2006" type="fourObj" preserve="1">
+<p:sldLayout xmlns:a="http://schemas.openxmlformats.org/drawingml/2006/main" xmlns:r="http://schemas.openxmlformats.org/officeDocument/2006/relationships" xmlns:p="http://schemas.openxmlformats.org/presentationml/2006/main" type="fourObj" preserve="1">
   <p:cSld name="Title, 4 Content">
     <p:spTree>
       <p:nvGrpSpPr>
@@ -194,9 +314,10 @@
           </a:prstGeom>
         </p:spPr>
         <p:txBody>
-          <a:bodyPr lIns="0" rIns="0" tIns="0" bIns="0" anchor="ctr"/>
-          <a:p>
-            <a:endParaRPr b="0" lang="en-US" sz="1800" spc="-1" strike="noStrike">
+          <a:bodyPr lIns="0" tIns="0" rIns="0" bIns="0" anchor="ctr"/>
+          <a:lstStyle/>
+          <a:p>
+            <a:endParaRPr lang="en-US" sz="1800" b="0" strike="noStrike" spc="-1">
               <a:solidFill>
                 <a:srgbClr val="000000"/>
               </a:solidFill>
@@ -225,13 +346,14 @@
           </a:prstGeom>
         </p:spPr>
         <p:txBody>
-          <a:bodyPr lIns="0" rIns="0" tIns="0" bIns="0">
+          <a:bodyPr lIns="0" tIns="0" rIns="0" bIns="0">
             <a:normAutofit/>
           </a:bodyPr>
-          <a:p>
-            <a:endParaRPr b="0" lang="en-US" sz="2000" spc="-1" strike="noStrike">
-              <a:solidFill>
-                <a:srgbClr val="191b0e"/>
+          <a:lstStyle/>
+          <a:p>
+            <a:endParaRPr lang="en-US" sz="2000" b="0" strike="noStrike" spc="-1">
+              <a:solidFill>
+                <a:srgbClr val="191B0E"/>
               </a:solidFill>
               <a:latin typeface="Franklin Gothic Book"/>
             </a:endParaRPr>
@@ -258,13 +380,14 @@
           </a:prstGeom>
         </p:spPr>
         <p:txBody>
-          <a:bodyPr lIns="0" rIns="0" tIns="0" bIns="0">
+          <a:bodyPr lIns="0" tIns="0" rIns="0" bIns="0">
             <a:normAutofit/>
           </a:bodyPr>
-          <a:p>
-            <a:endParaRPr b="0" lang="en-US" sz="2000" spc="-1" strike="noStrike">
-              <a:solidFill>
-                <a:srgbClr val="191b0e"/>
+          <a:lstStyle/>
+          <a:p>
+            <a:endParaRPr lang="en-US" sz="2000" b="0" strike="noStrike" spc="-1">
+              <a:solidFill>
+                <a:srgbClr val="191B0E"/>
               </a:solidFill>
               <a:latin typeface="Franklin Gothic Book"/>
             </a:endParaRPr>
@@ -291,13 +414,14 @@
           </a:prstGeom>
         </p:spPr>
         <p:txBody>
-          <a:bodyPr lIns="0" rIns="0" tIns="0" bIns="0">
+          <a:bodyPr lIns="0" tIns="0" rIns="0" bIns="0">
             <a:normAutofit/>
           </a:bodyPr>
-          <a:p>
-            <a:endParaRPr b="0" lang="en-US" sz="2000" spc="-1" strike="noStrike">
-              <a:solidFill>
-                <a:srgbClr val="191b0e"/>
+          <a:lstStyle/>
+          <a:p>
+            <a:endParaRPr lang="en-US" sz="2000" b="0" strike="noStrike" spc="-1">
+              <a:solidFill>
+                <a:srgbClr val="191B0E"/>
               </a:solidFill>
               <a:latin typeface="Franklin Gothic Book"/>
             </a:endParaRPr>
@@ -324,13 +448,14 @@
           </a:prstGeom>
         </p:spPr>
         <p:txBody>
-          <a:bodyPr lIns="0" rIns="0" tIns="0" bIns="0">
+          <a:bodyPr lIns="0" tIns="0" rIns="0" bIns="0">
             <a:normAutofit/>
           </a:bodyPr>
-          <a:p>
-            <a:endParaRPr b="0" lang="en-US" sz="2000" spc="-1" strike="noStrike">
-              <a:solidFill>
-                <a:srgbClr val="191b0e"/>
+          <a:lstStyle/>
+          <a:p>
+            <a:endParaRPr lang="en-US" sz="2000" b="0" strike="noStrike" spc="-1">
+              <a:solidFill>
+                <a:srgbClr val="191B0E"/>
               </a:solidFill>
               <a:latin typeface="Franklin Gothic Book"/>
             </a:endParaRPr>
@@ -339,11 +464,14 @@
       </p:sp>
     </p:spTree>
   </p:cSld>
+  <p:clrMapOvr>
+    <a:masterClrMapping/>
+  </p:clrMapOvr>
 </p:sldLayout>
 </file>
 
 <file path=ppt/slideLayouts/slideLayout12.xml><?xml version="1.0" encoding="utf-8"?>
-<p:sldLayout xmlns:a="http://schemas.openxmlformats.org/drawingml/2006/main" xmlns:p="http://schemas.openxmlformats.org/presentationml/2006/main" xmlns:r="http://schemas.openxmlformats.org/officeDocument/2006/relationships" xmlns:p14="http://schemas.microsoft.com/office/powerpoint/2010/main" xmlns:p15="http://schemas.microsoft.com/office/powerpoint/2012/main" xmlns:mc="http://schemas.openxmlformats.org/markup-compatibility/2006" type="blank" preserve="1">
+<p:sldLayout xmlns:a="http://schemas.openxmlformats.org/drawingml/2006/main" xmlns:r="http://schemas.openxmlformats.org/officeDocument/2006/relationships" xmlns:p="http://schemas.openxmlformats.org/presentationml/2006/main" type="blank" preserve="1">
   <p:cSld name="Title, 6 Content">
     <p:spTree>
       <p:nvGrpSpPr>
@@ -379,9 +507,10 @@
           </a:prstGeom>
         </p:spPr>
         <p:txBody>
-          <a:bodyPr lIns="0" rIns="0" tIns="0" bIns="0" anchor="ctr"/>
-          <a:p>
-            <a:endParaRPr b="0" lang="en-US" sz="1800" spc="-1" strike="noStrike">
+          <a:bodyPr lIns="0" tIns="0" rIns="0" bIns="0" anchor="ctr"/>
+          <a:lstStyle/>
+          <a:p>
+            <a:endParaRPr lang="en-US" sz="1800" b="0" strike="noStrike" spc="-1">
               <a:solidFill>
                 <a:srgbClr val="000000"/>
               </a:solidFill>
@@ -410,13 +539,14 @@
           </a:prstGeom>
         </p:spPr>
         <p:txBody>
-          <a:bodyPr lIns="0" rIns="0" tIns="0" bIns="0">
+          <a:bodyPr lIns="0" tIns="0" rIns="0" bIns="0">
             <a:normAutofit/>
           </a:bodyPr>
-          <a:p>
-            <a:endParaRPr b="0" lang="en-US" sz="2000" spc="-1" strike="noStrike">
-              <a:solidFill>
-                <a:srgbClr val="191b0e"/>
+          <a:lstStyle/>
+          <a:p>
+            <a:endParaRPr lang="en-US" sz="2000" b="0" strike="noStrike" spc="-1">
+              <a:solidFill>
+                <a:srgbClr val="191B0E"/>
               </a:solidFill>
               <a:latin typeface="Franklin Gothic Book"/>
             </a:endParaRPr>
@@ -443,13 +573,14 @@
           </a:prstGeom>
         </p:spPr>
         <p:txBody>
-          <a:bodyPr lIns="0" rIns="0" tIns="0" bIns="0">
+          <a:bodyPr lIns="0" tIns="0" rIns="0" bIns="0">
             <a:normAutofit/>
           </a:bodyPr>
-          <a:p>
-            <a:endParaRPr b="0" lang="en-US" sz="2000" spc="-1" strike="noStrike">
-              <a:solidFill>
-                <a:srgbClr val="191b0e"/>
+          <a:lstStyle/>
+          <a:p>
+            <a:endParaRPr lang="en-US" sz="2000" b="0" strike="noStrike" spc="-1">
+              <a:solidFill>
+                <a:srgbClr val="191B0E"/>
               </a:solidFill>
               <a:latin typeface="Franklin Gothic Book"/>
             </a:endParaRPr>
@@ -476,13 +607,14 @@
           </a:prstGeom>
         </p:spPr>
         <p:txBody>
-          <a:bodyPr lIns="0" rIns="0" tIns="0" bIns="0">
+          <a:bodyPr lIns="0" tIns="0" rIns="0" bIns="0">
             <a:normAutofit/>
           </a:bodyPr>
-          <a:p>
-            <a:endParaRPr b="0" lang="en-US" sz="2000" spc="-1" strike="noStrike">
-              <a:solidFill>
-                <a:srgbClr val="191b0e"/>
+          <a:lstStyle/>
+          <a:p>
+            <a:endParaRPr lang="en-US" sz="2000" b="0" strike="noStrike" spc="-1">
+              <a:solidFill>
+                <a:srgbClr val="191B0E"/>
               </a:solidFill>
               <a:latin typeface="Franklin Gothic Book"/>
             </a:endParaRPr>
@@ -509,13 +641,14 @@
           </a:prstGeom>
         </p:spPr>
         <p:txBody>
-          <a:bodyPr lIns="0" rIns="0" tIns="0" bIns="0">
+          <a:bodyPr lIns="0" tIns="0" rIns="0" bIns="0">
             <a:normAutofit/>
           </a:bodyPr>
-          <a:p>
-            <a:endParaRPr b="0" lang="en-US" sz="2000" spc="-1" strike="noStrike">
-              <a:solidFill>
-                <a:srgbClr val="191b0e"/>
+          <a:lstStyle/>
+          <a:p>
+            <a:endParaRPr lang="en-US" sz="2000" b="0" strike="noStrike" spc="-1">
+              <a:solidFill>
+                <a:srgbClr val="191B0E"/>
               </a:solidFill>
               <a:latin typeface="Franklin Gothic Book"/>
             </a:endParaRPr>
@@ -542,13 +675,14 @@
           </a:prstGeom>
         </p:spPr>
         <p:txBody>
-          <a:bodyPr lIns="0" rIns="0" tIns="0" bIns="0">
+          <a:bodyPr lIns="0" tIns="0" rIns="0" bIns="0">
             <a:normAutofit/>
           </a:bodyPr>
-          <a:p>
-            <a:endParaRPr b="0" lang="en-US" sz="2000" spc="-1" strike="noStrike">
-              <a:solidFill>
-                <a:srgbClr val="191b0e"/>
+          <a:lstStyle/>
+          <a:p>
+            <a:endParaRPr lang="en-US" sz="2000" b="0" strike="noStrike" spc="-1">
+              <a:solidFill>
+                <a:srgbClr val="191B0E"/>
               </a:solidFill>
               <a:latin typeface="Franklin Gothic Book"/>
             </a:endParaRPr>
@@ -575,13 +709,14 @@
           </a:prstGeom>
         </p:spPr>
         <p:txBody>
-          <a:bodyPr lIns="0" rIns="0" tIns="0" bIns="0">
+          <a:bodyPr lIns="0" tIns="0" rIns="0" bIns="0">
             <a:normAutofit/>
           </a:bodyPr>
-          <a:p>
-            <a:endParaRPr b="0" lang="en-US" sz="2000" spc="-1" strike="noStrike">
-              <a:solidFill>
-                <a:srgbClr val="191b0e"/>
+          <a:lstStyle/>
+          <a:p>
+            <a:endParaRPr lang="en-US" sz="2000" b="0" strike="noStrike" spc="-1">
+              <a:solidFill>
+                <a:srgbClr val="191B0E"/>
               </a:solidFill>
               <a:latin typeface="Franklin Gothic Book"/>
             </a:endParaRPr>
@@ -590,11 +725,14 @@
       </p:sp>
     </p:spTree>
   </p:cSld>
+  <p:clrMapOvr>
+    <a:masterClrMapping/>
+  </p:clrMapOvr>
 </p:sldLayout>
 </file>
 
 <file path=ppt/slideLayouts/slideLayout13.xml><?xml version="1.0" encoding="utf-8"?>
-<p:sldLayout xmlns:a="http://schemas.openxmlformats.org/drawingml/2006/main" xmlns:p="http://schemas.openxmlformats.org/presentationml/2006/main" xmlns:r="http://schemas.openxmlformats.org/officeDocument/2006/relationships" xmlns:p14="http://schemas.microsoft.com/office/powerpoint/2010/main" xmlns:p15="http://schemas.microsoft.com/office/powerpoint/2012/main" xmlns:mc="http://schemas.openxmlformats.org/markup-compatibility/2006" type="blank" preserve="1">
+<p:sldLayout xmlns:a="http://schemas.openxmlformats.org/drawingml/2006/main" xmlns:r="http://schemas.openxmlformats.org/officeDocument/2006/relationships" xmlns:p="http://schemas.openxmlformats.org/presentationml/2006/main" type="blank" preserve="1">
   <p:cSld name="Blank Slide">
     <p:spTree>
       <p:nvGrpSpPr>
@@ -612,11 +750,14 @@
       </p:grpSpPr>
     </p:spTree>
   </p:cSld>
+  <p:clrMapOvr>
+    <a:masterClrMapping/>
+  </p:clrMapOvr>
 </p:sldLayout>
 </file>
 
 <file path=ppt/slideLayouts/slideLayout14.xml><?xml version="1.0" encoding="utf-8"?>
-<p:sldLayout xmlns:a="http://schemas.openxmlformats.org/drawingml/2006/main" xmlns:p="http://schemas.openxmlformats.org/presentationml/2006/main" xmlns:r="http://schemas.openxmlformats.org/officeDocument/2006/relationships" xmlns:p14="http://schemas.microsoft.com/office/powerpoint/2010/main" xmlns:p15="http://schemas.microsoft.com/office/powerpoint/2012/main" xmlns:mc="http://schemas.openxmlformats.org/markup-compatibility/2006" type="tx" preserve="1">
+<p:sldLayout xmlns:a="http://schemas.openxmlformats.org/drawingml/2006/main" xmlns:r="http://schemas.openxmlformats.org/officeDocument/2006/relationships" xmlns:p="http://schemas.openxmlformats.org/presentationml/2006/main" type="tx" preserve="1">
   <p:cSld name="Title Slide">
     <p:spTree>
       <p:nvGrpSpPr>
@@ -652,9 +793,10 @@
           </a:prstGeom>
         </p:spPr>
         <p:txBody>
-          <a:bodyPr lIns="0" rIns="0" tIns="0" bIns="0" anchor="ctr"/>
-          <a:p>
-            <a:endParaRPr b="0" lang="en-US" sz="1800" spc="-1" strike="noStrike">
+          <a:bodyPr lIns="0" tIns="0" rIns="0" bIns="0" anchor="ctr"/>
+          <a:lstStyle/>
+          <a:p>
+            <a:endParaRPr lang="en-US" sz="1800" b="0" strike="noStrike" spc="-1">
               <a:solidFill>
                 <a:srgbClr val="000000"/>
               </a:solidFill>
@@ -683,10 +825,11 @@
           </a:prstGeom>
         </p:spPr>
         <p:txBody>
-          <a:bodyPr lIns="0" rIns="0" tIns="0" bIns="0" anchor="ctr"/>
+          <a:bodyPr lIns="0" tIns="0" rIns="0" bIns="0" anchor="ctr"/>
+          <a:lstStyle/>
           <a:p>
             <a:pPr algn="ctr"/>
-            <a:endParaRPr b="0" lang="ru-RU" sz="3200" spc="-1" strike="noStrike">
+            <a:endParaRPr lang="ru-RU" sz="3200" b="0" strike="noStrike" spc="-1">
               <a:latin typeface="Arial"/>
             </a:endParaRPr>
           </a:p>
@@ -694,11 +837,14 @@
       </p:sp>
     </p:spTree>
   </p:cSld>
+  <p:clrMapOvr>
+    <a:masterClrMapping/>
+  </p:clrMapOvr>
 </p:sldLayout>
 </file>
 
 <file path=ppt/slideLayouts/slideLayout15.xml><?xml version="1.0" encoding="utf-8"?>
-<p:sldLayout xmlns:a="http://schemas.openxmlformats.org/drawingml/2006/main" xmlns:p="http://schemas.openxmlformats.org/presentationml/2006/main" xmlns:r="http://schemas.openxmlformats.org/officeDocument/2006/relationships" xmlns:p14="http://schemas.microsoft.com/office/powerpoint/2010/main" xmlns:p15="http://schemas.microsoft.com/office/powerpoint/2012/main" xmlns:mc="http://schemas.openxmlformats.org/markup-compatibility/2006" type="obj" preserve="1">
+<p:sldLayout xmlns:a="http://schemas.openxmlformats.org/drawingml/2006/main" xmlns:r="http://schemas.openxmlformats.org/officeDocument/2006/relationships" xmlns:p="http://schemas.openxmlformats.org/presentationml/2006/main" type="obj" preserve="1">
   <p:cSld name="Title, Content">
     <p:spTree>
       <p:nvGrpSpPr>
@@ -734,9 +880,10 @@
           </a:prstGeom>
         </p:spPr>
         <p:txBody>
-          <a:bodyPr lIns="0" rIns="0" tIns="0" bIns="0" anchor="ctr"/>
-          <a:p>
-            <a:endParaRPr b="0" lang="en-US" sz="1800" spc="-1" strike="noStrike">
+          <a:bodyPr lIns="0" tIns="0" rIns="0" bIns="0" anchor="ctr"/>
+          <a:lstStyle/>
+          <a:p>
+            <a:endParaRPr lang="en-US" sz="1800" b="0" strike="noStrike" spc="-1">
               <a:solidFill>
                 <a:srgbClr val="000000"/>
               </a:solidFill>
@@ -765,13 +912,14 @@
           </a:prstGeom>
         </p:spPr>
         <p:txBody>
-          <a:bodyPr lIns="0" rIns="0" tIns="0" bIns="0">
+          <a:bodyPr lIns="0" tIns="0" rIns="0" bIns="0">
             <a:normAutofit/>
           </a:bodyPr>
-          <a:p>
-            <a:endParaRPr b="0" lang="en-US" sz="2000" spc="-1" strike="noStrike">
-              <a:solidFill>
-                <a:srgbClr val="191b0e"/>
+          <a:lstStyle/>
+          <a:p>
+            <a:endParaRPr lang="en-US" sz="2000" b="0" strike="noStrike" spc="-1">
+              <a:solidFill>
+                <a:srgbClr val="191B0E"/>
               </a:solidFill>
               <a:latin typeface="Franklin Gothic Book"/>
             </a:endParaRPr>
@@ -780,11 +928,14 @@
       </p:sp>
     </p:spTree>
   </p:cSld>
+  <p:clrMapOvr>
+    <a:masterClrMapping/>
+  </p:clrMapOvr>
 </p:sldLayout>
 </file>
 
 <file path=ppt/slideLayouts/slideLayout16.xml><?xml version="1.0" encoding="utf-8"?>
-<p:sldLayout xmlns:a="http://schemas.openxmlformats.org/drawingml/2006/main" xmlns:p="http://schemas.openxmlformats.org/presentationml/2006/main" xmlns:r="http://schemas.openxmlformats.org/officeDocument/2006/relationships" xmlns:p14="http://schemas.microsoft.com/office/powerpoint/2010/main" xmlns:p15="http://schemas.microsoft.com/office/powerpoint/2012/main" xmlns:mc="http://schemas.openxmlformats.org/markup-compatibility/2006" type="twoObj" preserve="1">
+<p:sldLayout xmlns:a="http://schemas.openxmlformats.org/drawingml/2006/main" xmlns:r="http://schemas.openxmlformats.org/officeDocument/2006/relationships" xmlns:p="http://schemas.openxmlformats.org/presentationml/2006/main" type="twoObj" preserve="1">
   <p:cSld name="Title, 2 Content">
     <p:spTree>
       <p:nvGrpSpPr>
@@ -820,9 +971,10 @@
           </a:prstGeom>
         </p:spPr>
         <p:txBody>
-          <a:bodyPr lIns="0" rIns="0" tIns="0" bIns="0" anchor="ctr"/>
-          <a:p>
-            <a:endParaRPr b="0" lang="en-US" sz="1800" spc="-1" strike="noStrike">
+          <a:bodyPr lIns="0" tIns="0" rIns="0" bIns="0" anchor="ctr"/>
+          <a:lstStyle/>
+          <a:p>
+            <a:endParaRPr lang="en-US" sz="1800" b="0" strike="noStrike" spc="-1">
               <a:solidFill>
                 <a:srgbClr val="000000"/>
               </a:solidFill>
@@ -851,13 +1003,14 @@
           </a:prstGeom>
         </p:spPr>
         <p:txBody>
-          <a:bodyPr lIns="0" rIns="0" tIns="0" bIns="0">
+          <a:bodyPr lIns="0" tIns="0" rIns="0" bIns="0">
             <a:normAutofit/>
           </a:bodyPr>
-          <a:p>
-            <a:endParaRPr b="0" lang="en-US" sz="2000" spc="-1" strike="noStrike">
-              <a:solidFill>
-                <a:srgbClr val="191b0e"/>
+          <a:lstStyle/>
+          <a:p>
+            <a:endParaRPr lang="en-US" sz="2000" b="0" strike="noStrike" spc="-1">
+              <a:solidFill>
+                <a:srgbClr val="191B0E"/>
               </a:solidFill>
               <a:latin typeface="Franklin Gothic Book"/>
             </a:endParaRPr>
@@ -884,13 +1037,14 @@
           </a:prstGeom>
         </p:spPr>
         <p:txBody>
-          <a:bodyPr lIns="0" rIns="0" tIns="0" bIns="0">
+          <a:bodyPr lIns="0" tIns="0" rIns="0" bIns="0">
             <a:normAutofit/>
           </a:bodyPr>
-          <a:p>
-            <a:endParaRPr b="0" lang="en-US" sz="2000" spc="-1" strike="noStrike">
-              <a:solidFill>
-                <a:srgbClr val="191b0e"/>
+          <a:lstStyle/>
+          <a:p>
+            <a:endParaRPr lang="en-US" sz="2000" b="0" strike="noStrike" spc="-1">
+              <a:solidFill>
+                <a:srgbClr val="191B0E"/>
               </a:solidFill>
               <a:latin typeface="Franklin Gothic Book"/>
             </a:endParaRPr>
@@ -899,11 +1053,14 @@
       </p:sp>
     </p:spTree>
   </p:cSld>
+  <p:clrMapOvr>
+    <a:masterClrMapping/>
+  </p:clrMapOvr>
 </p:sldLayout>
 </file>
 
 <file path=ppt/slideLayouts/slideLayout17.xml><?xml version="1.0" encoding="utf-8"?>
-<p:sldLayout xmlns:a="http://schemas.openxmlformats.org/drawingml/2006/main" xmlns:p="http://schemas.openxmlformats.org/presentationml/2006/main" xmlns:r="http://schemas.openxmlformats.org/officeDocument/2006/relationships" xmlns:p14="http://schemas.microsoft.com/office/powerpoint/2010/main" xmlns:p15="http://schemas.microsoft.com/office/powerpoint/2012/main" xmlns:mc="http://schemas.openxmlformats.org/markup-compatibility/2006" type="titleOnly" preserve="1">
+<p:sldLayout xmlns:a="http://schemas.openxmlformats.org/drawingml/2006/main" xmlns:r="http://schemas.openxmlformats.org/officeDocument/2006/relationships" xmlns:p="http://schemas.openxmlformats.org/presentationml/2006/main" type="titleOnly" preserve="1">
   <p:cSld name="Title Only">
     <p:spTree>
       <p:nvGrpSpPr>
@@ -939,9 +1096,10 @@
           </a:prstGeom>
         </p:spPr>
         <p:txBody>
-          <a:bodyPr lIns="0" rIns="0" tIns="0" bIns="0" anchor="ctr"/>
-          <a:p>
-            <a:endParaRPr b="0" lang="en-US" sz="1800" spc="-1" strike="noStrike">
+          <a:bodyPr lIns="0" tIns="0" rIns="0" bIns="0" anchor="ctr"/>
+          <a:lstStyle/>
+          <a:p>
+            <a:endParaRPr lang="en-US" sz="1800" b="0" strike="noStrike" spc="-1">
               <a:solidFill>
                 <a:srgbClr val="000000"/>
               </a:solidFill>
@@ -952,11 +1110,14 @@
       </p:sp>
     </p:spTree>
   </p:cSld>
+  <p:clrMapOvr>
+    <a:masterClrMapping/>
+  </p:clrMapOvr>
 </p:sldLayout>
 </file>
 
 <file path=ppt/slideLayouts/slideLayout18.xml><?xml version="1.0" encoding="utf-8"?>
-<p:sldLayout xmlns:a="http://schemas.openxmlformats.org/drawingml/2006/main" xmlns:p="http://schemas.openxmlformats.org/presentationml/2006/main" xmlns:r="http://schemas.openxmlformats.org/officeDocument/2006/relationships" xmlns:p14="http://schemas.microsoft.com/office/powerpoint/2010/main" xmlns:p15="http://schemas.microsoft.com/office/powerpoint/2012/main" xmlns:mc="http://schemas.openxmlformats.org/markup-compatibility/2006" type="objOnly" preserve="1">
+<p:sldLayout xmlns:a="http://schemas.openxmlformats.org/drawingml/2006/main" xmlns:r="http://schemas.openxmlformats.org/officeDocument/2006/relationships" xmlns:p="http://schemas.openxmlformats.org/presentationml/2006/main" type="objOnly" preserve="1">
   <p:cSld name="Centered Text">
     <p:spTree>
       <p:nvGrpSpPr>
@@ -992,10 +1153,11 @@
           </a:prstGeom>
         </p:spPr>
         <p:txBody>
-          <a:bodyPr lIns="0" rIns="0" tIns="0" bIns="0" anchor="ctr"/>
+          <a:bodyPr lIns="0" tIns="0" rIns="0" bIns="0" anchor="ctr"/>
+          <a:lstStyle/>
           <a:p>
             <a:pPr algn="ctr"/>
-            <a:endParaRPr b="0" lang="ru-RU" sz="3200" spc="-1" strike="noStrike">
+            <a:endParaRPr lang="ru-RU" sz="3200" b="0" strike="noStrike" spc="-1">
               <a:latin typeface="Arial"/>
             </a:endParaRPr>
           </a:p>
@@ -1003,11 +1165,14 @@
       </p:sp>
     </p:spTree>
   </p:cSld>
+  <p:clrMapOvr>
+    <a:masterClrMapping/>
+  </p:clrMapOvr>
 </p:sldLayout>
 </file>
 
 <file path=ppt/slideLayouts/slideLayout19.xml><?xml version="1.0" encoding="utf-8"?>
-<p:sldLayout xmlns:a="http://schemas.openxmlformats.org/drawingml/2006/main" xmlns:p="http://schemas.openxmlformats.org/presentationml/2006/main" xmlns:r="http://schemas.openxmlformats.org/officeDocument/2006/relationships" xmlns:p14="http://schemas.microsoft.com/office/powerpoint/2010/main" xmlns:p15="http://schemas.microsoft.com/office/powerpoint/2012/main" xmlns:mc="http://schemas.openxmlformats.org/markup-compatibility/2006" type="twoObjAndObj" preserve="1">
+<p:sldLayout xmlns:a="http://schemas.openxmlformats.org/drawingml/2006/main" xmlns:r="http://schemas.openxmlformats.org/officeDocument/2006/relationships" xmlns:p="http://schemas.openxmlformats.org/presentationml/2006/main" type="twoObjAndObj" preserve="1">
   <p:cSld name="Title, 2 Content and Content">
     <p:spTree>
       <p:nvGrpSpPr>
@@ -1043,9 +1208,10 @@
           </a:prstGeom>
         </p:spPr>
         <p:txBody>
-          <a:bodyPr lIns="0" rIns="0" tIns="0" bIns="0" anchor="ctr"/>
-          <a:p>
-            <a:endParaRPr b="0" lang="en-US" sz="1800" spc="-1" strike="noStrike">
+          <a:bodyPr lIns="0" tIns="0" rIns="0" bIns="0" anchor="ctr"/>
+          <a:lstStyle/>
+          <a:p>
+            <a:endParaRPr lang="en-US" sz="1800" b="0" strike="noStrike" spc="-1">
               <a:solidFill>
                 <a:srgbClr val="000000"/>
               </a:solidFill>
@@ -1074,13 +1240,14 @@
           </a:prstGeom>
         </p:spPr>
         <p:txBody>
-          <a:bodyPr lIns="0" rIns="0" tIns="0" bIns="0">
+          <a:bodyPr lIns="0" tIns="0" rIns="0" bIns="0">
             <a:normAutofit/>
           </a:bodyPr>
-          <a:p>
-            <a:endParaRPr b="0" lang="en-US" sz="2000" spc="-1" strike="noStrike">
-              <a:solidFill>
-                <a:srgbClr val="191b0e"/>
+          <a:lstStyle/>
+          <a:p>
+            <a:endParaRPr lang="en-US" sz="2000" b="0" strike="noStrike" spc="-1">
+              <a:solidFill>
+                <a:srgbClr val="191B0E"/>
               </a:solidFill>
               <a:latin typeface="Franklin Gothic Book"/>
             </a:endParaRPr>
@@ -1107,13 +1274,14 @@
           </a:prstGeom>
         </p:spPr>
         <p:txBody>
-          <a:bodyPr lIns="0" rIns="0" tIns="0" bIns="0">
+          <a:bodyPr lIns="0" tIns="0" rIns="0" bIns="0">
             <a:normAutofit/>
           </a:bodyPr>
-          <a:p>
-            <a:endParaRPr b="0" lang="en-US" sz="2000" spc="-1" strike="noStrike">
-              <a:solidFill>
-                <a:srgbClr val="191b0e"/>
+          <a:lstStyle/>
+          <a:p>
+            <a:endParaRPr lang="en-US" sz="2000" b="0" strike="noStrike" spc="-1">
+              <a:solidFill>
+                <a:srgbClr val="191B0E"/>
               </a:solidFill>
               <a:latin typeface="Franklin Gothic Book"/>
             </a:endParaRPr>
@@ -1140,13 +1308,14 @@
           </a:prstGeom>
         </p:spPr>
         <p:txBody>
-          <a:bodyPr lIns="0" rIns="0" tIns="0" bIns="0">
+          <a:bodyPr lIns="0" tIns="0" rIns="0" bIns="0">
             <a:normAutofit/>
           </a:bodyPr>
-          <a:p>
-            <a:endParaRPr b="0" lang="en-US" sz="2000" spc="-1" strike="noStrike">
-              <a:solidFill>
-                <a:srgbClr val="191b0e"/>
+          <a:lstStyle/>
+          <a:p>
+            <a:endParaRPr lang="en-US" sz="2000" b="0" strike="noStrike" spc="-1">
+              <a:solidFill>
+                <a:srgbClr val="191B0E"/>
               </a:solidFill>
               <a:latin typeface="Franklin Gothic Book"/>
             </a:endParaRPr>
@@ -1155,11 +1324,14 @@
       </p:sp>
     </p:spTree>
   </p:cSld>
+  <p:clrMapOvr>
+    <a:masterClrMapping/>
+  </p:clrMapOvr>
 </p:sldLayout>
 </file>
 
 <file path=ppt/slideLayouts/slideLayout2.xml><?xml version="1.0" encoding="utf-8"?>
-<p:sldLayout xmlns:a="http://schemas.openxmlformats.org/drawingml/2006/main" xmlns:p="http://schemas.openxmlformats.org/presentationml/2006/main" xmlns:r="http://schemas.openxmlformats.org/officeDocument/2006/relationships" xmlns:p14="http://schemas.microsoft.com/office/powerpoint/2010/main" xmlns:p15="http://schemas.microsoft.com/office/powerpoint/2012/main" xmlns:mc="http://schemas.openxmlformats.org/markup-compatibility/2006" type="tx" preserve="1">
+<p:sldLayout xmlns:a="http://schemas.openxmlformats.org/drawingml/2006/main" xmlns:r="http://schemas.openxmlformats.org/officeDocument/2006/relationships" xmlns:p="http://schemas.openxmlformats.org/presentationml/2006/main" type="tx" preserve="1">
   <p:cSld name="Title Slide">
     <p:spTree>
       <p:nvGrpSpPr>
@@ -1195,9 +1367,10 @@
           </a:prstGeom>
         </p:spPr>
         <p:txBody>
-          <a:bodyPr lIns="0" rIns="0" tIns="0" bIns="0" anchor="ctr"/>
-          <a:p>
-            <a:endParaRPr b="0" lang="en-US" sz="1800" spc="-1" strike="noStrike">
+          <a:bodyPr lIns="0" tIns="0" rIns="0" bIns="0" anchor="ctr"/>
+          <a:lstStyle/>
+          <a:p>
+            <a:endParaRPr lang="en-US" sz="1800" b="0" strike="noStrike" spc="-1">
               <a:solidFill>
                 <a:srgbClr val="000000"/>
               </a:solidFill>
@@ -1226,10 +1399,11 @@
           </a:prstGeom>
         </p:spPr>
         <p:txBody>
-          <a:bodyPr lIns="0" rIns="0" tIns="0" bIns="0" anchor="ctr"/>
+          <a:bodyPr lIns="0" tIns="0" rIns="0" bIns="0" anchor="ctr"/>
+          <a:lstStyle/>
           <a:p>
             <a:pPr algn="ctr"/>
-            <a:endParaRPr b="0" lang="ru-RU" sz="3200" spc="-1" strike="noStrike">
+            <a:endParaRPr lang="ru-RU" sz="3200" b="0" strike="noStrike" spc="-1">
               <a:latin typeface="Arial"/>
             </a:endParaRPr>
           </a:p>
@@ -1237,11 +1411,14 @@
       </p:sp>
     </p:spTree>
   </p:cSld>
+  <p:clrMapOvr>
+    <a:masterClrMapping/>
+  </p:clrMapOvr>
 </p:sldLayout>
 </file>
 
 <file path=ppt/slideLayouts/slideLayout20.xml><?xml version="1.0" encoding="utf-8"?>
-<p:sldLayout xmlns:a="http://schemas.openxmlformats.org/drawingml/2006/main" xmlns:p="http://schemas.openxmlformats.org/presentationml/2006/main" xmlns:r="http://schemas.openxmlformats.org/officeDocument/2006/relationships" xmlns:p14="http://schemas.microsoft.com/office/powerpoint/2010/main" xmlns:p15="http://schemas.microsoft.com/office/powerpoint/2012/main" xmlns:mc="http://schemas.openxmlformats.org/markup-compatibility/2006" type="objAndTwoObj" preserve="1">
+<p:sldLayout xmlns:a="http://schemas.openxmlformats.org/drawingml/2006/main" xmlns:r="http://schemas.openxmlformats.org/officeDocument/2006/relationships" xmlns:p="http://schemas.openxmlformats.org/presentationml/2006/main" type="objAndTwoObj" preserve="1">
   <p:cSld name="Title Content and 2 Content">
     <p:spTree>
       <p:nvGrpSpPr>
@@ -1277,9 +1454,10 @@
           </a:prstGeom>
         </p:spPr>
         <p:txBody>
-          <a:bodyPr lIns="0" rIns="0" tIns="0" bIns="0" anchor="ctr"/>
-          <a:p>
-            <a:endParaRPr b="0" lang="en-US" sz="1800" spc="-1" strike="noStrike">
+          <a:bodyPr lIns="0" tIns="0" rIns="0" bIns="0" anchor="ctr"/>
+          <a:lstStyle/>
+          <a:p>
+            <a:endParaRPr lang="en-US" sz="1800" b="0" strike="noStrike" spc="-1">
               <a:solidFill>
                 <a:srgbClr val="000000"/>
               </a:solidFill>
@@ -1308,13 +1486,14 @@
           </a:prstGeom>
         </p:spPr>
         <p:txBody>
-          <a:bodyPr lIns="0" rIns="0" tIns="0" bIns="0">
+          <a:bodyPr lIns="0" tIns="0" rIns="0" bIns="0">
             <a:normAutofit/>
           </a:bodyPr>
-          <a:p>
-            <a:endParaRPr b="0" lang="en-US" sz="2000" spc="-1" strike="noStrike">
-              <a:solidFill>
-                <a:srgbClr val="191b0e"/>
+          <a:lstStyle/>
+          <a:p>
+            <a:endParaRPr lang="en-US" sz="2000" b="0" strike="noStrike" spc="-1">
+              <a:solidFill>
+                <a:srgbClr val="191B0E"/>
               </a:solidFill>
               <a:latin typeface="Franklin Gothic Book"/>
             </a:endParaRPr>
@@ -1341,13 +1520,14 @@
           </a:prstGeom>
         </p:spPr>
         <p:txBody>
-          <a:bodyPr lIns="0" rIns="0" tIns="0" bIns="0">
+          <a:bodyPr lIns="0" tIns="0" rIns="0" bIns="0">
             <a:normAutofit/>
           </a:bodyPr>
-          <a:p>
-            <a:endParaRPr b="0" lang="en-US" sz="2000" spc="-1" strike="noStrike">
-              <a:solidFill>
-                <a:srgbClr val="191b0e"/>
+          <a:lstStyle/>
+          <a:p>
+            <a:endParaRPr lang="en-US" sz="2000" b="0" strike="noStrike" spc="-1">
+              <a:solidFill>
+                <a:srgbClr val="191B0E"/>
               </a:solidFill>
               <a:latin typeface="Franklin Gothic Book"/>
             </a:endParaRPr>
@@ -1374,13 +1554,14 @@
           </a:prstGeom>
         </p:spPr>
         <p:txBody>
-          <a:bodyPr lIns="0" rIns="0" tIns="0" bIns="0">
+          <a:bodyPr lIns="0" tIns="0" rIns="0" bIns="0">
             <a:normAutofit/>
           </a:bodyPr>
-          <a:p>
-            <a:endParaRPr b="0" lang="en-US" sz="2000" spc="-1" strike="noStrike">
-              <a:solidFill>
-                <a:srgbClr val="191b0e"/>
+          <a:lstStyle/>
+          <a:p>
+            <a:endParaRPr lang="en-US" sz="2000" b="0" strike="noStrike" spc="-1">
+              <a:solidFill>
+                <a:srgbClr val="191B0E"/>
               </a:solidFill>
               <a:latin typeface="Franklin Gothic Book"/>
             </a:endParaRPr>
@@ -1389,11 +1570,14 @@
       </p:sp>
     </p:spTree>
   </p:cSld>
+  <p:clrMapOvr>
+    <a:masterClrMapping/>
+  </p:clrMapOvr>
 </p:sldLayout>
 </file>
 
 <file path=ppt/slideLayouts/slideLayout21.xml><?xml version="1.0" encoding="utf-8"?>
-<p:sldLayout xmlns:a="http://schemas.openxmlformats.org/drawingml/2006/main" xmlns:p="http://schemas.openxmlformats.org/presentationml/2006/main" xmlns:r="http://schemas.openxmlformats.org/officeDocument/2006/relationships" xmlns:p14="http://schemas.microsoft.com/office/powerpoint/2010/main" xmlns:p15="http://schemas.microsoft.com/office/powerpoint/2012/main" xmlns:mc="http://schemas.openxmlformats.org/markup-compatibility/2006" type="twoObjOverTx" preserve="1">
+<p:sldLayout xmlns:a="http://schemas.openxmlformats.org/drawingml/2006/main" xmlns:r="http://schemas.openxmlformats.org/officeDocument/2006/relationships" xmlns:p="http://schemas.openxmlformats.org/presentationml/2006/main" type="twoObjOverTx" preserve="1">
   <p:cSld name="Title, 2 Content over Content">
     <p:spTree>
       <p:nvGrpSpPr>
@@ -1429,9 +1613,10 @@
           </a:prstGeom>
         </p:spPr>
         <p:txBody>
-          <a:bodyPr lIns="0" rIns="0" tIns="0" bIns="0" anchor="ctr"/>
-          <a:p>
-            <a:endParaRPr b="0" lang="en-US" sz="1800" spc="-1" strike="noStrike">
+          <a:bodyPr lIns="0" tIns="0" rIns="0" bIns="0" anchor="ctr"/>
+          <a:lstStyle/>
+          <a:p>
+            <a:endParaRPr lang="en-US" sz="1800" b="0" strike="noStrike" spc="-1">
               <a:solidFill>
                 <a:srgbClr val="000000"/>
               </a:solidFill>
@@ -1460,13 +1645,14 @@
           </a:prstGeom>
         </p:spPr>
         <p:txBody>
-          <a:bodyPr lIns="0" rIns="0" tIns="0" bIns="0">
+          <a:bodyPr lIns="0" tIns="0" rIns="0" bIns="0">
             <a:normAutofit/>
           </a:bodyPr>
-          <a:p>
-            <a:endParaRPr b="0" lang="en-US" sz="2000" spc="-1" strike="noStrike">
-              <a:solidFill>
-                <a:srgbClr val="191b0e"/>
+          <a:lstStyle/>
+          <a:p>
+            <a:endParaRPr lang="en-US" sz="2000" b="0" strike="noStrike" spc="-1">
+              <a:solidFill>
+                <a:srgbClr val="191B0E"/>
               </a:solidFill>
               <a:latin typeface="Franklin Gothic Book"/>
             </a:endParaRPr>
@@ -1493,13 +1679,14 @@
           </a:prstGeom>
         </p:spPr>
         <p:txBody>
-          <a:bodyPr lIns="0" rIns="0" tIns="0" bIns="0">
+          <a:bodyPr lIns="0" tIns="0" rIns="0" bIns="0">
             <a:normAutofit/>
           </a:bodyPr>
-          <a:p>
-            <a:endParaRPr b="0" lang="en-US" sz="2000" spc="-1" strike="noStrike">
-              <a:solidFill>
-                <a:srgbClr val="191b0e"/>
+          <a:lstStyle/>
+          <a:p>
+            <a:endParaRPr lang="en-US" sz="2000" b="0" strike="noStrike" spc="-1">
+              <a:solidFill>
+                <a:srgbClr val="191B0E"/>
               </a:solidFill>
               <a:latin typeface="Franklin Gothic Book"/>
             </a:endParaRPr>
@@ -1526,13 +1713,14 @@
           </a:prstGeom>
         </p:spPr>
         <p:txBody>
-          <a:bodyPr lIns="0" rIns="0" tIns="0" bIns="0">
+          <a:bodyPr lIns="0" tIns="0" rIns="0" bIns="0">
             <a:normAutofit/>
           </a:bodyPr>
-          <a:p>
-            <a:endParaRPr b="0" lang="en-US" sz="2000" spc="-1" strike="noStrike">
-              <a:solidFill>
-                <a:srgbClr val="191b0e"/>
+          <a:lstStyle/>
+          <a:p>
+            <a:endParaRPr lang="en-US" sz="2000" b="0" strike="noStrike" spc="-1">
+              <a:solidFill>
+                <a:srgbClr val="191B0E"/>
               </a:solidFill>
               <a:latin typeface="Franklin Gothic Book"/>
             </a:endParaRPr>
@@ -1541,11 +1729,14 @@
       </p:sp>
     </p:spTree>
   </p:cSld>
+  <p:clrMapOvr>
+    <a:masterClrMapping/>
+  </p:clrMapOvr>
 </p:sldLayout>
 </file>
 
 <file path=ppt/slideLayouts/slideLayout22.xml><?xml version="1.0" encoding="utf-8"?>
-<p:sldLayout xmlns:a="http://schemas.openxmlformats.org/drawingml/2006/main" xmlns:p="http://schemas.openxmlformats.org/presentationml/2006/main" xmlns:r="http://schemas.openxmlformats.org/officeDocument/2006/relationships" xmlns:p14="http://schemas.microsoft.com/office/powerpoint/2010/main" xmlns:p15="http://schemas.microsoft.com/office/powerpoint/2012/main" xmlns:mc="http://schemas.openxmlformats.org/markup-compatibility/2006" type="objOverTx" preserve="1">
+<p:sldLayout xmlns:a="http://schemas.openxmlformats.org/drawingml/2006/main" xmlns:r="http://schemas.openxmlformats.org/officeDocument/2006/relationships" xmlns:p="http://schemas.openxmlformats.org/presentationml/2006/main" type="objOverTx" preserve="1">
   <p:cSld name="Title, Content over Content">
     <p:spTree>
       <p:nvGrpSpPr>
@@ -1581,9 +1772,10 @@
           </a:prstGeom>
         </p:spPr>
         <p:txBody>
-          <a:bodyPr lIns="0" rIns="0" tIns="0" bIns="0" anchor="ctr"/>
-          <a:p>
-            <a:endParaRPr b="0" lang="en-US" sz="1800" spc="-1" strike="noStrike">
+          <a:bodyPr lIns="0" tIns="0" rIns="0" bIns="0" anchor="ctr"/>
+          <a:lstStyle/>
+          <a:p>
+            <a:endParaRPr lang="en-US" sz="1800" b="0" strike="noStrike" spc="-1">
               <a:solidFill>
                 <a:srgbClr val="000000"/>
               </a:solidFill>
@@ -1612,13 +1804,14 @@
           </a:prstGeom>
         </p:spPr>
         <p:txBody>
-          <a:bodyPr lIns="0" rIns="0" tIns="0" bIns="0">
+          <a:bodyPr lIns="0" tIns="0" rIns="0" bIns="0">
             <a:normAutofit/>
           </a:bodyPr>
-          <a:p>
-            <a:endParaRPr b="0" lang="en-US" sz="2000" spc="-1" strike="noStrike">
-              <a:solidFill>
-                <a:srgbClr val="191b0e"/>
+          <a:lstStyle/>
+          <a:p>
+            <a:endParaRPr lang="en-US" sz="2000" b="0" strike="noStrike" spc="-1">
+              <a:solidFill>
+                <a:srgbClr val="191B0E"/>
               </a:solidFill>
               <a:latin typeface="Franklin Gothic Book"/>
             </a:endParaRPr>
@@ -1645,13 +1838,14 @@
           </a:prstGeom>
         </p:spPr>
         <p:txBody>
-          <a:bodyPr lIns="0" rIns="0" tIns="0" bIns="0">
+          <a:bodyPr lIns="0" tIns="0" rIns="0" bIns="0">
             <a:normAutofit/>
           </a:bodyPr>
-          <a:p>
-            <a:endParaRPr b="0" lang="en-US" sz="2000" spc="-1" strike="noStrike">
-              <a:solidFill>
-                <a:srgbClr val="191b0e"/>
+          <a:lstStyle/>
+          <a:p>
+            <a:endParaRPr lang="en-US" sz="2000" b="0" strike="noStrike" spc="-1">
+              <a:solidFill>
+                <a:srgbClr val="191B0E"/>
               </a:solidFill>
               <a:latin typeface="Franklin Gothic Book"/>
             </a:endParaRPr>
@@ -1660,11 +1854,14 @@
       </p:sp>
     </p:spTree>
   </p:cSld>
+  <p:clrMapOvr>
+    <a:masterClrMapping/>
+  </p:clrMapOvr>
 </p:sldLayout>
 </file>
 
 <file path=ppt/slideLayouts/slideLayout23.xml><?xml version="1.0" encoding="utf-8"?>
-<p:sldLayout xmlns:a="http://schemas.openxmlformats.org/drawingml/2006/main" xmlns:p="http://schemas.openxmlformats.org/presentationml/2006/main" xmlns:r="http://schemas.openxmlformats.org/officeDocument/2006/relationships" xmlns:p14="http://schemas.microsoft.com/office/powerpoint/2010/main" xmlns:p15="http://schemas.microsoft.com/office/powerpoint/2012/main" xmlns:mc="http://schemas.openxmlformats.org/markup-compatibility/2006" type="fourObj" preserve="1">
+<p:sldLayout xmlns:a="http://schemas.openxmlformats.org/drawingml/2006/main" xmlns:r="http://schemas.openxmlformats.org/officeDocument/2006/relationships" xmlns:p="http://schemas.openxmlformats.org/presentationml/2006/main" type="fourObj" preserve="1">
   <p:cSld name="Title, 4 Content">
     <p:spTree>
       <p:nvGrpSpPr>
@@ -1700,9 +1897,10 @@
           </a:prstGeom>
         </p:spPr>
         <p:txBody>
-          <a:bodyPr lIns="0" rIns="0" tIns="0" bIns="0" anchor="ctr"/>
-          <a:p>
-            <a:endParaRPr b="0" lang="en-US" sz="1800" spc="-1" strike="noStrike">
+          <a:bodyPr lIns="0" tIns="0" rIns="0" bIns="0" anchor="ctr"/>
+          <a:lstStyle/>
+          <a:p>
+            <a:endParaRPr lang="en-US" sz="1800" b="0" strike="noStrike" spc="-1">
               <a:solidFill>
                 <a:srgbClr val="000000"/>
               </a:solidFill>
@@ -1731,13 +1929,14 @@
           </a:prstGeom>
         </p:spPr>
         <p:txBody>
-          <a:bodyPr lIns="0" rIns="0" tIns="0" bIns="0">
+          <a:bodyPr lIns="0" tIns="0" rIns="0" bIns="0">
             <a:normAutofit/>
           </a:bodyPr>
-          <a:p>
-            <a:endParaRPr b="0" lang="en-US" sz="2000" spc="-1" strike="noStrike">
-              <a:solidFill>
-                <a:srgbClr val="191b0e"/>
+          <a:lstStyle/>
+          <a:p>
+            <a:endParaRPr lang="en-US" sz="2000" b="0" strike="noStrike" spc="-1">
+              <a:solidFill>
+                <a:srgbClr val="191B0E"/>
               </a:solidFill>
               <a:latin typeface="Franklin Gothic Book"/>
             </a:endParaRPr>
@@ -1764,13 +1963,14 @@
           </a:prstGeom>
         </p:spPr>
         <p:txBody>
-          <a:bodyPr lIns="0" rIns="0" tIns="0" bIns="0">
+          <a:bodyPr lIns="0" tIns="0" rIns="0" bIns="0">
             <a:normAutofit/>
           </a:bodyPr>
-          <a:p>
-            <a:endParaRPr b="0" lang="en-US" sz="2000" spc="-1" strike="noStrike">
-              <a:solidFill>
-                <a:srgbClr val="191b0e"/>
+          <a:lstStyle/>
+          <a:p>
+            <a:endParaRPr lang="en-US" sz="2000" b="0" strike="noStrike" spc="-1">
+              <a:solidFill>
+                <a:srgbClr val="191B0E"/>
               </a:solidFill>
               <a:latin typeface="Franklin Gothic Book"/>
             </a:endParaRPr>
@@ -1797,13 +1997,14 @@
           </a:prstGeom>
         </p:spPr>
         <p:txBody>
-          <a:bodyPr lIns="0" rIns="0" tIns="0" bIns="0">
+          <a:bodyPr lIns="0" tIns="0" rIns="0" bIns="0">
             <a:normAutofit/>
           </a:bodyPr>
-          <a:p>
-            <a:endParaRPr b="0" lang="en-US" sz="2000" spc="-1" strike="noStrike">
-              <a:solidFill>
-                <a:srgbClr val="191b0e"/>
+          <a:lstStyle/>
+          <a:p>
+            <a:endParaRPr lang="en-US" sz="2000" b="0" strike="noStrike" spc="-1">
+              <a:solidFill>
+                <a:srgbClr val="191B0E"/>
               </a:solidFill>
               <a:latin typeface="Franklin Gothic Book"/>
             </a:endParaRPr>
@@ -1830,13 +2031,14 @@
           </a:prstGeom>
         </p:spPr>
         <p:txBody>
-          <a:bodyPr lIns="0" rIns="0" tIns="0" bIns="0">
+          <a:bodyPr lIns="0" tIns="0" rIns="0" bIns="0">
             <a:normAutofit/>
           </a:bodyPr>
-          <a:p>
-            <a:endParaRPr b="0" lang="en-US" sz="2000" spc="-1" strike="noStrike">
-              <a:solidFill>
-                <a:srgbClr val="191b0e"/>
+          <a:lstStyle/>
+          <a:p>
+            <a:endParaRPr lang="en-US" sz="2000" b="0" strike="noStrike" spc="-1">
+              <a:solidFill>
+                <a:srgbClr val="191B0E"/>
               </a:solidFill>
               <a:latin typeface="Franklin Gothic Book"/>
             </a:endParaRPr>
@@ -1845,11 +2047,14 @@
       </p:sp>
     </p:spTree>
   </p:cSld>
+  <p:clrMapOvr>
+    <a:masterClrMapping/>
+  </p:clrMapOvr>
 </p:sldLayout>
 </file>
 
 <file path=ppt/slideLayouts/slideLayout24.xml><?xml version="1.0" encoding="utf-8"?>
-<p:sldLayout xmlns:a="http://schemas.openxmlformats.org/drawingml/2006/main" xmlns:p="http://schemas.openxmlformats.org/presentationml/2006/main" xmlns:r="http://schemas.openxmlformats.org/officeDocument/2006/relationships" xmlns:p14="http://schemas.microsoft.com/office/powerpoint/2010/main" xmlns:p15="http://schemas.microsoft.com/office/powerpoint/2012/main" xmlns:mc="http://schemas.openxmlformats.org/markup-compatibility/2006" type="blank" preserve="1">
+<p:sldLayout xmlns:a="http://schemas.openxmlformats.org/drawingml/2006/main" xmlns:r="http://schemas.openxmlformats.org/officeDocument/2006/relationships" xmlns:p="http://schemas.openxmlformats.org/presentationml/2006/main" type="blank" preserve="1">
   <p:cSld name="Title, 6 Content">
     <p:spTree>
       <p:nvGrpSpPr>
@@ -1885,9 +2090,10 @@
           </a:prstGeom>
         </p:spPr>
         <p:txBody>
-          <a:bodyPr lIns="0" rIns="0" tIns="0" bIns="0" anchor="ctr"/>
-          <a:p>
-            <a:endParaRPr b="0" lang="en-US" sz="1800" spc="-1" strike="noStrike">
+          <a:bodyPr lIns="0" tIns="0" rIns="0" bIns="0" anchor="ctr"/>
+          <a:lstStyle/>
+          <a:p>
+            <a:endParaRPr lang="en-US" sz="1800" b="0" strike="noStrike" spc="-1">
               <a:solidFill>
                 <a:srgbClr val="000000"/>
               </a:solidFill>
@@ -1916,13 +2122,14 @@
           </a:prstGeom>
         </p:spPr>
         <p:txBody>
-          <a:bodyPr lIns="0" rIns="0" tIns="0" bIns="0">
+          <a:bodyPr lIns="0" tIns="0" rIns="0" bIns="0">
             <a:normAutofit/>
           </a:bodyPr>
-          <a:p>
-            <a:endParaRPr b="0" lang="en-US" sz="2000" spc="-1" strike="noStrike">
-              <a:solidFill>
-                <a:srgbClr val="191b0e"/>
+          <a:lstStyle/>
+          <a:p>
+            <a:endParaRPr lang="en-US" sz="2000" b="0" strike="noStrike" spc="-1">
+              <a:solidFill>
+                <a:srgbClr val="191B0E"/>
               </a:solidFill>
               <a:latin typeface="Franklin Gothic Book"/>
             </a:endParaRPr>
@@ -1949,13 +2156,14 @@
           </a:prstGeom>
         </p:spPr>
         <p:txBody>
-          <a:bodyPr lIns="0" rIns="0" tIns="0" bIns="0">
+          <a:bodyPr lIns="0" tIns="0" rIns="0" bIns="0">
             <a:normAutofit/>
           </a:bodyPr>
-          <a:p>
-            <a:endParaRPr b="0" lang="en-US" sz="2000" spc="-1" strike="noStrike">
-              <a:solidFill>
-                <a:srgbClr val="191b0e"/>
+          <a:lstStyle/>
+          <a:p>
+            <a:endParaRPr lang="en-US" sz="2000" b="0" strike="noStrike" spc="-1">
+              <a:solidFill>
+                <a:srgbClr val="191B0E"/>
               </a:solidFill>
               <a:latin typeface="Franklin Gothic Book"/>
             </a:endParaRPr>
@@ -1982,13 +2190,14 @@
           </a:prstGeom>
         </p:spPr>
         <p:txBody>
-          <a:bodyPr lIns="0" rIns="0" tIns="0" bIns="0">
+          <a:bodyPr lIns="0" tIns="0" rIns="0" bIns="0">
             <a:normAutofit/>
           </a:bodyPr>
-          <a:p>
-            <a:endParaRPr b="0" lang="en-US" sz="2000" spc="-1" strike="noStrike">
-              <a:solidFill>
-                <a:srgbClr val="191b0e"/>
+          <a:lstStyle/>
+          <a:p>
+            <a:endParaRPr lang="en-US" sz="2000" b="0" strike="noStrike" spc="-1">
+              <a:solidFill>
+                <a:srgbClr val="191B0E"/>
               </a:solidFill>
               <a:latin typeface="Franklin Gothic Book"/>
             </a:endParaRPr>
@@ -2015,13 +2224,14 @@
           </a:prstGeom>
         </p:spPr>
         <p:txBody>
-          <a:bodyPr lIns="0" rIns="0" tIns="0" bIns="0">
+          <a:bodyPr lIns="0" tIns="0" rIns="0" bIns="0">
             <a:normAutofit/>
           </a:bodyPr>
-          <a:p>
-            <a:endParaRPr b="0" lang="en-US" sz="2000" spc="-1" strike="noStrike">
-              <a:solidFill>
-                <a:srgbClr val="191b0e"/>
+          <a:lstStyle/>
+          <a:p>
+            <a:endParaRPr lang="en-US" sz="2000" b="0" strike="noStrike" spc="-1">
+              <a:solidFill>
+                <a:srgbClr val="191B0E"/>
               </a:solidFill>
               <a:latin typeface="Franklin Gothic Book"/>
             </a:endParaRPr>
@@ -2048,13 +2258,14 @@
           </a:prstGeom>
         </p:spPr>
         <p:txBody>
-          <a:bodyPr lIns="0" rIns="0" tIns="0" bIns="0">
+          <a:bodyPr lIns="0" tIns="0" rIns="0" bIns="0">
             <a:normAutofit/>
           </a:bodyPr>
-          <a:p>
-            <a:endParaRPr b="0" lang="en-US" sz="2000" spc="-1" strike="noStrike">
-              <a:solidFill>
-                <a:srgbClr val="191b0e"/>
+          <a:lstStyle/>
+          <a:p>
+            <a:endParaRPr lang="en-US" sz="2000" b="0" strike="noStrike" spc="-1">
+              <a:solidFill>
+                <a:srgbClr val="191B0E"/>
               </a:solidFill>
               <a:latin typeface="Franklin Gothic Book"/>
             </a:endParaRPr>
@@ -2081,13 +2292,14 @@
           </a:prstGeom>
         </p:spPr>
         <p:txBody>
-          <a:bodyPr lIns="0" rIns="0" tIns="0" bIns="0">
+          <a:bodyPr lIns="0" tIns="0" rIns="0" bIns="0">
             <a:normAutofit/>
           </a:bodyPr>
-          <a:p>
-            <a:endParaRPr b="0" lang="en-US" sz="2000" spc="-1" strike="noStrike">
-              <a:solidFill>
-                <a:srgbClr val="191b0e"/>
+          <a:lstStyle/>
+          <a:p>
+            <a:endParaRPr lang="en-US" sz="2000" b="0" strike="noStrike" spc="-1">
+              <a:solidFill>
+                <a:srgbClr val="191B0E"/>
               </a:solidFill>
               <a:latin typeface="Franklin Gothic Book"/>
             </a:endParaRPr>
@@ -2096,11 +2308,14 @@
       </p:sp>
     </p:spTree>
   </p:cSld>
+  <p:clrMapOvr>
+    <a:masterClrMapping/>
+  </p:clrMapOvr>
 </p:sldLayout>
 </file>
 
 <file path=ppt/slideLayouts/slideLayout3.xml><?xml version="1.0" encoding="utf-8"?>
-<p:sldLayout xmlns:a="http://schemas.openxmlformats.org/drawingml/2006/main" xmlns:p="http://schemas.openxmlformats.org/presentationml/2006/main" xmlns:r="http://schemas.openxmlformats.org/officeDocument/2006/relationships" xmlns:p14="http://schemas.microsoft.com/office/powerpoint/2010/main" xmlns:p15="http://schemas.microsoft.com/office/powerpoint/2012/main" xmlns:mc="http://schemas.openxmlformats.org/markup-compatibility/2006" type="obj" preserve="1">
+<p:sldLayout xmlns:a="http://schemas.openxmlformats.org/drawingml/2006/main" xmlns:r="http://schemas.openxmlformats.org/officeDocument/2006/relationships" xmlns:p="http://schemas.openxmlformats.org/presentationml/2006/main" type="obj" preserve="1">
   <p:cSld name="Title, Content">
     <p:spTree>
       <p:nvGrpSpPr>
@@ -2136,9 +2351,10 @@
           </a:prstGeom>
         </p:spPr>
         <p:txBody>
-          <a:bodyPr lIns="0" rIns="0" tIns="0" bIns="0" anchor="ctr"/>
-          <a:p>
-            <a:endParaRPr b="0" lang="en-US" sz="1800" spc="-1" strike="noStrike">
+          <a:bodyPr lIns="0" tIns="0" rIns="0" bIns="0" anchor="ctr"/>
+          <a:lstStyle/>
+          <a:p>
+            <a:endParaRPr lang="en-US" sz="1800" b="0" strike="noStrike" spc="-1">
               <a:solidFill>
                 <a:srgbClr val="000000"/>
               </a:solidFill>
@@ -2167,13 +2383,14 @@
           </a:prstGeom>
         </p:spPr>
         <p:txBody>
-          <a:bodyPr lIns="0" rIns="0" tIns="0" bIns="0">
+          <a:bodyPr lIns="0" tIns="0" rIns="0" bIns="0">
             <a:normAutofit/>
           </a:bodyPr>
-          <a:p>
-            <a:endParaRPr b="0" lang="en-US" sz="2000" spc="-1" strike="noStrike">
-              <a:solidFill>
-                <a:srgbClr val="191b0e"/>
+          <a:lstStyle/>
+          <a:p>
+            <a:endParaRPr lang="en-US" sz="2000" b="0" strike="noStrike" spc="-1">
+              <a:solidFill>
+                <a:srgbClr val="191B0E"/>
               </a:solidFill>
               <a:latin typeface="Franklin Gothic Book"/>
             </a:endParaRPr>
@@ -2182,11 +2399,14 @@
       </p:sp>
     </p:spTree>
   </p:cSld>
+  <p:clrMapOvr>
+    <a:masterClrMapping/>
+  </p:clrMapOvr>
 </p:sldLayout>
 </file>
 
 <file path=ppt/slideLayouts/slideLayout4.xml><?xml version="1.0" encoding="utf-8"?>
-<p:sldLayout xmlns:a="http://schemas.openxmlformats.org/drawingml/2006/main" xmlns:p="http://schemas.openxmlformats.org/presentationml/2006/main" xmlns:r="http://schemas.openxmlformats.org/officeDocument/2006/relationships" xmlns:p14="http://schemas.microsoft.com/office/powerpoint/2010/main" xmlns:p15="http://schemas.microsoft.com/office/powerpoint/2012/main" xmlns:mc="http://schemas.openxmlformats.org/markup-compatibility/2006" type="twoObj" preserve="1">
+<p:sldLayout xmlns:a="http://schemas.openxmlformats.org/drawingml/2006/main" xmlns:r="http://schemas.openxmlformats.org/officeDocument/2006/relationships" xmlns:p="http://schemas.openxmlformats.org/presentationml/2006/main" type="twoObj" preserve="1">
   <p:cSld name="Title, 2 Content">
     <p:spTree>
       <p:nvGrpSpPr>
@@ -2222,9 +2442,10 @@
           </a:prstGeom>
         </p:spPr>
         <p:txBody>
-          <a:bodyPr lIns="0" rIns="0" tIns="0" bIns="0" anchor="ctr"/>
-          <a:p>
-            <a:endParaRPr b="0" lang="en-US" sz="1800" spc="-1" strike="noStrike">
+          <a:bodyPr lIns="0" tIns="0" rIns="0" bIns="0" anchor="ctr"/>
+          <a:lstStyle/>
+          <a:p>
+            <a:endParaRPr lang="en-US" sz="1800" b="0" strike="noStrike" spc="-1">
               <a:solidFill>
                 <a:srgbClr val="000000"/>
               </a:solidFill>
@@ -2253,13 +2474,14 @@
           </a:prstGeom>
         </p:spPr>
         <p:txBody>
-          <a:bodyPr lIns="0" rIns="0" tIns="0" bIns="0">
+          <a:bodyPr lIns="0" tIns="0" rIns="0" bIns="0">
             <a:normAutofit/>
           </a:bodyPr>
-          <a:p>
-            <a:endParaRPr b="0" lang="en-US" sz="2000" spc="-1" strike="noStrike">
-              <a:solidFill>
-                <a:srgbClr val="191b0e"/>
+          <a:lstStyle/>
+          <a:p>
+            <a:endParaRPr lang="en-US" sz="2000" b="0" strike="noStrike" spc="-1">
+              <a:solidFill>
+                <a:srgbClr val="191B0E"/>
               </a:solidFill>
               <a:latin typeface="Franklin Gothic Book"/>
             </a:endParaRPr>
@@ -2286,13 +2508,14 @@
           </a:prstGeom>
         </p:spPr>
         <p:txBody>
-          <a:bodyPr lIns="0" rIns="0" tIns="0" bIns="0">
+          <a:bodyPr lIns="0" tIns="0" rIns="0" bIns="0">
             <a:normAutofit/>
           </a:bodyPr>
-          <a:p>
-            <a:endParaRPr b="0" lang="en-US" sz="2000" spc="-1" strike="noStrike">
-              <a:solidFill>
-                <a:srgbClr val="191b0e"/>
+          <a:lstStyle/>
+          <a:p>
+            <a:endParaRPr lang="en-US" sz="2000" b="0" strike="noStrike" spc="-1">
+              <a:solidFill>
+                <a:srgbClr val="191B0E"/>
               </a:solidFill>
               <a:latin typeface="Franklin Gothic Book"/>
             </a:endParaRPr>
@@ -2301,11 +2524,14 @@
       </p:sp>
     </p:spTree>
   </p:cSld>
+  <p:clrMapOvr>
+    <a:masterClrMapping/>
+  </p:clrMapOvr>
 </p:sldLayout>
 </file>
 
 <file path=ppt/slideLayouts/slideLayout5.xml><?xml version="1.0" encoding="utf-8"?>
-<p:sldLayout xmlns:a="http://schemas.openxmlformats.org/drawingml/2006/main" xmlns:p="http://schemas.openxmlformats.org/presentationml/2006/main" xmlns:r="http://schemas.openxmlformats.org/officeDocument/2006/relationships" xmlns:p14="http://schemas.microsoft.com/office/powerpoint/2010/main" xmlns:p15="http://schemas.microsoft.com/office/powerpoint/2012/main" xmlns:mc="http://schemas.openxmlformats.org/markup-compatibility/2006" type="titleOnly" preserve="1">
+<p:sldLayout xmlns:a="http://schemas.openxmlformats.org/drawingml/2006/main" xmlns:r="http://schemas.openxmlformats.org/officeDocument/2006/relationships" xmlns:p="http://schemas.openxmlformats.org/presentationml/2006/main" type="titleOnly" preserve="1">
   <p:cSld name="Title Only">
     <p:spTree>
       <p:nvGrpSpPr>
@@ -2341,9 +2567,10 @@
           </a:prstGeom>
         </p:spPr>
         <p:txBody>
-          <a:bodyPr lIns="0" rIns="0" tIns="0" bIns="0" anchor="ctr"/>
-          <a:p>
-            <a:endParaRPr b="0" lang="en-US" sz="1800" spc="-1" strike="noStrike">
+          <a:bodyPr lIns="0" tIns="0" rIns="0" bIns="0" anchor="ctr"/>
+          <a:lstStyle/>
+          <a:p>
+            <a:endParaRPr lang="en-US" sz="1800" b="0" strike="noStrike" spc="-1">
               <a:solidFill>
                 <a:srgbClr val="000000"/>
               </a:solidFill>
@@ -2354,11 +2581,14 @@
       </p:sp>
     </p:spTree>
   </p:cSld>
+  <p:clrMapOvr>
+    <a:masterClrMapping/>
+  </p:clrMapOvr>
 </p:sldLayout>
 </file>
 
 <file path=ppt/slideLayouts/slideLayout6.xml><?xml version="1.0" encoding="utf-8"?>
-<p:sldLayout xmlns:a="http://schemas.openxmlformats.org/drawingml/2006/main" xmlns:p="http://schemas.openxmlformats.org/presentationml/2006/main" xmlns:r="http://schemas.openxmlformats.org/officeDocument/2006/relationships" xmlns:p14="http://schemas.microsoft.com/office/powerpoint/2010/main" xmlns:p15="http://schemas.microsoft.com/office/powerpoint/2012/main" xmlns:mc="http://schemas.openxmlformats.org/markup-compatibility/2006" type="objOnly" preserve="1">
+<p:sldLayout xmlns:a="http://schemas.openxmlformats.org/drawingml/2006/main" xmlns:r="http://schemas.openxmlformats.org/officeDocument/2006/relationships" xmlns:p="http://schemas.openxmlformats.org/presentationml/2006/main" type="objOnly" preserve="1">
   <p:cSld name="Centered Text">
     <p:spTree>
       <p:nvGrpSpPr>
@@ -2394,10 +2624,11 @@
           </a:prstGeom>
         </p:spPr>
         <p:txBody>
-          <a:bodyPr lIns="0" rIns="0" tIns="0" bIns="0" anchor="ctr"/>
+          <a:bodyPr lIns="0" tIns="0" rIns="0" bIns="0" anchor="ctr"/>
+          <a:lstStyle/>
           <a:p>
             <a:pPr algn="ctr"/>
-            <a:endParaRPr b="0" lang="ru-RU" sz="3200" spc="-1" strike="noStrike">
+            <a:endParaRPr lang="ru-RU" sz="3200" b="0" strike="noStrike" spc="-1">
               <a:latin typeface="Arial"/>
             </a:endParaRPr>
           </a:p>
@@ -2405,11 +2636,14 @@
       </p:sp>
     </p:spTree>
   </p:cSld>
+  <p:clrMapOvr>
+    <a:masterClrMapping/>
+  </p:clrMapOvr>
 </p:sldLayout>
 </file>
 
 <file path=ppt/slideLayouts/slideLayout7.xml><?xml version="1.0" encoding="utf-8"?>
-<p:sldLayout xmlns:a="http://schemas.openxmlformats.org/drawingml/2006/main" xmlns:p="http://schemas.openxmlformats.org/presentationml/2006/main" xmlns:r="http://schemas.openxmlformats.org/officeDocument/2006/relationships" xmlns:p14="http://schemas.microsoft.com/office/powerpoint/2010/main" xmlns:p15="http://schemas.microsoft.com/office/powerpoint/2012/main" xmlns:mc="http://schemas.openxmlformats.org/markup-compatibility/2006" type="twoObjAndObj" preserve="1">
+<p:sldLayout xmlns:a="http://schemas.openxmlformats.org/drawingml/2006/main" xmlns:r="http://schemas.openxmlformats.org/officeDocument/2006/relationships" xmlns:p="http://schemas.openxmlformats.org/presentationml/2006/main" type="twoObjAndObj" preserve="1">
   <p:cSld name="Title, 2 Content and Content">
     <p:spTree>
       <p:nvGrpSpPr>
@@ -2445,9 +2679,10 @@
           </a:prstGeom>
         </p:spPr>
         <p:txBody>
-          <a:bodyPr lIns="0" rIns="0" tIns="0" bIns="0" anchor="ctr"/>
-          <a:p>
-            <a:endParaRPr b="0" lang="en-US" sz="1800" spc="-1" strike="noStrike">
+          <a:bodyPr lIns="0" tIns="0" rIns="0" bIns="0" anchor="ctr"/>
+          <a:lstStyle/>
+          <a:p>
+            <a:endParaRPr lang="en-US" sz="1800" b="0" strike="noStrike" spc="-1">
               <a:solidFill>
                 <a:srgbClr val="000000"/>
               </a:solidFill>
@@ -2476,13 +2711,14 @@
           </a:prstGeom>
         </p:spPr>
         <p:txBody>
-          <a:bodyPr lIns="0" rIns="0" tIns="0" bIns="0">
+          <a:bodyPr lIns="0" tIns="0" rIns="0" bIns="0">
             <a:normAutofit/>
           </a:bodyPr>
-          <a:p>
-            <a:endParaRPr b="0" lang="en-US" sz="2000" spc="-1" strike="noStrike">
-              <a:solidFill>
-                <a:srgbClr val="191b0e"/>
+          <a:lstStyle/>
+          <a:p>
+            <a:endParaRPr lang="en-US" sz="2000" b="0" strike="noStrike" spc="-1">
+              <a:solidFill>
+                <a:srgbClr val="191B0E"/>
               </a:solidFill>
               <a:latin typeface="Franklin Gothic Book"/>
             </a:endParaRPr>
@@ -2509,13 +2745,14 @@
           </a:prstGeom>
         </p:spPr>
         <p:txBody>
-          <a:bodyPr lIns="0" rIns="0" tIns="0" bIns="0">
+          <a:bodyPr lIns="0" tIns="0" rIns="0" bIns="0">
             <a:normAutofit/>
           </a:bodyPr>
-          <a:p>
-            <a:endParaRPr b="0" lang="en-US" sz="2000" spc="-1" strike="noStrike">
-              <a:solidFill>
-                <a:srgbClr val="191b0e"/>
+          <a:lstStyle/>
+          <a:p>
+            <a:endParaRPr lang="en-US" sz="2000" b="0" strike="noStrike" spc="-1">
+              <a:solidFill>
+                <a:srgbClr val="191B0E"/>
               </a:solidFill>
               <a:latin typeface="Franklin Gothic Book"/>
             </a:endParaRPr>
@@ -2542,13 +2779,14 @@
           </a:prstGeom>
         </p:spPr>
         <p:txBody>
-          <a:bodyPr lIns="0" rIns="0" tIns="0" bIns="0">
+          <a:bodyPr lIns="0" tIns="0" rIns="0" bIns="0">
             <a:normAutofit/>
           </a:bodyPr>
-          <a:p>
-            <a:endParaRPr b="0" lang="en-US" sz="2000" spc="-1" strike="noStrike">
-              <a:solidFill>
-                <a:srgbClr val="191b0e"/>
+          <a:lstStyle/>
+          <a:p>
+            <a:endParaRPr lang="en-US" sz="2000" b="0" strike="noStrike" spc="-1">
+              <a:solidFill>
+                <a:srgbClr val="191B0E"/>
               </a:solidFill>
               <a:latin typeface="Franklin Gothic Book"/>
             </a:endParaRPr>
@@ -2557,11 +2795,14 @@
       </p:sp>
     </p:spTree>
   </p:cSld>
+  <p:clrMapOvr>
+    <a:masterClrMapping/>
+  </p:clrMapOvr>
 </p:sldLayout>
 </file>
 
 <file path=ppt/slideLayouts/slideLayout8.xml><?xml version="1.0" encoding="utf-8"?>
-<p:sldLayout xmlns:a="http://schemas.openxmlformats.org/drawingml/2006/main" xmlns:p="http://schemas.openxmlformats.org/presentationml/2006/main" xmlns:r="http://schemas.openxmlformats.org/officeDocument/2006/relationships" xmlns:p14="http://schemas.microsoft.com/office/powerpoint/2010/main" xmlns:p15="http://schemas.microsoft.com/office/powerpoint/2012/main" xmlns:mc="http://schemas.openxmlformats.org/markup-compatibility/2006" type="objAndTwoObj" preserve="1">
+<p:sldLayout xmlns:a="http://schemas.openxmlformats.org/drawingml/2006/main" xmlns:r="http://schemas.openxmlformats.org/officeDocument/2006/relationships" xmlns:p="http://schemas.openxmlformats.org/presentationml/2006/main" type="objAndTwoObj" preserve="1">
   <p:cSld name="Title Content and 2 Content">
     <p:spTree>
       <p:nvGrpSpPr>
@@ -2597,9 +2838,10 @@
           </a:prstGeom>
         </p:spPr>
         <p:txBody>
-          <a:bodyPr lIns="0" rIns="0" tIns="0" bIns="0" anchor="ctr"/>
-          <a:p>
-            <a:endParaRPr b="0" lang="en-US" sz="1800" spc="-1" strike="noStrike">
+          <a:bodyPr lIns="0" tIns="0" rIns="0" bIns="0" anchor="ctr"/>
+          <a:lstStyle/>
+          <a:p>
+            <a:endParaRPr lang="en-US" sz="1800" b="0" strike="noStrike" spc="-1">
               <a:solidFill>
                 <a:srgbClr val="000000"/>
               </a:solidFill>
@@ -2628,13 +2870,14 @@
           </a:prstGeom>
         </p:spPr>
         <p:txBody>
-          <a:bodyPr lIns="0" rIns="0" tIns="0" bIns="0">
+          <a:bodyPr lIns="0" tIns="0" rIns="0" bIns="0">
             <a:normAutofit/>
           </a:bodyPr>
-          <a:p>
-            <a:endParaRPr b="0" lang="en-US" sz="2000" spc="-1" strike="noStrike">
-              <a:solidFill>
-                <a:srgbClr val="191b0e"/>
+          <a:lstStyle/>
+          <a:p>
+            <a:endParaRPr lang="en-US" sz="2000" b="0" strike="noStrike" spc="-1">
+              <a:solidFill>
+                <a:srgbClr val="191B0E"/>
               </a:solidFill>
               <a:latin typeface="Franklin Gothic Book"/>
             </a:endParaRPr>
@@ -2661,13 +2904,14 @@
           </a:prstGeom>
         </p:spPr>
         <p:txBody>
-          <a:bodyPr lIns="0" rIns="0" tIns="0" bIns="0">
+          <a:bodyPr lIns="0" tIns="0" rIns="0" bIns="0">
             <a:normAutofit/>
           </a:bodyPr>
-          <a:p>
-            <a:endParaRPr b="0" lang="en-US" sz="2000" spc="-1" strike="noStrike">
-              <a:solidFill>
-                <a:srgbClr val="191b0e"/>
+          <a:lstStyle/>
+          <a:p>
+            <a:endParaRPr lang="en-US" sz="2000" b="0" strike="noStrike" spc="-1">
+              <a:solidFill>
+                <a:srgbClr val="191B0E"/>
               </a:solidFill>
               <a:latin typeface="Franklin Gothic Book"/>
             </a:endParaRPr>
@@ -2694,13 +2938,14 @@
           </a:prstGeom>
         </p:spPr>
         <p:txBody>
-          <a:bodyPr lIns="0" rIns="0" tIns="0" bIns="0">
+          <a:bodyPr lIns="0" tIns="0" rIns="0" bIns="0">
             <a:normAutofit/>
           </a:bodyPr>
-          <a:p>
-            <a:endParaRPr b="0" lang="en-US" sz="2000" spc="-1" strike="noStrike">
-              <a:solidFill>
-                <a:srgbClr val="191b0e"/>
+          <a:lstStyle/>
+          <a:p>
+            <a:endParaRPr lang="en-US" sz="2000" b="0" strike="noStrike" spc="-1">
+              <a:solidFill>
+                <a:srgbClr val="191B0E"/>
               </a:solidFill>
               <a:latin typeface="Franklin Gothic Book"/>
             </a:endParaRPr>
@@ -2709,11 +2954,14 @@
       </p:sp>
     </p:spTree>
   </p:cSld>
+  <p:clrMapOvr>
+    <a:masterClrMapping/>
+  </p:clrMapOvr>
 </p:sldLayout>
 </file>
 
 <file path=ppt/slideLayouts/slideLayout9.xml><?xml version="1.0" encoding="utf-8"?>
-<p:sldLayout xmlns:a="http://schemas.openxmlformats.org/drawingml/2006/main" xmlns:p="http://schemas.openxmlformats.org/presentationml/2006/main" xmlns:r="http://schemas.openxmlformats.org/officeDocument/2006/relationships" xmlns:p14="http://schemas.microsoft.com/office/powerpoint/2010/main" xmlns:p15="http://schemas.microsoft.com/office/powerpoint/2012/main" xmlns:mc="http://schemas.openxmlformats.org/markup-compatibility/2006" type="twoObjOverTx" preserve="1">
+<p:sldLayout xmlns:a="http://schemas.openxmlformats.org/drawingml/2006/main" xmlns:r="http://schemas.openxmlformats.org/officeDocument/2006/relationships" xmlns:p="http://schemas.openxmlformats.org/presentationml/2006/main" type="twoObjOverTx" preserve="1">
   <p:cSld name="Title, 2 Content over Content">
     <p:spTree>
       <p:nvGrpSpPr>
@@ -2749,9 +2997,10 @@
           </a:prstGeom>
         </p:spPr>
         <p:txBody>
-          <a:bodyPr lIns="0" rIns="0" tIns="0" bIns="0" anchor="ctr"/>
-          <a:p>
-            <a:endParaRPr b="0" lang="en-US" sz="1800" spc="-1" strike="noStrike">
+          <a:bodyPr lIns="0" tIns="0" rIns="0" bIns="0" anchor="ctr"/>
+          <a:lstStyle/>
+          <a:p>
+            <a:endParaRPr lang="en-US" sz="1800" b="0" strike="noStrike" spc="-1">
               <a:solidFill>
                 <a:srgbClr val="000000"/>
               </a:solidFill>
@@ -2780,13 +3029,14 @@
           </a:prstGeom>
         </p:spPr>
         <p:txBody>
-          <a:bodyPr lIns="0" rIns="0" tIns="0" bIns="0">
+          <a:bodyPr lIns="0" tIns="0" rIns="0" bIns="0">
             <a:normAutofit/>
           </a:bodyPr>
-          <a:p>
-            <a:endParaRPr b="0" lang="en-US" sz="2000" spc="-1" strike="noStrike">
-              <a:solidFill>
-                <a:srgbClr val="191b0e"/>
+          <a:lstStyle/>
+          <a:p>
+            <a:endParaRPr lang="en-US" sz="2000" b="0" strike="noStrike" spc="-1">
+              <a:solidFill>
+                <a:srgbClr val="191B0E"/>
               </a:solidFill>
               <a:latin typeface="Franklin Gothic Book"/>
             </a:endParaRPr>
@@ -2813,13 +3063,14 @@
           </a:prstGeom>
         </p:spPr>
         <p:txBody>
-          <a:bodyPr lIns="0" rIns="0" tIns="0" bIns="0">
+          <a:bodyPr lIns="0" tIns="0" rIns="0" bIns="0">
             <a:normAutofit/>
           </a:bodyPr>
-          <a:p>
-            <a:endParaRPr b="0" lang="en-US" sz="2000" spc="-1" strike="noStrike">
-              <a:solidFill>
-                <a:srgbClr val="191b0e"/>
+          <a:lstStyle/>
+          <a:p>
+            <a:endParaRPr lang="en-US" sz="2000" b="0" strike="noStrike" spc="-1">
+              <a:solidFill>
+                <a:srgbClr val="191B0E"/>
               </a:solidFill>
               <a:latin typeface="Franklin Gothic Book"/>
             </a:endParaRPr>
@@ -2846,13 +3097,14 @@
           </a:prstGeom>
         </p:spPr>
         <p:txBody>
-          <a:bodyPr lIns="0" rIns="0" tIns="0" bIns="0">
+          <a:bodyPr lIns="0" tIns="0" rIns="0" bIns="0">
             <a:normAutofit/>
           </a:bodyPr>
-          <a:p>
-            <a:endParaRPr b="0" lang="en-US" sz="2000" spc="-1" strike="noStrike">
-              <a:solidFill>
-                <a:srgbClr val="191b0e"/>
+          <a:lstStyle/>
+          <a:p>
+            <a:endParaRPr lang="en-US" sz="2000" b="0" strike="noStrike" spc="-1">
+              <a:solidFill>
+                <a:srgbClr val="191B0E"/>
               </a:solidFill>
               <a:latin typeface="Franklin Gothic Book"/>
             </a:endParaRPr>
@@ -2861,17 +3113,21 @@
       </p:sp>
     </p:spTree>
   </p:cSld>
+  <p:clrMapOvr>
+    <a:masterClrMapping/>
+  </p:clrMapOvr>
 </p:sldLayout>
 </file>
 
 <file path=ppt/slideMasters/slideMaster1.xml><?xml version="1.0" encoding="utf-8"?>
-<p:sldMaster xmlns:a="http://schemas.openxmlformats.org/drawingml/2006/main" xmlns:p="http://schemas.openxmlformats.org/presentationml/2006/main" xmlns:r="http://schemas.openxmlformats.org/officeDocument/2006/relationships" xmlns:p14="http://schemas.microsoft.com/office/powerpoint/2010/main" xmlns:p15="http://schemas.microsoft.com/office/powerpoint/2012/main" xmlns:mc="http://schemas.openxmlformats.org/markup-compatibility/2006">
+<p:sldMaster xmlns:a="http://schemas.openxmlformats.org/drawingml/2006/main" xmlns:r="http://schemas.openxmlformats.org/officeDocument/2006/relationships" xmlns:p="http://schemas.openxmlformats.org/presentationml/2006/main">
   <p:cSld>
     <p:bg>
       <p:bgPr>
         <a:solidFill>
-          <a:srgbClr val="efede3"/>
+          <a:srgbClr val="EFEDE3"/>
         </a:solidFill>
+        <a:effectLst/>
       </p:bgPr>
     </p:bg>
     <p:spTree>
@@ -2890,7 +3146,7 @@
       </p:grpSpPr>
       <p:sp>
         <p:nvSpPr>
-          <p:cNvPr id="0" name="CustomShape 1" hidden="1"/>
+          <p:cNvPr id="9" name="CustomShape 1" hidden="1"/>
           <p:cNvSpPr/>
           <p:nvPr/>
         </p:nvSpPr>
@@ -2926,7 +3182,7 @@
       </p:sp>
       <p:sp>
         <p:nvSpPr>
-          <p:cNvPr id="1" name="PlaceHolder 2"/>
+          <p:cNvPr id="10" name="PlaceHolder 2"/>
           <p:cNvSpPr>
             <a:spLocks noGrp="1"/>
           </p:cNvSpPr>
@@ -2945,6 +3201,7 @@
         </p:spPr>
         <p:txBody>
           <a:bodyPr anchor="b"/>
+          <a:lstStyle/>
           <a:p>
             <a:pPr algn="ctr">
               <a:lnSpc>
@@ -2952,15 +3209,15 @@
               </a:lnSpc>
             </a:pPr>
             <a:r>
-              <a:rPr b="0" lang="en-US" sz="7200" spc="-1" strike="noStrike" cap="all">
-                <a:solidFill>
-                  <a:srgbClr val="191b0e"/>
+              <a:rPr lang="en-US" sz="7200" b="0" strike="noStrike" cap="all" spc="-1">
+                <a:solidFill>
+                  <a:srgbClr val="191B0E"/>
                 </a:solidFill>
                 <a:latin typeface="Franklin Gothic Book"/>
               </a:rPr>
               <a:t>Образец заголовка</a:t>
             </a:r>
-            <a:endParaRPr b="0" lang="en-US" sz="7200" spc="-1" strike="noStrike">
+            <a:endParaRPr lang="en-US" sz="7200" b="0" strike="noStrike" spc="-1">
               <a:solidFill>
                 <a:srgbClr val="000000"/>
               </a:solidFill>
@@ -2990,6 +3247,7 @@
         </p:spPr>
         <p:txBody>
           <a:bodyPr anchor="ctr"/>
+          <a:lstStyle/>
           <a:p>
             <a:pPr>
               <a:lnSpc>
@@ -2997,15 +3255,15 @@
               </a:lnSpc>
             </a:pPr>
             <a:fld id="{D8494E55-4BA8-42CE-B096-74A4A63DA9B4}" type="datetime">
-              <a:rPr b="0" lang="ru-RU" sz="1200" spc="-1" strike="noStrike">
-                <a:solidFill>
-                  <a:srgbClr val="191b0e"/>
+              <a:rPr lang="ru-RU" sz="1200" b="0" strike="noStrike" spc="-1">
+                <a:solidFill>
+                  <a:srgbClr val="191B0E"/>
                 </a:solidFill>
                 <a:latin typeface="Franklin Gothic Book"/>
               </a:rPr>
-              <a:t>30.4.19</a:t>
+              <a:t>30.04.2019</a:t>
             </a:fld>
-            <a:endParaRPr b="0" lang="ru-RU" sz="1200" spc="-1" strike="noStrike">
+            <a:endParaRPr lang="ru-RU" sz="1200" b="0" strike="noStrike" spc="-1">
               <a:latin typeface="Times New Roman"/>
             </a:endParaRPr>
           </a:p>
@@ -3032,8 +3290,9 @@
         </p:spPr>
         <p:txBody>
           <a:bodyPr anchor="ctr"/>
-          <a:p>
-            <a:endParaRPr b="0" lang="ru-RU" sz="2400" spc="-1" strike="noStrike">
+          <a:lstStyle/>
+          <a:p>
+            <a:endParaRPr lang="ru-RU" sz="2400" b="0" strike="noStrike" spc="-1">
               <a:latin typeface="Times New Roman"/>
             </a:endParaRPr>
           </a:p>
@@ -3060,6 +3319,7 @@
         </p:spPr>
         <p:txBody>
           <a:bodyPr anchor="ctr"/>
+          <a:lstStyle/>
           <a:p>
             <a:pPr algn="r">
               <a:lnSpc>
@@ -3067,15 +3327,15 @@
               </a:lnSpc>
             </a:pPr>
             <a:fld id="{A46CB1AF-4ECC-43CE-8327-ED716E1342D5}" type="slidenum">
-              <a:rPr b="0" lang="ru-RU" sz="1200" spc="-1" strike="noStrike">
-                <a:solidFill>
-                  <a:srgbClr val="191b0e"/>
+              <a:rPr lang="ru-RU" sz="1200" b="0" strike="noStrike" spc="-1">
+                <a:solidFill>
+                  <a:srgbClr val="191B0E"/>
                 </a:solidFill>
                 <a:latin typeface="Franklin Gothic Book"/>
               </a:rPr>
-              <a:t>&lt;номер&gt;</a:t>
+              <a:t>‹#›</a:t>
             </a:fld>
-            <a:endParaRPr b="0" lang="ru-RU" sz="1200" spc="-1" strike="noStrike">
+            <a:endParaRPr lang="ru-RU" sz="1200" b="0" strike="noStrike" spc="-1">
               <a:latin typeface="Times New Roman"/>
             </a:endParaRPr>
           </a:p>
@@ -3110,6 +3370,7 @@
               <a:avLst/>
               <a:gdLst/>
               <a:ahLst/>
+              <a:cxnLst/>
               <a:rect l="l" t="t" r="r" b="b"/>
               <a:pathLst>
                 <a:path w="10000" h="10000">
@@ -3146,9 +3407,15 @@
             </a:ln>
           </p:spPr>
           <p:style>
-            <a:lnRef idx="0"/>
-            <a:fillRef idx="0"/>
-            <a:effectRef idx="0"/>
+            <a:lnRef idx="0">
+              <a:scrgbClr r="0" g="0" b="0"/>
+            </a:lnRef>
+            <a:fillRef idx="0">
+              <a:scrgbClr r="0" g="0" b="0"/>
+            </a:fillRef>
+            <a:effectRef idx="0">
+              <a:scrgbClr r="0" g="0" b="0"/>
+            </a:effectRef>
             <a:fontRef idx="minor"/>
           </p:style>
         </p:sp>
@@ -3167,6 +3434,7 @@
               <a:avLst/>
               <a:gdLst/>
               <a:ahLst/>
+              <a:cxnLst/>
               <a:rect l="l" t="t" r="r" b="b"/>
               <a:pathLst>
                 <a:path w="10002" h="10000">
@@ -3205,9 +3473,15 @@
             </a:ln>
           </p:spPr>
           <p:style>
-            <a:lnRef idx="0"/>
-            <a:fillRef idx="0"/>
-            <a:effectRef idx="0"/>
+            <a:lnRef idx="0">
+              <a:scrgbClr r="0" g="0" b="0"/>
+            </a:lnRef>
+            <a:fillRef idx="0">
+              <a:scrgbClr r="0" g="0" b="0"/>
+            </a:fillRef>
+            <a:effectRef idx="0">
+              <a:scrgbClr r="0" g="0" b="0"/>
+            </a:effectRef>
             <a:fontRef idx="minor"/>
           </p:style>
         </p:sp>
@@ -3232,9 +3506,10 @@
           </a:prstGeom>
         </p:spPr>
         <p:txBody>
-          <a:bodyPr lIns="0" rIns="0" tIns="0" bIns="0">
+          <a:bodyPr lIns="0" tIns="0" rIns="0" bIns="0">
             <a:normAutofit/>
           </a:bodyPr>
+          <a:lstStyle/>
           <a:p>
             <a:pPr marL="432000" indent="-324000">
               <a:spcBef>
@@ -3248,23 +3523,17 @@
               <a:buChar char=""/>
             </a:pPr>
             <a:r>
-              <a:rPr b="0" lang="en-US" sz="2000" spc="-1" strike="noStrike">
-                <a:solidFill>
-                  <a:srgbClr val="191b0e"/>
+              <a:rPr lang="en-US" sz="2000" b="0" strike="noStrike" spc="-1">
+                <a:solidFill>
+                  <a:srgbClr val="191B0E"/>
                 </a:solidFill>
                 <a:latin typeface="Franklin Gothic Book"/>
               </a:rPr>
               <a:t>Для правки структуры щёлкните мышью</a:t>
             </a:r>
-            <a:endParaRPr b="0" lang="en-US" sz="2000" spc="-1" strike="noStrike">
-              <a:solidFill>
-                <a:srgbClr val="191b0e"/>
-              </a:solidFill>
-              <a:latin typeface="Franklin Gothic Book"/>
-            </a:endParaRPr>
-          </a:p>
-          <a:p>
-            <a:pPr lvl="1" marL="864000" indent="-324000">
+          </a:p>
+          <a:p>
+            <a:pPr marL="864000" lvl="1" indent="-324000">
               <a:spcBef>
                 <a:spcPts val="1134"/>
               </a:spcBef>
@@ -3276,23 +3545,17 @@
               <a:buChar char=""/>
             </a:pPr>
             <a:r>
-              <a:rPr b="0" lang="en-US" sz="1800" spc="-1" strike="noStrike">
-                <a:solidFill>
-                  <a:srgbClr val="191b0e"/>
+              <a:rPr lang="en-US" sz="1800" b="0" strike="noStrike" spc="-1">
+                <a:solidFill>
+                  <a:srgbClr val="191B0E"/>
                 </a:solidFill>
                 <a:latin typeface="Franklin Gothic Book"/>
               </a:rPr>
               <a:t>Второй уровень структуры</a:t>
             </a:r>
-            <a:endParaRPr b="0" lang="en-US" sz="1800" spc="-1" strike="noStrike">
-              <a:solidFill>
-                <a:srgbClr val="191b0e"/>
-              </a:solidFill>
-              <a:latin typeface="Franklin Gothic Book"/>
-            </a:endParaRPr>
-          </a:p>
-          <a:p>
-            <a:pPr lvl="2" marL="1296000" indent="-288000">
+          </a:p>
+          <a:p>
+            <a:pPr marL="1296000" lvl="2" indent="-288000">
               <a:spcBef>
                 <a:spcPts val="850"/>
               </a:spcBef>
@@ -3304,23 +3567,17 @@
               <a:buChar char=""/>
             </a:pPr>
             <a:r>
-              <a:rPr b="0" i="1" lang="en-US" sz="1800" spc="-1" strike="noStrike">
-                <a:solidFill>
-                  <a:srgbClr val="191b0e"/>
+              <a:rPr lang="en-US" sz="1800" b="0" i="1" strike="noStrike" spc="-1">
+                <a:solidFill>
+                  <a:srgbClr val="191B0E"/>
                 </a:solidFill>
                 <a:latin typeface="Franklin Gothic Book"/>
               </a:rPr>
               <a:t>Третий уровень структуры</a:t>
             </a:r>
-            <a:endParaRPr b="0" i="1" lang="en-US" sz="1800" spc="-1" strike="noStrike">
-              <a:solidFill>
-                <a:srgbClr val="191b0e"/>
-              </a:solidFill>
-              <a:latin typeface="Franklin Gothic Book"/>
-            </a:endParaRPr>
-          </a:p>
-          <a:p>
-            <a:pPr lvl="3" marL="1728000" indent="-216000">
+          </a:p>
+          <a:p>
+            <a:pPr marL="1728000" lvl="3" indent="-216000">
               <a:spcBef>
                 <a:spcPts val="567"/>
               </a:spcBef>
@@ -3332,23 +3589,17 @@
               <a:buChar char=""/>
             </a:pPr>
             <a:r>
-              <a:rPr b="0" lang="en-US" sz="1600" spc="-1" strike="noStrike">
-                <a:solidFill>
-                  <a:srgbClr val="191b0e"/>
+              <a:rPr lang="en-US" sz="1600" b="0" strike="noStrike" spc="-1">
+                <a:solidFill>
+                  <a:srgbClr val="191B0E"/>
                 </a:solidFill>
                 <a:latin typeface="Franklin Gothic Book"/>
               </a:rPr>
               <a:t>Четвёртый уровень структуры</a:t>
             </a:r>
-            <a:endParaRPr b="0" lang="en-US" sz="1600" spc="-1" strike="noStrike">
-              <a:solidFill>
-                <a:srgbClr val="191b0e"/>
-              </a:solidFill>
-              <a:latin typeface="Franklin Gothic Book"/>
-            </a:endParaRPr>
-          </a:p>
-          <a:p>
-            <a:pPr lvl="4" marL="2160000" indent="-216000">
+          </a:p>
+          <a:p>
+            <a:pPr marL="2160000" lvl="4" indent="-216000">
               <a:spcBef>
                 <a:spcPts val="283"/>
               </a:spcBef>
@@ -3360,23 +3611,17 @@
               <a:buChar char=""/>
             </a:pPr>
             <a:r>
-              <a:rPr b="0" lang="en-US" sz="2000" spc="-1" strike="noStrike">
-                <a:solidFill>
-                  <a:srgbClr val="191b0e"/>
+              <a:rPr lang="en-US" sz="2000" b="0" strike="noStrike" spc="-1">
+                <a:solidFill>
+                  <a:srgbClr val="191B0E"/>
                 </a:solidFill>
                 <a:latin typeface="Franklin Gothic Book"/>
               </a:rPr>
               <a:t>Пятый уровень структуры</a:t>
             </a:r>
-            <a:endParaRPr b="0" lang="en-US" sz="2000" spc="-1" strike="noStrike">
-              <a:solidFill>
-                <a:srgbClr val="191b0e"/>
-              </a:solidFill>
-              <a:latin typeface="Franklin Gothic Book"/>
-            </a:endParaRPr>
-          </a:p>
-          <a:p>
-            <a:pPr lvl="5" marL="2592000" indent="-216000">
+          </a:p>
+          <a:p>
+            <a:pPr marL="2592000" lvl="5" indent="-216000">
               <a:spcBef>
                 <a:spcPts val="283"/>
               </a:spcBef>
@@ -3388,23 +3633,17 @@
               <a:buChar char=""/>
             </a:pPr>
             <a:r>
-              <a:rPr b="0" lang="en-US" sz="2000" spc="-1" strike="noStrike">
-                <a:solidFill>
-                  <a:srgbClr val="191b0e"/>
+              <a:rPr lang="en-US" sz="2000" b="0" strike="noStrike" spc="-1">
+                <a:solidFill>
+                  <a:srgbClr val="191B0E"/>
                 </a:solidFill>
                 <a:latin typeface="Franklin Gothic Book"/>
               </a:rPr>
               <a:t>Шестой уровень структуры</a:t>
             </a:r>
-            <a:endParaRPr b="0" lang="en-US" sz="2000" spc="-1" strike="noStrike">
-              <a:solidFill>
-                <a:srgbClr val="191b0e"/>
-              </a:solidFill>
-              <a:latin typeface="Franklin Gothic Book"/>
-            </a:endParaRPr>
-          </a:p>
-          <a:p>
-            <a:pPr lvl="6" marL="3024000" indent="-216000">
+          </a:p>
+          <a:p>
+            <a:pPr marL="3024000" lvl="6" indent="-216000">
               <a:spcBef>
                 <a:spcPts val="283"/>
               </a:spcBef>
@@ -3416,51 +3655,326 @@
               <a:buChar char=""/>
             </a:pPr>
             <a:r>
-              <a:rPr b="0" lang="en-US" sz="2000" spc="-1" strike="noStrike">
-                <a:solidFill>
-                  <a:srgbClr val="191b0e"/>
+              <a:rPr lang="en-US" sz="2000" b="0" strike="noStrike" spc="-1">
+                <a:solidFill>
+                  <a:srgbClr val="191B0E"/>
                 </a:solidFill>
                 <a:latin typeface="Franklin Gothic Book"/>
               </a:rPr>
               <a:t>Седьмой уровень структуры</a:t>
             </a:r>
-            <a:endParaRPr b="0" lang="en-US" sz="2000" spc="-1" strike="noStrike">
-              <a:solidFill>
-                <a:srgbClr val="191b0e"/>
-              </a:solidFill>
-              <a:latin typeface="Franklin Gothic Book"/>
-            </a:endParaRPr>
           </a:p>
         </p:txBody>
       </p:sp>
     </p:spTree>
   </p:cSld>
-  <p:clrMap bg1="lt1" bg2="lt2" tx1="dk1" tx2="dk2" accent1="accent1" accent2="accent2" accent3="accent3" accent4="accent4" accent5="accent5" accent6="accent6" hlink="hlink" folHlink="folHlink"/>
+  <p:clrMap bg1="lt1" tx1="dk1" bg2="lt2" tx2="dk2" accent1="accent1" accent2="accent2" accent3="accent3" accent4="accent4" accent5="accent5" accent6="accent6" hlink="hlink" folHlink="folHlink"/>
   <p:sldLayoutIdLst>
-    <p:sldLayoutId id="2147483649" r:id="rId2"/>
-    <p:sldLayoutId id="2147483650" r:id="rId3"/>
-    <p:sldLayoutId id="2147483651" r:id="rId4"/>
-    <p:sldLayoutId id="2147483652" r:id="rId5"/>
-    <p:sldLayoutId id="2147483653" r:id="rId6"/>
-    <p:sldLayoutId id="2147483654" r:id="rId7"/>
-    <p:sldLayoutId id="2147483655" r:id="rId8"/>
-    <p:sldLayoutId id="2147483656" r:id="rId9"/>
-    <p:sldLayoutId id="2147483657" r:id="rId10"/>
-    <p:sldLayoutId id="2147483658" r:id="rId11"/>
-    <p:sldLayoutId id="2147483659" r:id="rId12"/>
-    <p:sldLayoutId id="2147483660" r:id="rId13"/>
+    <p:sldLayoutId id="2147483649" r:id="rId1"/>
+    <p:sldLayoutId id="2147483650" r:id="rId2"/>
+    <p:sldLayoutId id="2147483651" r:id="rId3"/>
+    <p:sldLayoutId id="2147483652" r:id="rId4"/>
+    <p:sldLayoutId id="2147483653" r:id="rId5"/>
+    <p:sldLayoutId id="2147483654" r:id="rId6"/>
+    <p:sldLayoutId id="2147483655" r:id="rId7"/>
+    <p:sldLayoutId id="2147483656" r:id="rId8"/>
+    <p:sldLayoutId id="2147483657" r:id="rId9"/>
+    <p:sldLayoutId id="2147483658" r:id="rId10"/>
+    <p:sldLayoutId id="2147483659" r:id="rId11"/>
+    <p:sldLayoutId id="2147483660" r:id="rId12"/>
   </p:sldLayoutIdLst>
+  <p:txStyles>
+    <p:titleStyle>
+      <a:lvl1pPr algn="l" defTabSz="914400" rtl="0" eaLnBrk="1" latinLnBrk="0" hangingPunct="1">
+        <a:lnSpc>
+          <a:spcPct val="90000"/>
+        </a:lnSpc>
+        <a:spcBef>
+          <a:spcPct val="0"/>
+        </a:spcBef>
+        <a:buNone/>
+        <a:defRPr sz="4400" kern="1200">
+          <a:solidFill>
+            <a:schemeClr val="tx1"/>
+          </a:solidFill>
+          <a:latin typeface="+mj-lt"/>
+          <a:ea typeface="+mj-ea"/>
+          <a:cs typeface="+mj-cs"/>
+        </a:defRPr>
+      </a:lvl1pPr>
+    </p:titleStyle>
+    <p:bodyStyle>
+      <a:lvl1pPr marL="228600" indent="-228600" algn="l" defTabSz="914400" rtl="0" eaLnBrk="1" latinLnBrk="0" hangingPunct="1">
+        <a:lnSpc>
+          <a:spcPct val="90000"/>
+        </a:lnSpc>
+        <a:spcBef>
+          <a:spcPts val="1000"/>
+        </a:spcBef>
+        <a:buFont typeface="Arial" panose="020B0604020202020204" pitchFamily="34" charset="0"/>
+        <a:buChar char="•"/>
+        <a:defRPr sz="2800" kern="1200">
+          <a:solidFill>
+            <a:schemeClr val="tx1"/>
+          </a:solidFill>
+          <a:latin typeface="+mn-lt"/>
+          <a:ea typeface="+mn-ea"/>
+          <a:cs typeface="+mn-cs"/>
+        </a:defRPr>
+      </a:lvl1pPr>
+      <a:lvl2pPr marL="685800" indent="-228600" algn="l" defTabSz="914400" rtl="0" eaLnBrk="1" latinLnBrk="0" hangingPunct="1">
+        <a:lnSpc>
+          <a:spcPct val="90000"/>
+        </a:lnSpc>
+        <a:spcBef>
+          <a:spcPts val="500"/>
+        </a:spcBef>
+        <a:buFont typeface="Arial" panose="020B0604020202020204" pitchFamily="34" charset="0"/>
+        <a:buChar char="•"/>
+        <a:defRPr sz="2400" kern="1200">
+          <a:solidFill>
+            <a:schemeClr val="tx1"/>
+          </a:solidFill>
+          <a:latin typeface="+mn-lt"/>
+          <a:ea typeface="+mn-ea"/>
+          <a:cs typeface="+mn-cs"/>
+        </a:defRPr>
+      </a:lvl2pPr>
+      <a:lvl3pPr marL="1143000" indent="-228600" algn="l" defTabSz="914400" rtl="0" eaLnBrk="1" latinLnBrk="0" hangingPunct="1">
+        <a:lnSpc>
+          <a:spcPct val="90000"/>
+        </a:lnSpc>
+        <a:spcBef>
+          <a:spcPts val="500"/>
+        </a:spcBef>
+        <a:buFont typeface="Arial" panose="020B0604020202020204" pitchFamily="34" charset="0"/>
+        <a:buChar char="•"/>
+        <a:defRPr sz="2000" kern="1200">
+          <a:solidFill>
+            <a:schemeClr val="tx1"/>
+          </a:solidFill>
+          <a:latin typeface="+mn-lt"/>
+          <a:ea typeface="+mn-ea"/>
+          <a:cs typeface="+mn-cs"/>
+        </a:defRPr>
+      </a:lvl3pPr>
+      <a:lvl4pPr marL="1600200" indent="-228600" algn="l" defTabSz="914400" rtl="0" eaLnBrk="1" latinLnBrk="0" hangingPunct="1">
+        <a:lnSpc>
+          <a:spcPct val="90000"/>
+        </a:lnSpc>
+        <a:spcBef>
+          <a:spcPts val="500"/>
+        </a:spcBef>
+        <a:buFont typeface="Arial" panose="020B0604020202020204" pitchFamily="34" charset="0"/>
+        <a:buChar char="•"/>
+        <a:defRPr sz="1800" kern="1200">
+          <a:solidFill>
+            <a:schemeClr val="tx1"/>
+          </a:solidFill>
+          <a:latin typeface="+mn-lt"/>
+          <a:ea typeface="+mn-ea"/>
+          <a:cs typeface="+mn-cs"/>
+        </a:defRPr>
+      </a:lvl4pPr>
+      <a:lvl5pPr marL="2057400" indent="-228600" algn="l" defTabSz="914400" rtl="0" eaLnBrk="1" latinLnBrk="0" hangingPunct="1">
+        <a:lnSpc>
+          <a:spcPct val="90000"/>
+        </a:lnSpc>
+        <a:spcBef>
+          <a:spcPts val="500"/>
+        </a:spcBef>
+        <a:buFont typeface="Arial" panose="020B0604020202020204" pitchFamily="34" charset="0"/>
+        <a:buChar char="•"/>
+        <a:defRPr sz="1800" kern="1200">
+          <a:solidFill>
+            <a:schemeClr val="tx1"/>
+          </a:solidFill>
+          <a:latin typeface="+mn-lt"/>
+          <a:ea typeface="+mn-ea"/>
+          <a:cs typeface="+mn-cs"/>
+        </a:defRPr>
+      </a:lvl5pPr>
+      <a:lvl6pPr marL="2514600" indent="-228600" algn="l" defTabSz="914400" rtl="0" eaLnBrk="1" latinLnBrk="0" hangingPunct="1">
+        <a:lnSpc>
+          <a:spcPct val="90000"/>
+        </a:lnSpc>
+        <a:spcBef>
+          <a:spcPts val="500"/>
+        </a:spcBef>
+        <a:buFont typeface="Arial" panose="020B0604020202020204" pitchFamily="34" charset="0"/>
+        <a:buChar char="•"/>
+        <a:defRPr sz="1800" kern="1200">
+          <a:solidFill>
+            <a:schemeClr val="tx1"/>
+          </a:solidFill>
+          <a:latin typeface="+mn-lt"/>
+          <a:ea typeface="+mn-ea"/>
+          <a:cs typeface="+mn-cs"/>
+        </a:defRPr>
+      </a:lvl6pPr>
+      <a:lvl7pPr marL="2971800" indent="-228600" algn="l" defTabSz="914400" rtl="0" eaLnBrk="1" latinLnBrk="0" hangingPunct="1">
+        <a:lnSpc>
+          <a:spcPct val="90000"/>
+        </a:lnSpc>
+        <a:spcBef>
+          <a:spcPts val="500"/>
+        </a:spcBef>
+        <a:buFont typeface="Arial" panose="020B0604020202020204" pitchFamily="34" charset="0"/>
+        <a:buChar char="•"/>
+        <a:defRPr sz="1800" kern="1200">
+          <a:solidFill>
+            <a:schemeClr val="tx1"/>
+          </a:solidFill>
+          <a:latin typeface="+mn-lt"/>
+          <a:ea typeface="+mn-ea"/>
+          <a:cs typeface="+mn-cs"/>
+        </a:defRPr>
+      </a:lvl7pPr>
+      <a:lvl8pPr marL="3429000" indent="-228600" algn="l" defTabSz="914400" rtl="0" eaLnBrk="1" latinLnBrk="0" hangingPunct="1">
+        <a:lnSpc>
+          <a:spcPct val="90000"/>
+        </a:lnSpc>
+        <a:spcBef>
+          <a:spcPts val="500"/>
+        </a:spcBef>
+        <a:buFont typeface="Arial" panose="020B0604020202020204" pitchFamily="34" charset="0"/>
+        <a:buChar char="•"/>
+        <a:defRPr sz="1800" kern="1200">
+          <a:solidFill>
+            <a:schemeClr val="tx1"/>
+          </a:solidFill>
+          <a:latin typeface="+mn-lt"/>
+          <a:ea typeface="+mn-ea"/>
+          <a:cs typeface="+mn-cs"/>
+        </a:defRPr>
+      </a:lvl8pPr>
+      <a:lvl9pPr marL="3886200" indent="-228600" algn="l" defTabSz="914400" rtl="0" eaLnBrk="1" latinLnBrk="0" hangingPunct="1">
+        <a:lnSpc>
+          <a:spcPct val="90000"/>
+        </a:lnSpc>
+        <a:spcBef>
+          <a:spcPts val="500"/>
+        </a:spcBef>
+        <a:buFont typeface="Arial" panose="020B0604020202020204" pitchFamily="34" charset="0"/>
+        <a:buChar char="•"/>
+        <a:defRPr sz="1800" kern="1200">
+          <a:solidFill>
+            <a:schemeClr val="tx1"/>
+          </a:solidFill>
+          <a:latin typeface="+mn-lt"/>
+          <a:ea typeface="+mn-ea"/>
+          <a:cs typeface="+mn-cs"/>
+        </a:defRPr>
+      </a:lvl9pPr>
+    </p:bodyStyle>
+    <p:otherStyle>
+      <a:defPPr>
+        <a:defRPr lang="ru-RU"/>
+      </a:defPPr>
+      <a:lvl1pPr marL="0" algn="l" defTabSz="914400" rtl="0" eaLnBrk="1" latinLnBrk="0" hangingPunct="1">
+        <a:defRPr sz="1800" kern="1200">
+          <a:solidFill>
+            <a:schemeClr val="tx1"/>
+          </a:solidFill>
+          <a:latin typeface="+mn-lt"/>
+          <a:ea typeface="+mn-ea"/>
+          <a:cs typeface="+mn-cs"/>
+        </a:defRPr>
+      </a:lvl1pPr>
+      <a:lvl2pPr marL="457200" algn="l" defTabSz="914400" rtl="0" eaLnBrk="1" latinLnBrk="0" hangingPunct="1">
+        <a:defRPr sz="1800" kern="1200">
+          <a:solidFill>
+            <a:schemeClr val="tx1"/>
+          </a:solidFill>
+          <a:latin typeface="+mn-lt"/>
+          <a:ea typeface="+mn-ea"/>
+          <a:cs typeface="+mn-cs"/>
+        </a:defRPr>
+      </a:lvl2pPr>
+      <a:lvl3pPr marL="914400" algn="l" defTabSz="914400" rtl="0" eaLnBrk="1" latinLnBrk="0" hangingPunct="1">
+        <a:defRPr sz="1800" kern="1200">
+          <a:solidFill>
+            <a:schemeClr val="tx1"/>
+          </a:solidFill>
+          <a:latin typeface="+mn-lt"/>
+          <a:ea typeface="+mn-ea"/>
+          <a:cs typeface="+mn-cs"/>
+        </a:defRPr>
+      </a:lvl3pPr>
+      <a:lvl4pPr marL="1371600" algn="l" defTabSz="914400" rtl="0" eaLnBrk="1" latinLnBrk="0" hangingPunct="1">
+        <a:defRPr sz="1800" kern="1200">
+          <a:solidFill>
+            <a:schemeClr val="tx1"/>
+          </a:solidFill>
+          <a:latin typeface="+mn-lt"/>
+          <a:ea typeface="+mn-ea"/>
+          <a:cs typeface="+mn-cs"/>
+        </a:defRPr>
+      </a:lvl4pPr>
+      <a:lvl5pPr marL="1828800" algn="l" defTabSz="914400" rtl="0" eaLnBrk="1" latinLnBrk="0" hangingPunct="1">
+        <a:defRPr sz="1800" kern="1200">
+          <a:solidFill>
+            <a:schemeClr val="tx1"/>
+          </a:solidFill>
+          <a:latin typeface="+mn-lt"/>
+          <a:ea typeface="+mn-ea"/>
+          <a:cs typeface="+mn-cs"/>
+        </a:defRPr>
+      </a:lvl5pPr>
+      <a:lvl6pPr marL="2286000" algn="l" defTabSz="914400" rtl="0" eaLnBrk="1" latinLnBrk="0" hangingPunct="1">
+        <a:defRPr sz="1800" kern="1200">
+          <a:solidFill>
+            <a:schemeClr val="tx1"/>
+          </a:solidFill>
+          <a:latin typeface="+mn-lt"/>
+          <a:ea typeface="+mn-ea"/>
+          <a:cs typeface="+mn-cs"/>
+        </a:defRPr>
+      </a:lvl6pPr>
+      <a:lvl7pPr marL="2743200" algn="l" defTabSz="914400" rtl="0" eaLnBrk="1" latinLnBrk="0" hangingPunct="1">
+        <a:defRPr sz="1800" kern="1200">
+          <a:solidFill>
+            <a:schemeClr val="tx1"/>
+          </a:solidFill>
+          <a:latin typeface="+mn-lt"/>
+          <a:ea typeface="+mn-ea"/>
+          <a:cs typeface="+mn-cs"/>
+        </a:defRPr>
+      </a:lvl7pPr>
+      <a:lvl8pPr marL="3200400" algn="l" defTabSz="914400" rtl="0" eaLnBrk="1" latinLnBrk="0" hangingPunct="1">
+        <a:defRPr sz="1800" kern="1200">
+          <a:solidFill>
+            <a:schemeClr val="tx1"/>
+          </a:solidFill>
+          <a:latin typeface="+mn-lt"/>
+          <a:ea typeface="+mn-ea"/>
+          <a:cs typeface="+mn-cs"/>
+        </a:defRPr>
+      </a:lvl8pPr>
+      <a:lvl9pPr marL="3657600" algn="l" defTabSz="914400" rtl="0" eaLnBrk="1" latinLnBrk="0" hangingPunct="1">
+        <a:defRPr sz="1800" kern="1200">
+          <a:solidFill>
+            <a:schemeClr val="tx1"/>
+          </a:solidFill>
+          <a:latin typeface="+mn-lt"/>
+          <a:ea typeface="+mn-ea"/>
+          <a:cs typeface="+mn-cs"/>
+        </a:defRPr>
+      </a:lvl9pPr>
+    </p:otherStyle>
+  </p:txStyles>
 </p:sldMaster>
 </file>
 
 <file path=ppt/slideMasters/slideMaster2.xml><?xml version="1.0" encoding="utf-8"?>
-<p:sldMaster xmlns:a="http://schemas.openxmlformats.org/drawingml/2006/main" xmlns:p="http://schemas.openxmlformats.org/presentationml/2006/main" xmlns:r="http://schemas.openxmlformats.org/officeDocument/2006/relationships" xmlns:p14="http://schemas.microsoft.com/office/powerpoint/2010/main" xmlns:p15="http://schemas.microsoft.com/office/powerpoint/2012/main" xmlns:mc="http://schemas.openxmlformats.org/markup-compatibility/2006">
+<p:sldMaster xmlns:a="http://schemas.openxmlformats.org/drawingml/2006/main" xmlns:r="http://schemas.openxmlformats.org/officeDocument/2006/relationships" xmlns:p="http://schemas.openxmlformats.org/presentationml/2006/main">
   <p:cSld>
     <p:bg>
       <p:bgPr>
         <a:solidFill>
-          <a:srgbClr val="efede3"/>
+          <a:srgbClr val="EFEDE3"/>
         </a:solidFill>
+        <a:effectLst/>
       </p:bgPr>
     </p:bg>
     <p:spTree>
@@ -3534,6 +4048,7 @@
         </p:spPr>
         <p:txBody>
           <a:bodyPr/>
+          <a:lstStyle/>
           <a:p>
             <a:pPr>
               <a:lnSpc>
@@ -3541,15 +4056,15 @@
               </a:lnSpc>
             </a:pPr>
             <a:r>
-              <a:rPr b="0" lang="en-US" sz="4400" spc="-1" strike="noStrike">
-                <a:solidFill>
-                  <a:srgbClr val="191b0e"/>
+              <a:rPr lang="en-US" sz="4400" b="0" strike="noStrike" spc="-1">
+                <a:solidFill>
+                  <a:srgbClr val="191B0E"/>
                 </a:solidFill>
                 <a:latin typeface="Franklin Gothic Book"/>
               </a:rPr>
               <a:t>Образец заголовка</a:t>
             </a:r>
-            <a:endParaRPr b="0" lang="en-US" sz="4400" spc="-1" strike="noStrike">
+            <a:endParaRPr lang="en-US" sz="4400" b="0" strike="noStrike" spc="-1">
               <a:solidFill>
                 <a:srgbClr val="000000"/>
               </a:solidFill>
@@ -3579,6 +4094,7 @@
         </p:spPr>
         <p:txBody>
           <a:bodyPr/>
+          <a:lstStyle/>
           <a:p>
             <a:pPr marL="384120" indent="-383760">
               <a:lnSpc>
@@ -3591,29 +4107,23 @@
                 <a:spcPts val="201"/>
               </a:spcAft>
               <a:buClr>
-                <a:srgbClr val="191b0e"/>
+                <a:srgbClr val="191B0E"/>
               </a:buClr>
               <a:buFont typeface="Franklin Gothic Book"/>
               <a:buChar char="■"/>
             </a:pPr>
             <a:r>
-              <a:rPr b="0" lang="en-US" sz="2000" spc="-1" strike="noStrike">
-                <a:solidFill>
-                  <a:srgbClr val="191b0e"/>
+              <a:rPr lang="en-US" sz="2000" b="0" strike="noStrike" spc="-1">
+                <a:solidFill>
+                  <a:srgbClr val="191B0E"/>
                 </a:solidFill>
                 <a:latin typeface="Franklin Gothic Book"/>
               </a:rPr>
               <a:t>Образец текста</a:t>
             </a:r>
-            <a:endParaRPr b="0" lang="en-US" sz="2000" spc="-1" strike="noStrike">
-              <a:solidFill>
-                <a:srgbClr val="191b0e"/>
-              </a:solidFill>
-              <a:latin typeface="Franklin Gothic Book"/>
-            </a:endParaRPr>
-          </a:p>
-          <a:p>
-            <a:pPr lvl="1" marL="914400" indent="-383760">
+          </a:p>
+          <a:p>
+            <a:pPr marL="914400" lvl="1" indent="-383760">
               <a:lnSpc>
                 <a:spcPct val="94000"/>
               </a:lnSpc>
@@ -3624,29 +4134,29 @@
                 <a:spcPts val="201"/>
               </a:spcAft>
               <a:buClr>
-                <a:srgbClr val="191b0e"/>
+                <a:srgbClr val="191B0E"/>
               </a:buClr>
               <a:buFont typeface="Franklin Gothic Book"/>
               <a:buChar char="–"/>
             </a:pPr>
             <a:r>
-              <a:rPr b="0" i="1" lang="en-US" sz="2000" spc="-1" strike="noStrike">
-                <a:solidFill>
-                  <a:srgbClr val="191b0e"/>
+              <a:rPr lang="en-US" sz="2000" b="0" i="1" strike="noStrike" spc="-1">
+                <a:solidFill>
+                  <a:srgbClr val="191B0E"/>
                 </a:solidFill>
                 <a:latin typeface="Franklin Gothic Book"/>
               </a:rPr>
               <a:t>Второй уровень</a:t>
             </a:r>
-            <a:endParaRPr b="0" lang="en-US" sz="2000" spc="-1" strike="noStrike">
-              <a:solidFill>
-                <a:srgbClr val="191b0e"/>
-              </a:solidFill>
-              <a:latin typeface="Franklin Gothic Book"/>
-            </a:endParaRPr>
-          </a:p>
-          <a:p>
-            <a:pPr lvl="2" marL="1371600" indent="-383760">
+            <a:endParaRPr lang="en-US" sz="2000" b="0" strike="noStrike" spc="-1">
+              <a:solidFill>
+                <a:srgbClr val="191B0E"/>
+              </a:solidFill>
+              <a:latin typeface="Franklin Gothic Book"/>
+            </a:endParaRPr>
+          </a:p>
+          <a:p>
+            <a:pPr marL="1371600" lvl="2" indent="-383760">
               <a:lnSpc>
                 <a:spcPct val="94000"/>
               </a:lnSpc>
@@ -3657,29 +4167,29 @@
                 <a:spcPts val="201"/>
               </a:spcAft>
               <a:buClr>
-                <a:srgbClr val="191b0e"/>
+                <a:srgbClr val="191B0E"/>
               </a:buClr>
               <a:buFont typeface="Franklin Gothic Book"/>
               <a:buChar char="■"/>
             </a:pPr>
             <a:r>
-              <a:rPr b="0" lang="en-US" sz="1800" spc="-1" strike="noStrike">
-                <a:solidFill>
-                  <a:srgbClr val="191b0e"/>
+              <a:rPr lang="en-US" sz="1800" b="0" strike="noStrike" spc="-1">
+                <a:solidFill>
+                  <a:srgbClr val="191B0E"/>
                 </a:solidFill>
                 <a:latin typeface="Franklin Gothic Book"/>
               </a:rPr>
               <a:t>Третий уровень</a:t>
             </a:r>
-            <a:endParaRPr b="0" i="1" lang="en-US" sz="1800" spc="-1" strike="noStrike">
-              <a:solidFill>
-                <a:srgbClr val="191b0e"/>
-              </a:solidFill>
-              <a:latin typeface="Franklin Gothic Book"/>
-            </a:endParaRPr>
-          </a:p>
-          <a:p>
-            <a:pPr lvl="3" marL="1828800" indent="-383760">
+            <a:endParaRPr lang="en-US" sz="1800" b="0" i="1" strike="noStrike" spc="-1">
+              <a:solidFill>
+                <a:srgbClr val="191B0E"/>
+              </a:solidFill>
+              <a:latin typeface="Franklin Gothic Book"/>
+            </a:endParaRPr>
+          </a:p>
+          <a:p>
+            <a:pPr marL="1828800" lvl="3" indent="-383760">
               <a:lnSpc>
                 <a:spcPct val="94000"/>
               </a:lnSpc>
@@ -3690,29 +4200,29 @@
                 <a:spcPts val="201"/>
               </a:spcAft>
               <a:buClr>
-                <a:srgbClr val="191b0e"/>
+                <a:srgbClr val="191B0E"/>
               </a:buClr>
               <a:buFont typeface="Franklin Gothic Book"/>
               <a:buChar char="–"/>
             </a:pPr>
             <a:r>
-              <a:rPr b="0" i="1" lang="en-US" sz="1800" spc="-1" strike="noStrike">
-                <a:solidFill>
-                  <a:srgbClr val="191b0e"/>
+              <a:rPr lang="en-US" sz="1800" b="0" i="1" strike="noStrike" spc="-1">
+                <a:solidFill>
+                  <a:srgbClr val="191B0E"/>
                 </a:solidFill>
                 <a:latin typeface="Franklin Gothic Book"/>
               </a:rPr>
               <a:t>Четвертый уровень</a:t>
             </a:r>
-            <a:endParaRPr b="0" lang="en-US" sz="1800" spc="-1" strike="noStrike">
-              <a:solidFill>
-                <a:srgbClr val="191b0e"/>
-              </a:solidFill>
-              <a:latin typeface="Franklin Gothic Book"/>
-            </a:endParaRPr>
-          </a:p>
-          <a:p>
-            <a:pPr lvl="4" marL="2286000" indent="-383760">
+            <a:endParaRPr lang="en-US" sz="1800" b="0" strike="noStrike" spc="-1">
+              <a:solidFill>
+                <a:srgbClr val="191B0E"/>
+              </a:solidFill>
+              <a:latin typeface="Franklin Gothic Book"/>
+            </a:endParaRPr>
+          </a:p>
+          <a:p>
+            <a:pPr marL="2286000" lvl="4" indent="-383760">
               <a:lnSpc>
                 <a:spcPct val="94000"/>
               </a:lnSpc>
@@ -3723,26 +4233,20 @@
                 <a:spcPts val="201"/>
               </a:spcAft>
               <a:buClr>
-                <a:srgbClr val="191b0e"/>
+                <a:srgbClr val="191B0E"/>
               </a:buClr>
               <a:buFont typeface="Franklin Gothic Book"/>
               <a:buChar char="■"/>
             </a:pPr>
             <a:r>
-              <a:rPr b="0" lang="en-US" sz="1600" spc="-1" strike="noStrike">
-                <a:solidFill>
-                  <a:srgbClr val="191b0e"/>
+              <a:rPr lang="en-US" sz="1600" b="0" strike="noStrike" spc="-1">
+                <a:solidFill>
+                  <a:srgbClr val="191B0E"/>
                 </a:solidFill>
                 <a:latin typeface="Franklin Gothic Book"/>
               </a:rPr>
               <a:t>Пятый уровень</a:t>
             </a:r>
-            <a:endParaRPr b="0" lang="en-US" sz="1600" spc="-1" strike="noStrike">
-              <a:solidFill>
-                <a:srgbClr val="191b0e"/>
-              </a:solidFill>
-              <a:latin typeface="Franklin Gothic Book"/>
-            </a:endParaRPr>
           </a:p>
         </p:txBody>
       </p:sp>
@@ -3767,6 +4271,7 @@
         </p:spPr>
         <p:txBody>
           <a:bodyPr anchor="ctr"/>
+          <a:lstStyle/>
           <a:p>
             <a:pPr>
               <a:lnSpc>
@@ -3774,15 +4279,15 @@
               </a:lnSpc>
             </a:pPr>
             <a:fld id="{B2967618-07B2-4FA4-ACB3-0535BE806B1D}" type="datetime">
-              <a:rPr b="0" lang="ru-RU" sz="1200" spc="-1" strike="noStrike">
-                <a:solidFill>
-                  <a:srgbClr val="191b0e"/>
+              <a:rPr lang="ru-RU" sz="1200" b="0" strike="noStrike" spc="-1">
+                <a:solidFill>
+                  <a:srgbClr val="191B0E"/>
                 </a:solidFill>
                 <a:latin typeface="Franklin Gothic Book"/>
               </a:rPr>
-              <a:t>30.4.19</a:t>
+              <a:t>30.04.2019</a:t>
             </a:fld>
-            <a:endParaRPr b="0" lang="ru-RU" sz="1200" spc="-1" strike="noStrike">
+            <a:endParaRPr lang="ru-RU" sz="1200" b="0" strike="noStrike" spc="-1">
               <a:latin typeface="Times New Roman"/>
             </a:endParaRPr>
           </a:p>
@@ -3809,8 +4314,9 @@
         </p:spPr>
         <p:txBody>
           <a:bodyPr anchor="ctr"/>
-          <a:p>
-            <a:endParaRPr b="0" lang="ru-RU" sz="2400" spc="-1" strike="noStrike">
+          <a:lstStyle/>
+          <a:p>
+            <a:endParaRPr lang="ru-RU" sz="2400" b="0" strike="noStrike" spc="-1">
               <a:latin typeface="Times New Roman"/>
             </a:endParaRPr>
           </a:p>
@@ -3837,6 +4343,7 @@
         </p:spPr>
         <p:txBody>
           <a:bodyPr anchor="ctr"/>
+          <a:lstStyle/>
           <a:p>
             <a:pPr algn="r">
               <a:lnSpc>
@@ -3844,15 +4351,15 @@
               </a:lnSpc>
             </a:pPr>
             <a:fld id="{FD344E74-AE9E-4B22-AA2F-8DA8BF1420E9}" type="slidenum">
-              <a:rPr b="0" lang="ru-RU" sz="1200" spc="-1" strike="noStrike">
-                <a:solidFill>
-                  <a:srgbClr val="191b0e"/>
+              <a:rPr lang="ru-RU" sz="1200" b="0" strike="noStrike" spc="-1">
+                <a:solidFill>
+                  <a:srgbClr val="191B0E"/>
                 </a:solidFill>
                 <a:latin typeface="Franklin Gothic Book"/>
               </a:rPr>
-              <a:t>1</a:t>
+              <a:t>‹#›</a:t>
             </a:fld>
-            <a:endParaRPr b="0" lang="ru-RU" sz="1200" spc="-1" strike="noStrike">
+            <a:endParaRPr lang="ru-RU" sz="1200" b="0" strike="noStrike" spc="-1">
               <a:latin typeface="Times New Roman"/>
             </a:endParaRPr>
           </a:p>
@@ -3860,26 +4367,306 @@
       </p:sp>
     </p:spTree>
   </p:cSld>
-  <p:clrMap bg1="lt1" bg2="lt2" tx1="dk1" tx2="dk2" accent1="accent1" accent2="accent2" accent3="accent3" accent4="accent4" accent5="accent5" accent6="accent6" hlink="hlink" folHlink="folHlink"/>
+  <p:clrMap bg1="lt1" tx1="dk1" bg2="lt2" tx2="dk2" accent1="accent1" accent2="accent2" accent3="accent3" accent4="accent4" accent5="accent5" accent6="accent6" hlink="hlink" folHlink="folHlink"/>
   <p:sldLayoutIdLst>
-    <p:sldLayoutId id="2147483662" r:id="rId2"/>
-    <p:sldLayoutId id="2147483663" r:id="rId3"/>
-    <p:sldLayoutId id="2147483664" r:id="rId4"/>
-    <p:sldLayoutId id="2147483665" r:id="rId5"/>
-    <p:sldLayoutId id="2147483666" r:id="rId6"/>
-    <p:sldLayoutId id="2147483667" r:id="rId7"/>
-    <p:sldLayoutId id="2147483668" r:id="rId8"/>
-    <p:sldLayoutId id="2147483669" r:id="rId9"/>
-    <p:sldLayoutId id="2147483670" r:id="rId10"/>
-    <p:sldLayoutId id="2147483671" r:id="rId11"/>
-    <p:sldLayoutId id="2147483672" r:id="rId12"/>
-    <p:sldLayoutId id="2147483673" r:id="rId13"/>
+    <p:sldLayoutId id="2147483662" r:id="rId1"/>
+    <p:sldLayoutId id="2147483663" r:id="rId2"/>
+    <p:sldLayoutId id="2147483664" r:id="rId3"/>
+    <p:sldLayoutId id="2147483665" r:id="rId4"/>
+    <p:sldLayoutId id="2147483666" r:id="rId5"/>
+    <p:sldLayoutId id="2147483667" r:id="rId6"/>
+    <p:sldLayoutId id="2147483668" r:id="rId7"/>
+    <p:sldLayoutId id="2147483669" r:id="rId8"/>
+    <p:sldLayoutId id="2147483670" r:id="rId9"/>
+    <p:sldLayoutId id="2147483671" r:id="rId10"/>
+    <p:sldLayoutId id="2147483672" r:id="rId11"/>
+    <p:sldLayoutId id="2147483673" r:id="rId12"/>
   </p:sldLayoutIdLst>
+  <p:txStyles>
+    <p:titleStyle>
+      <a:lvl1pPr algn="l" defTabSz="914400" rtl="0" eaLnBrk="1" latinLnBrk="0" hangingPunct="1">
+        <a:lnSpc>
+          <a:spcPct val="90000"/>
+        </a:lnSpc>
+        <a:spcBef>
+          <a:spcPct val="0"/>
+        </a:spcBef>
+        <a:buNone/>
+        <a:defRPr sz="4400" kern="1200">
+          <a:solidFill>
+            <a:schemeClr val="tx1"/>
+          </a:solidFill>
+          <a:latin typeface="+mj-lt"/>
+          <a:ea typeface="+mj-ea"/>
+          <a:cs typeface="+mj-cs"/>
+        </a:defRPr>
+      </a:lvl1pPr>
+    </p:titleStyle>
+    <p:bodyStyle>
+      <a:lvl1pPr marL="228600" indent="-228600" algn="l" defTabSz="914400" rtl="0" eaLnBrk="1" latinLnBrk="0" hangingPunct="1">
+        <a:lnSpc>
+          <a:spcPct val="90000"/>
+        </a:lnSpc>
+        <a:spcBef>
+          <a:spcPts val="1000"/>
+        </a:spcBef>
+        <a:buFont typeface="Arial" panose="020B0604020202020204" pitchFamily="34" charset="0"/>
+        <a:buChar char="•"/>
+        <a:defRPr sz="2800" kern="1200">
+          <a:solidFill>
+            <a:schemeClr val="tx1"/>
+          </a:solidFill>
+          <a:latin typeface="+mn-lt"/>
+          <a:ea typeface="+mn-ea"/>
+          <a:cs typeface="+mn-cs"/>
+        </a:defRPr>
+      </a:lvl1pPr>
+      <a:lvl2pPr marL="685800" indent="-228600" algn="l" defTabSz="914400" rtl="0" eaLnBrk="1" latinLnBrk="0" hangingPunct="1">
+        <a:lnSpc>
+          <a:spcPct val="90000"/>
+        </a:lnSpc>
+        <a:spcBef>
+          <a:spcPts val="500"/>
+        </a:spcBef>
+        <a:buFont typeface="Arial" panose="020B0604020202020204" pitchFamily="34" charset="0"/>
+        <a:buChar char="•"/>
+        <a:defRPr sz="2400" kern="1200">
+          <a:solidFill>
+            <a:schemeClr val="tx1"/>
+          </a:solidFill>
+          <a:latin typeface="+mn-lt"/>
+          <a:ea typeface="+mn-ea"/>
+          <a:cs typeface="+mn-cs"/>
+        </a:defRPr>
+      </a:lvl2pPr>
+      <a:lvl3pPr marL="1143000" indent="-228600" algn="l" defTabSz="914400" rtl="0" eaLnBrk="1" latinLnBrk="0" hangingPunct="1">
+        <a:lnSpc>
+          <a:spcPct val="90000"/>
+        </a:lnSpc>
+        <a:spcBef>
+          <a:spcPts val="500"/>
+        </a:spcBef>
+        <a:buFont typeface="Arial" panose="020B0604020202020204" pitchFamily="34" charset="0"/>
+        <a:buChar char="•"/>
+        <a:defRPr sz="2000" kern="1200">
+          <a:solidFill>
+            <a:schemeClr val="tx1"/>
+          </a:solidFill>
+          <a:latin typeface="+mn-lt"/>
+          <a:ea typeface="+mn-ea"/>
+          <a:cs typeface="+mn-cs"/>
+        </a:defRPr>
+      </a:lvl3pPr>
+      <a:lvl4pPr marL="1600200" indent="-228600" algn="l" defTabSz="914400" rtl="0" eaLnBrk="1" latinLnBrk="0" hangingPunct="1">
+        <a:lnSpc>
+          <a:spcPct val="90000"/>
+        </a:lnSpc>
+        <a:spcBef>
+          <a:spcPts val="500"/>
+        </a:spcBef>
+        <a:buFont typeface="Arial" panose="020B0604020202020204" pitchFamily="34" charset="0"/>
+        <a:buChar char="•"/>
+        <a:defRPr sz="1800" kern="1200">
+          <a:solidFill>
+            <a:schemeClr val="tx1"/>
+          </a:solidFill>
+          <a:latin typeface="+mn-lt"/>
+          <a:ea typeface="+mn-ea"/>
+          <a:cs typeface="+mn-cs"/>
+        </a:defRPr>
+      </a:lvl4pPr>
+      <a:lvl5pPr marL="2057400" indent="-228600" algn="l" defTabSz="914400" rtl="0" eaLnBrk="1" latinLnBrk="0" hangingPunct="1">
+        <a:lnSpc>
+          <a:spcPct val="90000"/>
+        </a:lnSpc>
+        <a:spcBef>
+          <a:spcPts val="500"/>
+        </a:spcBef>
+        <a:buFont typeface="Arial" panose="020B0604020202020204" pitchFamily="34" charset="0"/>
+        <a:buChar char="•"/>
+        <a:defRPr sz="1800" kern="1200">
+          <a:solidFill>
+            <a:schemeClr val="tx1"/>
+          </a:solidFill>
+          <a:latin typeface="+mn-lt"/>
+          <a:ea typeface="+mn-ea"/>
+          <a:cs typeface="+mn-cs"/>
+        </a:defRPr>
+      </a:lvl5pPr>
+      <a:lvl6pPr marL="2514600" indent="-228600" algn="l" defTabSz="914400" rtl="0" eaLnBrk="1" latinLnBrk="0" hangingPunct="1">
+        <a:lnSpc>
+          <a:spcPct val="90000"/>
+        </a:lnSpc>
+        <a:spcBef>
+          <a:spcPts val="500"/>
+        </a:spcBef>
+        <a:buFont typeface="Arial" panose="020B0604020202020204" pitchFamily="34" charset="0"/>
+        <a:buChar char="•"/>
+        <a:defRPr sz="1800" kern="1200">
+          <a:solidFill>
+            <a:schemeClr val="tx1"/>
+          </a:solidFill>
+          <a:latin typeface="+mn-lt"/>
+          <a:ea typeface="+mn-ea"/>
+          <a:cs typeface="+mn-cs"/>
+        </a:defRPr>
+      </a:lvl6pPr>
+      <a:lvl7pPr marL="2971800" indent="-228600" algn="l" defTabSz="914400" rtl="0" eaLnBrk="1" latinLnBrk="0" hangingPunct="1">
+        <a:lnSpc>
+          <a:spcPct val="90000"/>
+        </a:lnSpc>
+        <a:spcBef>
+          <a:spcPts val="500"/>
+        </a:spcBef>
+        <a:buFont typeface="Arial" panose="020B0604020202020204" pitchFamily="34" charset="0"/>
+        <a:buChar char="•"/>
+        <a:defRPr sz="1800" kern="1200">
+          <a:solidFill>
+            <a:schemeClr val="tx1"/>
+          </a:solidFill>
+          <a:latin typeface="+mn-lt"/>
+          <a:ea typeface="+mn-ea"/>
+          <a:cs typeface="+mn-cs"/>
+        </a:defRPr>
+      </a:lvl7pPr>
+      <a:lvl8pPr marL="3429000" indent="-228600" algn="l" defTabSz="914400" rtl="0" eaLnBrk="1" latinLnBrk="0" hangingPunct="1">
+        <a:lnSpc>
+          <a:spcPct val="90000"/>
+        </a:lnSpc>
+        <a:spcBef>
+          <a:spcPts val="500"/>
+        </a:spcBef>
+        <a:buFont typeface="Arial" panose="020B0604020202020204" pitchFamily="34" charset="0"/>
+        <a:buChar char="•"/>
+        <a:defRPr sz="1800" kern="1200">
+          <a:solidFill>
+            <a:schemeClr val="tx1"/>
+          </a:solidFill>
+          <a:latin typeface="+mn-lt"/>
+          <a:ea typeface="+mn-ea"/>
+          <a:cs typeface="+mn-cs"/>
+        </a:defRPr>
+      </a:lvl8pPr>
+      <a:lvl9pPr marL="3886200" indent="-228600" algn="l" defTabSz="914400" rtl="0" eaLnBrk="1" latinLnBrk="0" hangingPunct="1">
+        <a:lnSpc>
+          <a:spcPct val="90000"/>
+        </a:lnSpc>
+        <a:spcBef>
+          <a:spcPts val="500"/>
+        </a:spcBef>
+        <a:buFont typeface="Arial" panose="020B0604020202020204" pitchFamily="34" charset="0"/>
+        <a:buChar char="•"/>
+        <a:defRPr sz="1800" kern="1200">
+          <a:solidFill>
+            <a:schemeClr val="tx1"/>
+          </a:solidFill>
+          <a:latin typeface="+mn-lt"/>
+          <a:ea typeface="+mn-ea"/>
+          <a:cs typeface="+mn-cs"/>
+        </a:defRPr>
+      </a:lvl9pPr>
+    </p:bodyStyle>
+    <p:otherStyle>
+      <a:defPPr>
+        <a:defRPr lang="ru-RU"/>
+      </a:defPPr>
+      <a:lvl1pPr marL="0" algn="l" defTabSz="914400" rtl="0" eaLnBrk="1" latinLnBrk="0" hangingPunct="1">
+        <a:defRPr sz="1800" kern="1200">
+          <a:solidFill>
+            <a:schemeClr val="tx1"/>
+          </a:solidFill>
+          <a:latin typeface="+mn-lt"/>
+          <a:ea typeface="+mn-ea"/>
+          <a:cs typeface="+mn-cs"/>
+        </a:defRPr>
+      </a:lvl1pPr>
+      <a:lvl2pPr marL="457200" algn="l" defTabSz="914400" rtl="0" eaLnBrk="1" latinLnBrk="0" hangingPunct="1">
+        <a:defRPr sz="1800" kern="1200">
+          <a:solidFill>
+            <a:schemeClr val="tx1"/>
+          </a:solidFill>
+          <a:latin typeface="+mn-lt"/>
+          <a:ea typeface="+mn-ea"/>
+          <a:cs typeface="+mn-cs"/>
+        </a:defRPr>
+      </a:lvl2pPr>
+      <a:lvl3pPr marL="914400" algn="l" defTabSz="914400" rtl="0" eaLnBrk="1" latinLnBrk="0" hangingPunct="1">
+        <a:defRPr sz="1800" kern="1200">
+          <a:solidFill>
+            <a:schemeClr val="tx1"/>
+          </a:solidFill>
+          <a:latin typeface="+mn-lt"/>
+          <a:ea typeface="+mn-ea"/>
+          <a:cs typeface="+mn-cs"/>
+        </a:defRPr>
+      </a:lvl3pPr>
+      <a:lvl4pPr marL="1371600" algn="l" defTabSz="914400" rtl="0" eaLnBrk="1" latinLnBrk="0" hangingPunct="1">
+        <a:defRPr sz="1800" kern="1200">
+          <a:solidFill>
+            <a:schemeClr val="tx1"/>
+          </a:solidFill>
+          <a:latin typeface="+mn-lt"/>
+          <a:ea typeface="+mn-ea"/>
+          <a:cs typeface="+mn-cs"/>
+        </a:defRPr>
+      </a:lvl4pPr>
+      <a:lvl5pPr marL="1828800" algn="l" defTabSz="914400" rtl="0" eaLnBrk="1" latinLnBrk="0" hangingPunct="1">
+        <a:defRPr sz="1800" kern="1200">
+          <a:solidFill>
+            <a:schemeClr val="tx1"/>
+          </a:solidFill>
+          <a:latin typeface="+mn-lt"/>
+          <a:ea typeface="+mn-ea"/>
+          <a:cs typeface="+mn-cs"/>
+        </a:defRPr>
+      </a:lvl5pPr>
+      <a:lvl6pPr marL="2286000" algn="l" defTabSz="914400" rtl="0" eaLnBrk="1" latinLnBrk="0" hangingPunct="1">
+        <a:defRPr sz="1800" kern="1200">
+          <a:solidFill>
+            <a:schemeClr val="tx1"/>
+          </a:solidFill>
+          <a:latin typeface="+mn-lt"/>
+          <a:ea typeface="+mn-ea"/>
+          <a:cs typeface="+mn-cs"/>
+        </a:defRPr>
+      </a:lvl6pPr>
+      <a:lvl7pPr marL="2743200" algn="l" defTabSz="914400" rtl="0" eaLnBrk="1" latinLnBrk="0" hangingPunct="1">
+        <a:defRPr sz="1800" kern="1200">
+          <a:solidFill>
+            <a:schemeClr val="tx1"/>
+          </a:solidFill>
+          <a:latin typeface="+mn-lt"/>
+          <a:ea typeface="+mn-ea"/>
+          <a:cs typeface="+mn-cs"/>
+        </a:defRPr>
+      </a:lvl7pPr>
+      <a:lvl8pPr marL="3200400" algn="l" defTabSz="914400" rtl="0" eaLnBrk="1" latinLnBrk="0" hangingPunct="1">
+        <a:defRPr sz="1800" kern="1200">
+          <a:solidFill>
+            <a:schemeClr val="tx1"/>
+          </a:solidFill>
+          <a:latin typeface="+mn-lt"/>
+          <a:ea typeface="+mn-ea"/>
+          <a:cs typeface="+mn-cs"/>
+        </a:defRPr>
+      </a:lvl8pPr>
+      <a:lvl9pPr marL="3657600" algn="l" defTabSz="914400" rtl="0" eaLnBrk="1" latinLnBrk="0" hangingPunct="1">
+        <a:defRPr sz="1800" kern="1200">
+          <a:solidFill>
+            <a:schemeClr val="tx1"/>
+          </a:solidFill>
+          <a:latin typeface="+mn-lt"/>
+          <a:ea typeface="+mn-ea"/>
+          <a:cs typeface="+mn-cs"/>
+        </a:defRPr>
+      </a:lvl9pPr>
+    </p:otherStyle>
+  </p:txStyles>
 </p:sldMaster>
 </file>
 
 <file path=ppt/slides/slide1.xml><?xml version="1.0" encoding="utf-8"?>
-<p:sld xmlns:a="http://schemas.openxmlformats.org/drawingml/2006/main" xmlns:p="http://schemas.openxmlformats.org/presentationml/2006/main" xmlns:r="http://schemas.openxmlformats.org/officeDocument/2006/relationships" xmlns:p14="http://schemas.microsoft.com/office/powerpoint/2010/main" xmlns:p15="http://schemas.microsoft.com/office/powerpoint/2012/main" xmlns:mc="http://schemas.openxmlformats.org/markup-compatibility/2006">
+<p:sld xmlns:a="http://schemas.openxmlformats.org/drawingml/2006/main" xmlns:r="http://schemas.openxmlformats.org/officeDocument/2006/relationships" xmlns:p="http://schemas.openxmlformats.org/presentationml/2006/main">
   <p:cSld>
     <p:spTree>
       <p:nvGrpSpPr>
@@ -3903,7 +4690,7 @@
         </p:nvSpPr>
         <p:spPr>
           <a:xfrm>
-            <a:off x="1935000" y="2078280"/>
+            <a:off x="1915020" y="2380140"/>
             <a:ext cx="8361000" cy="2097720"/>
           </a:xfrm>
           <a:prstGeom prst="rect">
@@ -3916,6 +4703,7 @@
         </p:spPr>
         <p:txBody>
           <a:bodyPr anchor="b"/>
+          <a:lstStyle/>
           <a:p>
             <a:pPr algn="ctr">
               <a:lnSpc>
@@ -3923,15 +4711,69 @@
               </a:lnSpc>
             </a:pPr>
             <a:r>
-              <a:rPr b="1" lang="en-US" sz="7200" spc="-1" strike="noStrike" cap="all">
-                <a:solidFill>
-                  <a:srgbClr val="191b0e"/>
-                </a:solidFill>
-                <a:latin typeface="FuturaBookC"/>
-              </a:rPr>
-              <a:t>Проект API. Навык для алисы</a:t>
-            </a:r>
-            <a:endParaRPr b="0" lang="en-US" sz="7200" spc="-1" strike="noStrike">
+              <a:rPr lang="en-US" sz="7200" b="1" strike="noStrike" cap="all" spc="-1" dirty="0" err="1">
+                <a:solidFill>
+                  <a:srgbClr val="191B0E"/>
+                </a:solidFill>
+                <a:latin typeface="FuturaBookC"/>
+              </a:rPr>
+              <a:t>Проект</a:t>
+            </a:r>
+            <a:r>
+              <a:rPr lang="en-US" sz="7200" b="1" strike="noStrike" cap="all" spc="-1" dirty="0">
+                <a:solidFill>
+                  <a:srgbClr val="191B0E"/>
+                </a:solidFill>
+                <a:latin typeface="FuturaBookC"/>
+              </a:rPr>
+              <a:t> API. </a:t>
+            </a:r>
+            <a:r>
+              <a:rPr lang="en-US" sz="7200" b="1" strike="noStrike" cap="all" spc="-1" dirty="0" err="1">
+                <a:solidFill>
+                  <a:srgbClr val="191B0E"/>
+                </a:solidFill>
+                <a:latin typeface="FuturaBookC"/>
+              </a:rPr>
+              <a:t>Навык</a:t>
+            </a:r>
+            <a:r>
+              <a:rPr lang="en-US" sz="7200" b="1" strike="noStrike" cap="all" spc="-1" dirty="0">
+                <a:solidFill>
+                  <a:srgbClr val="191B0E"/>
+                </a:solidFill>
+                <a:latin typeface="FuturaBookC"/>
+              </a:rPr>
+              <a:t> </a:t>
+            </a:r>
+            <a:r>
+              <a:rPr lang="en-US" sz="7200" b="1" strike="noStrike" cap="all" spc="-1" dirty="0" err="1">
+                <a:solidFill>
+                  <a:srgbClr val="191B0E"/>
+                </a:solidFill>
+                <a:latin typeface="FuturaBookC"/>
+              </a:rPr>
+              <a:t>для</a:t>
+            </a:r>
+            <a:r>
+              <a:rPr lang="en-US" sz="7200" b="1" strike="noStrike" cap="all" spc="-1" dirty="0">
+                <a:solidFill>
+                  <a:srgbClr val="191B0E"/>
+                </a:solidFill>
+                <a:latin typeface="FuturaBookC"/>
+              </a:rPr>
+              <a:t> </a:t>
+            </a:r>
+            <a:r>
+              <a:rPr lang="en-US" sz="7200" b="1" strike="noStrike" cap="all" spc="-1" dirty="0" err="1">
+                <a:solidFill>
+                  <a:srgbClr val="191B0E"/>
+                </a:solidFill>
+                <a:latin typeface="FuturaBookC"/>
+              </a:rPr>
+              <a:t>алисы</a:t>
+            </a:r>
+            <a:endParaRPr lang="en-US" sz="7200" b="0" strike="noStrike" spc="-1" dirty="0">
               <a:solidFill>
                 <a:srgbClr val="000000"/>
               </a:solidFill>
@@ -3948,7 +4790,7 @@
         </p:nvSpPr>
         <p:spPr>
           <a:xfrm>
-            <a:off x="2679840" y="3956400"/>
+            <a:off x="2679840" y="4879678"/>
             <a:ext cx="6831360" cy="1085760"/>
           </a:xfrm>
           <a:prstGeom prst="rect">
@@ -3961,6 +4803,7 @@
         </p:spPr>
         <p:txBody>
           <a:bodyPr/>
+          <a:lstStyle/>
           <a:p>
             <a:pPr algn="ctr">
               <a:lnSpc>
@@ -3968,15 +4811,33 @@
               </a:lnSpc>
             </a:pPr>
             <a:r>
-              <a:rPr b="0" lang="ru-RU" sz="2300" spc="-1" strike="noStrike">
-                <a:solidFill>
-                  <a:srgbClr val="191b0e"/>
-                </a:solidFill>
-                <a:latin typeface="FuturaBookC"/>
-              </a:rPr>
-              <a:t>Подготовил Мулин Денис</a:t>
-            </a:r>
-            <a:endParaRPr b="0" lang="ru-RU" sz="2300" spc="-1" strike="noStrike">
+              <a:rPr lang="ru-RU" sz="2300" b="0" strike="noStrike" spc="-1" dirty="0">
+                <a:solidFill>
+                  <a:srgbClr val="191B0E"/>
+                </a:solidFill>
+                <a:latin typeface="FuturaBookC"/>
+              </a:rPr>
+              <a:t>Подготовил </a:t>
+            </a:r>
+            <a:r>
+              <a:rPr lang="ru-RU" sz="2300" b="0" strike="noStrike" spc="-1" dirty="0" err="1">
+                <a:solidFill>
+                  <a:srgbClr val="191B0E"/>
+                </a:solidFill>
+                <a:latin typeface="FuturaBookC"/>
+              </a:rPr>
+              <a:t>Мулин</a:t>
+            </a:r>
+            <a:r>
+              <a:rPr lang="ru-RU" sz="2300" b="0" strike="noStrike" spc="-1" dirty="0">
+                <a:solidFill>
+                  <a:srgbClr val="191B0E"/>
+                </a:solidFill>
+                <a:latin typeface="FuturaBookC"/>
+              </a:rPr>
+              <a:t> Денис</a:t>
+            </a:r>
+            <a:endParaRPr lang="ru-RU" sz="2300" b="0" strike="noStrike" spc="-1" dirty="0">
               <a:latin typeface="Arial"/>
             </a:endParaRPr>
           </a:p>
@@ -3984,6 +4845,9 @@
       </p:sp>
     </p:spTree>
   </p:cSld>
+  <p:clrMapOvr>
+    <a:masterClrMapping/>
+  </p:clrMapOvr>
   <p:timing>
     <p:tnLst>
       <p:par>
@@ -3992,14 +4856,1069 @@
             <p:seq>
               <p:cTn id="2" dur="indefinite" nodeType="mainSeq"/>
               <p:prevCondLst>
-                <p:cond delay="0" evt="onPrev">
+                <p:cond evt="onPrev" delay="0">
                   <p:tgtEl>
                     <p:sldTgt/>
                   </p:tgtEl>
                 </p:cond>
               </p:prevCondLst>
               <p:nextCondLst>
-                <p:cond delay="0" evt="onNext">
+                <p:cond evt="onNext" delay="0">
+                  <p:tgtEl>
+                    <p:sldTgt/>
+                  </p:tgtEl>
+                </p:cond>
+              </p:nextCondLst>
+            </p:seq>
+          </p:childTnLst>
+        </p:cTn>
+      </p:par>
+    </p:tnLst>
+  </p:timing>
+</p:sld>
+</file>
+
+<file path=ppt/slides/slide10.xml><?xml version="1.0" encoding="utf-8"?>
+<p:sld xmlns:a="http://schemas.openxmlformats.org/drawingml/2006/main" xmlns:r="http://schemas.openxmlformats.org/officeDocument/2006/relationships" xmlns:p="http://schemas.openxmlformats.org/presentationml/2006/main">
+  <p:cSld>
+    <p:spTree>
+      <p:nvGrpSpPr>
+        <p:cNvPr id="1" name=""/>
+        <p:cNvGrpSpPr/>
+        <p:nvPr/>
+      </p:nvGrpSpPr>
+      <p:grpSpPr>
+        <a:xfrm>
+          <a:off x="0" y="0"/>
+          <a:ext cx="0" cy="0"/>
+          <a:chOff x="0" y="0"/>
+          <a:chExt cx="0" cy="0"/>
+        </a:xfrm>
+      </p:grpSpPr>
+      <p:sp>
+        <p:nvSpPr>
+          <p:cNvPr id="91" name="TextShape 1"/>
+          <p:cNvSpPr txBox="1"/>
+          <p:nvPr/>
+        </p:nvSpPr>
+        <p:spPr>
+          <a:xfrm>
+            <a:off x="1371600" y="685800"/>
+            <a:ext cx="9600840" cy="1485720"/>
+          </a:xfrm>
+          <a:prstGeom prst="rect">
+            <a:avLst/>
+          </a:prstGeom>
+          <a:noFill/>
+          <a:ln>
+            <a:noFill/>
+          </a:ln>
+        </p:spPr>
+        <p:txBody>
+          <a:bodyPr/>
+          <a:lstStyle/>
+          <a:p>
+            <a:pPr>
+              <a:lnSpc>
+                <a:spcPct val="89000"/>
+              </a:lnSpc>
+            </a:pPr>
+            <a:r>
+              <a:rPr lang="ru-RU" sz="4400" b="0" strike="noStrike" spc="-1" dirty="0">
+                <a:solidFill>
+                  <a:srgbClr val="191B0E"/>
+                </a:solidFill>
+                <a:latin typeface="FuturaBookC"/>
+              </a:rPr>
+              <a:t>Решение </a:t>
+            </a:r>
+            <a:r>
+              <a:rPr lang="en-US" sz="4400" b="0" strike="noStrike" spc="-1" dirty="0">
+                <a:solidFill>
+                  <a:srgbClr val="191B0E"/>
+                </a:solidFill>
+                <a:latin typeface="FuturaBookC"/>
+              </a:rPr>
+              <a:t>2</a:t>
+            </a:r>
+            <a:r>
+              <a:rPr lang="ru-RU" sz="4400" b="0" strike="noStrike" spc="-1" dirty="0">
+                <a:solidFill>
+                  <a:srgbClr val="191B0E"/>
+                </a:solidFill>
+                <a:latin typeface="FuturaBookC"/>
+              </a:rPr>
+              <a:t> - решение</a:t>
+            </a:r>
+            <a:endParaRPr lang="en-US" sz="4400" b="0" strike="noStrike" spc="-1" dirty="0">
+              <a:solidFill>
+                <a:srgbClr val="000000"/>
+              </a:solidFill>
+              <a:latin typeface="Franklin Gothic Book"/>
+            </a:endParaRPr>
+          </a:p>
+        </p:txBody>
+      </p:sp>
+      <p:sp>
+        <p:nvSpPr>
+          <p:cNvPr id="92" name="TextShape 2"/>
+          <p:cNvSpPr txBox="1"/>
+          <p:nvPr/>
+        </p:nvSpPr>
+        <p:spPr>
+          <a:xfrm>
+            <a:off x="1371600" y="2212399"/>
+            <a:ext cx="9343747" cy="3580920"/>
+          </a:xfrm>
+          <a:prstGeom prst="rect">
+            <a:avLst/>
+          </a:prstGeom>
+          <a:noFill/>
+          <a:ln>
+            <a:noFill/>
+          </a:ln>
+        </p:spPr>
+        <p:txBody>
+          <a:bodyPr/>
+          <a:lstStyle/>
+          <a:p>
+            <a:pPr>
+              <a:lnSpc>
+                <a:spcPct val="94000"/>
+              </a:lnSpc>
+              <a:spcBef>
+                <a:spcPts val="1001"/>
+              </a:spcBef>
+              <a:spcAft>
+                <a:spcPts val="201"/>
+              </a:spcAft>
+            </a:pPr>
+            <a:r>
+              <a:rPr lang="ru-RU" sz="2000" spc="-1" dirty="0">
+                <a:solidFill>
+                  <a:srgbClr val="191B0E"/>
+                </a:solidFill>
+                <a:latin typeface="Franklin Gothic Book"/>
+              </a:rPr>
+              <a:t>Тогда я решил заранее генерировать несколько стихотворений, а потом просто уже из готового набора выдавать пользователю. И это решение я почти доделал, но вовремя наткнулся на </a:t>
+            </a:r>
+            <a:r>
+              <a:rPr lang="en-US" sz="2000" spc="-1" dirty="0" err="1">
+                <a:solidFill>
+                  <a:srgbClr val="191B0E"/>
+                </a:solidFill>
+                <a:latin typeface="Franklin Gothic Book"/>
+              </a:rPr>
+              <a:t>autopoet</a:t>
+            </a:r>
+            <a:r>
+              <a:rPr lang="ru-RU" sz="2000" spc="-1" dirty="0">
+                <a:solidFill>
+                  <a:srgbClr val="191B0E"/>
+                </a:solidFill>
+                <a:latin typeface="Franklin Gothic Book"/>
+              </a:rPr>
+              <a:t> от </a:t>
+            </a:r>
+            <a:r>
+              <a:rPr lang="ru-RU" sz="2000" spc="-1" dirty="0" err="1">
+                <a:solidFill>
+                  <a:srgbClr val="191B0E"/>
+                </a:solidFill>
+                <a:latin typeface="Franklin Gothic Book"/>
+              </a:rPr>
+              <a:t>яндекса</a:t>
+            </a:r>
+            <a:r>
+              <a:rPr lang="en-US" sz="2000" spc="-1" dirty="0">
+                <a:solidFill>
+                  <a:srgbClr val="191B0E"/>
+                </a:solidFill>
+                <a:latin typeface="Franklin Gothic Book"/>
+              </a:rPr>
+              <a:t>.</a:t>
+            </a:r>
+            <a:endParaRPr lang="ru-RU" sz="2000" spc="-1" dirty="0">
+              <a:solidFill>
+                <a:srgbClr val="191B0E"/>
+              </a:solidFill>
+              <a:latin typeface="Franklin Gothic Book"/>
+            </a:endParaRPr>
+          </a:p>
+        </p:txBody>
+      </p:sp>
+    </p:spTree>
+    <p:extLst>
+      <p:ext uri="{BB962C8B-B14F-4D97-AF65-F5344CB8AC3E}">
+        <p14:creationId xmlns:p14="http://schemas.microsoft.com/office/powerpoint/2010/main" val="3970396199"/>
+      </p:ext>
+    </p:extLst>
+  </p:cSld>
+  <p:clrMapOvr>
+    <a:masterClrMapping/>
+  </p:clrMapOvr>
+  <p:timing>
+    <p:tnLst>
+      <p:par>
+        <p:cTn id="1" dur="indefinite" restart="never" nodeType="tmRoot">
+          <p:childTnLst>
+            <p:seq>
+              <p:cTn id="2" dur="indefinite" nodeType="mainSeq"/>
+              <p:prevCondLst>
+                <p:cond evt="onPrev" delay="0">
+                  <p:tgtEl>
+                    <p:sldTgt/>
+                  </p:tgtEl>
+                </p:cond>
+              </p:prevCondLst>
+              <p:nextCondLst>
+                <p:cond evt="onNext" delay="0">
+                  <p:tgtEl>
+                    <p:sldTgt/>
+                  </p:tgtEl>
+                </p:cond>
+              </p:nextCondLst>
+            </p:seq>
+          </p:childTnLst>
+        </p:cTn>
+      </p:par>
+    </p:tnLst>
+  </p:timing>
+</p:sld>
+</file>
+
+<file path=ppt/slides/slide11.xml><?xml version="1.0" encoding="utf-8"?>
+<p:sld xmlns:a="http://schemas.openxmlformats.org/drawingml/2006/main" xmlns:r="http://schemas.openxmlformats.org/officeDocument/2006/relationships" xmlns:p="http://schemas.openxmlformats.org/presentationml/2006/main">
+  <p:cSld>
+    <p:spTree>
+      <p:nvGrpSpPr>
+        <p:cNvPr id="1" name=""/>
+        <p:cNvGrpSpPr/>
+        <p:nvPr/>
+      </p:nvGrpSpPr>
+      <p:grpSpPr>
+        <a:xfrm>
+          <a:off x="0" y="0"/>
+          <a:ext cx="0" cy="0"/>
+          <a:chOff x="0" y="0"/>
+          <a:chExt cx="0" cy="0"/>
+        </a:xfrm>
+      </p:grpSpPr>
+      <p:sp>
+        <p:nvSpPr>
+          <p:cNvPr id="91" name="TextShape 1"/>
+          <p:cNvSpPr txBox="1"/>
+          <p:nvPr/>
+        </p:nvSpPr>
+        <p:spPr>
+          <a:xfrm>
+            <a:off x="1371600" y="628386"/>
+            <a:ext cx="9600840" cy="1485720"/>
+          </a:xfrm>
+          <a:prstGeom prst="rect">
+            <a:avLst/>
+          </a:prstGeom>
+          <a:noFill/>
+          <a:ln>
+            <a:noFill/>
+          </a:ln>
+        </p:spPr>
+        <p:txBody>
+          <a:bodyPr/>
+          <a:lstStyle/>
+          <a:p>
+            <a:pPr>
+              <a:lnSpc>
+                <a:spcPct val="89000"/>
+              </a:lnSpc>
+            </a:pPr>
+            <a:r>
+              <a:rPr lang="ru-RU" sz="4400" b="0" strike="noStrike" spc="-1" dirty="0">
+                <a:solidFill>
+                  <a:srgbClr val="191B0E"/>
+                </a:solidFill>
+                <a:latin typeface="FuturaBookC"/>
+              </a:rPr>
+              <a:t>Решение 3</a:t>
+            </a:r>
+            <a:endParaRPr lang="en-US" sz="4400" b="0" strike="noStrike" spc="-1" dirty="0">
+              <a:solidFill>
+                <a:srgbClr val="000000"/>
+              </a:solidFill>
+              <a:latin typeface="Franklin Gothic Book"/>
+            </a:endParaRPr>
+          </a:p>
+        </p:txBody>
+      </p:sp>
+      <p:sp>
+        <p:nvSpPr>
+          <p:cNvPr id="92" name="TextShape 2"/>
+          <p:cNvSpPr txBox="1"/>
+          <p:nvPr/>
+        </p:nvSpPr>
+        <p:spPr>
+          <a:xfrm>
+            <a:off x="1371600" y="2212399"/>
+            <a:ext cx="9343747" cy="3580920"/>
+          </a:xfrm>
+          <a:prstGeom prst="rect">
+            <a:avLst/>
+          </a:prstGeom>
+          <a:noFill/>
+          <a:ln>
+            <a:noFill/>
+          </a:ln>
+        </p:spPr>
+        <p:txBody>
+          <a:bodyPr/>
+          <a:lstStyle/>
+          <a:p>
+            <a:pPr>
+              <a:lnSpc>
+                <a:spcPct val="94000"/>
+              </a:lnSpc>
+              <a:spcBef>
+                <a:spcPts val="1001"/>
+              </a:spcBef>
+              <a:spcAft>
+                <a:spcPts val="201"/>
+              </a:spcAft>
+            </a:pPr>
+            <a:r>
+              <a:rPr lang="ru-RU" sz="2000" spc="-1" dirty="0">
+                <a:solidFill>
+                  <a:srgbClr val="191B0E"/>
+                </a:solidFill>
+                <a:latin typeface="Franklin Gothic Book"/>
+              </a:rPr>
+              <a:t>С помощью </a:t>
+            </a:r>
+            <a:r>
+              <a:rPr lang="en-US" sz="2000" spc="-1" dirty="0" err="1">
+                <a:solidFill>
+                  <a:srgbClr val="191B0E"/>
+                </a:solidFill>
+                <a:latin typeface="Franklin Gothic Book"/>
+              </a:rPr>
+              <a:t>autopoet</a:t>
+            </a:r>
+            <a:r>
+              <a:rPr lang="ru-RU" sz="2000" spc="-1" dirty="0">
+                <a:solidFill>
+                  <a:srgbClr val="191B0E"/>
+                </a:solidFill>
+                <a:latin typeface="Franklin Gothic Book"/>
+              </a:rPr>
+              <a:t> можно решить проблему скорости генерации, потому что </a:t>
+            </a:r>
+            <a:r>
+              <a:rPr lang="ru-RU" sz="2000" spc="-1" dirty="0" err="1">
+                <a:solidFill>
+                  <a:srgbClr val="191B0E"/>
+                </a:solidFill>
+                <a:latin typeface="Franklin Gothic Book"/>
+              </a:rPr>
+              <a:t>апи</a:t>
+            </a:r>
+            <a:r>
+              <a:rPr lang="ru-RU" sz="2000" spc="-1" dirty="0">
+                <a:solidFill>
+                  <a:srgbClr val="191B0E"/>
+                </a:solidFill>
+                <a:latin typeface="Franklin Gothic Book"/>
+              </a:rPr>
+              <a:t> будет работать в разы быстрее запуска модели обучения. Сейчас это решение работает по умолчанию.</a:t>
+            </a:r>
+          </a:p>
+        </p:txBody>
+      </p:sp>
+    </p:spTree>
+    <p:extLst>
+      <p:ext uri="{BB962C8B-B14F-4D97-AF65-F5344CB8AC3E}">
+        <p14:creationId xmlns:p14="http://schemas.microsoft.com/office/powerpoint/2010/main" val="3101104532"/>
+      </p:ext>
+    </p:extLst>
+  </p:cSld>
+  <p:clrMapOvr>
+    <a:masterClrMapping/>
+  </p:clrMapOvr>
+  <p:timing>
+    <p:tnLst>
+      <p:par>
+        <p:cTn id="1" dur="indefinite" restart="never" nodeType="tmRoot">
+          <p:childTnLst>
+            <p:seq>
+              <p:cTn id="2" dur="indefinite" nodeType="mainSeq"/>
+              <p:prevCondLst>
+                <p:cond evt="onPrev" delay="0">
+                  <p:tgtEl>
+                    <p:sldTgt/>
+                  </p:tgtEl>
+                </p:cond>
+              </p:prevCondLst>
+              <p:nextCondLst>
+                <p:cond evt="onNext" delay="0">
+                  <p:tgtEl>
+                    <p:sldTgt/>
+                  </p:tgtEl>
+                </p:cond>
+              </p:nextCondLst>
+            </p:seq>
+          </p:childTnLst>
+        </p:cTn>
+      </p:par>
+    </p:tnLst>
+  </p:timing>
+</p:sld>
+</file>
+
+<file path=ppt/slides/slide12.xml><?xml version="1.0" encoding="utf-8"?>
+<p:sld xmlns:a="http://schemas.openxmlformats.org/drawingml/2006/main" xmlns:r="http://schemas.openxmlformats.org/officeDocument/2006/relationships" xmlns:p="http://schemas.openxmlformats.org/presentationml/2006/main">
+  <p:cSld>
+    <p:spTree>
+      <p:nvGrpSpPr>
+        <p:cNvPr id="1" name=""/>
+        <p:cNvGrpSpPr/>
+        <p:nvPr/>
+      </p:nvGrpSpPr>
+      <p:grpSpPr>
+        <a:xfrm>
+          <a:off x="0" y="0"/>
+          <a:ext cx="0" cy="0"/>
+          <a:chOff x="0" y="0"/>
+          <a:chExt cx="0" cy="0"/>
+        </a:xfrm>
+      </p:grpSpPr>
+      <p:sp>
+        <p:nvSpPr>
+          <p:cNvPr id="91" name="TextShape 1"/>
+          <p:cNvSpPr txBox="1"/>
+          <p:nvPr/>
+        </p:nvSpPr>
+        <p:spPr>
+          <a:xfrm>
+            <a:off x="1371600" y="628386"/>
+            <a:ext cx="9600840" cy="1485720"/>
+          </a:xfrm>
+          <a:prstGeom prst="rect">
+            <a:avLst/>
+          </a:prstGeom>
+          <a:noFill/>
+          <a:ln>
+            <a:noFill/>
+          </a:ln>
+        </p:spPr>
+        <p:txBody>
+          <a:bodyPr/>
+          <a:lstStyle/>
+          <a:p>
+            <a:pPr>
+              <a:lnSpc>
+                <a:spcPct val="89000"/>
+              </a:lnSpc>
+            </a:pPr>
+            <a:r>
+              <a:rPr lang="ru-RU" sz="4400" spc="-1" dirty="0">
+                <a:solidFill>
+                  <a:srgbClr val="191B0E"/>
+                </a:solidFill>
+                <a:latin typeface="FuturaBookC"/>
+              </a:rPr>
+              <a:t>Д</a:t>
+            </a:r>
+            <a:r>
+              <a:rPr lang="ru-RU" sz="4400" b="0" strike="noStrike" spc="-1" dirty="0">
+                <a:solidFill>
+                  <a:srgbClr val="191B0E"/>
+                </a:solidFill>
+                <a:latin typeface="FuturaBookC"/>
+              </a:rPr>
+              <a:t>ополнение</a:t>
+            </a:r>
+            <a:endParaRPr lang="en-US" sz="4400" b="0" strike="noStrike" spc="-1" dirty="0">
+              <a:solidFill>
+                <a:srgbClr val="000000"/>
+              </a:solidFill>
+              <a:latin typeface="Franklin Gothic Book"/>
+            </a:endParaRPr>
+          </a:p>
+        </p:txBody>
+      </p:sp>
+      <p:sp>
+        <p:nvSpPr>
+          <p:cNvPr id="92" name="TextShape 2"/>
+          <p:cNvSpPr txBox="1"/>
+          <p:nvPr/>
+        </p:nvSpPr>
+        <p:spPr>
+          <a:xfrm>
+            <a:off x="1371600" y="2212399"/>
+            <a:ext cx="9343747" cy="3580920"/>
+          </a:xfrm>
+          <a:prstGeom prst="rect">
+            <a:avLst/>
+          </a:prstGeom>
+          <a:noFill/>
+          <a:ln>
+            <a:noFill/>
+          </a:ln>
+        </p:spPr>
+        <p:txBody>
+          <a:bodyPr/>
+          <a:lstStyle/>
+          <a:p>
+            <a:pPr>
+              <a:lnSpc>
+                <a:spcPct val="94000"/>
+              </a:lnSpc>
+              <a:spcBef>
+                <a:spcPts val="1001"/>
+              </a:spcBef>
+              <a:spcAft>
+                <a:spcPts val="201"/>
+              </a:spcAft>
+            </a:pPr>
+            <a:r>
+              <a:rPr lang="ru-RU" sz="2000" spc="-1" dirty="0">
+                <a:solidFill>
+                  <a:srgbClr val="191B0E"/>
+                </a:solidFill>
+                <a:latin typeface="Franklin Gothic Book"/>
+              </a:rPr>
+              <a:t>После решил добавить некий буфер, в который для каждого пользователя будут складываться </a:t>
+            </a:r>
+            <a:r>
+              <a:rPr lang="en-US" sz="2000" spc="-1" dirty="0">
+                <a:solidFill>
+                  <a:srgbClr val="191B0E"/>
+                </a:solidFill>
+                <a:latin typeface="Franklin Gothic Book"/>
+              </a:rPr>
+              <a:t>id </a:t>
+            </a:r>
+            <a:r>
+              <a:rPr lang="ru-RU" sz="2000" spc="-1" dirty="0">
+                <a:solidFill>
+                  <a:srgbClr val="191B0E"/>
+                </a:solidFill>
+                <a:latin typeface="Franklin Gothic Book"/>
+              </a:rPr>
+              <a:t>просмотренных стихотворений. Далее, при генерации, идет проверка на то, смотрел пользователь стих, или нет. Это решает общую проблему – дублирование.</a:t>
+            </a:r>
+          </a:p>
+        </p:txBody>
+      </p:sp>
+    </p:spTree>
+    <p:extLst>
+      <p:ext uri="{BB962C8B-B14F-4D97-AF65-F5344CB8AC3E}">
+        <p14:creationId xmlns:p14="http://schemas.microsoft.com/office/powerpoint/2010/main" val="377780695"/>
+      </p:ext>
+    </p:extLst>
+  </p:cSld>
+  <p:clrMapOvr>
+    <a:masterClrMapping/>
+  </p:clrMapOvr>
+  <p:timing>
+    <p:tnLst>
+      <p:par>
+        <p:cTn id="1" dur="indefinite" restart="never" nodeType="tmRoot">
+          <p:childTnLst>
+            <p:seq>
+              <p:cTn id="2" dur="indefinite" nodeType="mainSeq"/>
+              <p:prevCondLst>
+                <p:cond evt="onPrev" delay="0">
+                  <p:tgtEl>
+                    <p:sldTgt/>
+                  </p:tgtEl>
+                </p:cond>
+              </p:prevCondLst>
+              <p:nextCondLst>
+                <p:cond evt="onNext" delay="0">
+                  <p:tgtEl>
+                    <p:sldTgt/>
+                  </p:tgtEl>
+                </p:cond>
+              </p:nextCondLst>
+            </p:seq>
+          </p:childTnLst>
+        </p:cTn>
+      </p:par>
+    </p:tnLst>
+  </p:timing>
+</p:sld>
+</file>
+
+<file path=ppt/slides/slide13.xml><?xml version="1.0" encoding="utf-8"?>
+<p:sld xmlns:a="http://schemas.openxmlformats.org/drawingml/2006/main" xmlns:r="http://schemas.openxmlformats.org/officeDocument/2006/relationships" xmlns:p="http://schemas.openxmlformats.org/presentationml/2006/main">
+  <p:cSld>
+    <p:spTree>
+      <p:nvGrpSpPr>
+        <p:cNvPr id="1" name=""/>
+        <p:cNvGrpSpPr/>
+        <p:nvPr/>
+      </p:nvGrpSpPr>
+      <p:grpSpPr>
+        <a:xfrm>
+          <a:off x="0" y="0"/>
+          <a:ext cx="0" cy="0"/>
+          <a:chOff x="0" y="0"/>
+          <a:chExt cx="0" cy="0"/>
+        </a:xfrm>
+      </p:grpSpPr>
+      <p:sp>
+        <p:nvSpPr>
+          <p:cNvPr id="91" name="TextShape 1"/>
+          <p:cNvSpPr txBox="1"/>
+          <p:nvPr/>
+        </p:nvSpPr>
+        <p:spPr>
+          <a:xfrm>
+            <a:off x="1371600" y="628386"/>
+            <a:ext cx="9600840" cy="1485720"/>
+          </a:xfrm>
+          <a:prstGeom prst="rect">
+            <a:avLst/>
+          </a:prstGeom>
+          <a:noFill/>
+          <a:ln>
+            <a:noFill/>
+          </a:ln>
+        </p:spPr>
+        <p:txBody>
+          <a:bodyPr/>
+          <a:lstStyle/>
+          <a:p>
+            <a:pPr>
+              <a:lnSpc>
+                <a:spcPct val="89000"/>
+              </a:lnSpc>
+            </a:pPr>
+            <a:r>
+              <a:rPr lang="ru-RU" sz="4400" spc="-1" dirty="0">
+                <a:solidFill>
+                  <a:srgbClr val="191B0E"/>
+                </a:solidFill>
+                <a:latin typeface="FuturaBookC"/>
+              </a:rPr>
+              <a:t>Пример</a:t>
+            </a:r>
+            <a:endParaRPr lang="en-US" sz="4400" b="0" strike="noStrike" spc="-1" dirty="0">
+              <a:solidFill>
+                <a:srgbClr val="000000"/>
+              </a:solidFill>
+              <a:latin typeface="Franklin Gothic Book"/>
+            </a:endParaRPr>
+          </a:p>
+        </p:txBody>
+      </p:sp>
+      <p:sp>
+        <p:nvSpPr>
+          <p:cNvPr id="92" name="TextShape 2"/>
+          <p:cNvSpPr txBox="1"/>
+          <p:nvPr/>
+        </p:nvSpPr>
+        <p:spPr>
+          <a:xfrm>
+            <a:off x="1371600" y="2212399"/>
+            <a:ext cx="9343747" cy="3580920"/>
+          </a:xfrm>
+          <a:prstGeom prst="rect">
+            <a:avLst/>
+          </a:prstGeom>
+          <a:noFill/>
+          <a:ln>
+            <a:noFill/>
+          </a:ln>
+        </p:spPr>
+        <p:txBody>
+          <a:bodyPr/>
+          <a:lstStyle/>
+          <a:p>
+            <a:r>
+              <a:rPr lang="ru-RU" dirty="0"/>
+              <a:t>полезны ли лицу подтяжки</a:t>
+            </a:r>
+          </a:p>
+          <a:p>
+            <a:r>
+              <a:rPr lang="ru-RU" dirty="0"/>
+              <a:t>как выглядит оригинал</a:t>
+            </a:r>
+          </a:p>
+          <a:p>
+            <a:r>
+              <a:rPr lang="ru-RU" dirty="0"/>
+              <a:t>смотри на небо там барашки</a:t>
+            </a:r>
+          </a:p>
+          <a:p>
+            <a:r>
+              <a:rPr lang="ru-RU" dirty="0"/>
+              <a:t>худеем правильно журнал</a:t>
+            </a:r>
+          </a:p>
+          <a:p>
+            <a:r>
+              <a:rPr lang="ru-RU" dirty="0"/>
+              <a:t>куплю мед оптом в </a:t>
+            </a:r>
+            <a:r>
+              <a:rPr lang="ru-RU" dirty="0" err="1"/>
+              <a:t>татарстане</a:t>
+            </a:r>
+            <a:endParaRPr lang="ru-RU" dirty="0"/>
+          </a:p>
+          <a:p>
+            <a:r>
+              <a:rPr lang="ru-RU" dirty="0"/>
+              <a:t>рыбалка в дельте в </a:t>
+            </a:r>
+            <a:r>
+              <a:rPr lang="ru-RU" dirty="0" err="1"/>
+              <a:t>казахстане</a:t>
+            </a:r>
+            <a:endParaRPr lang="ru-RU" dirty="0"/>
+          </a:p>
+          <a:p>
+            <a:r>
+              <a:rPr lang="ru-RU" dirty="0" err="1"/>
+              <a:t>дром</a:t>
+            </a:r>
+            <a:r>
+              <a:rPr lang="ru-RU" dirty="0"/>
+              <a:t> </a:t>
+            </a:r>
+            <a:r>
+              <a:rPr lang="ru-RU" dirty="0" err="1"/>
+              <a:t>барнаул</a:t>
+            </a:r>
+            <a:r>
+              <a:rPr lang="ru-RU" dirty="0"/>
+              <a:t> модельный ряд</a:t>
+            </a:r>
+          </a:p>
+          <a:p>
+            <a:r>
+              <a:rPr lang="ru-RU" dirty="0"/>
+              <a:t>кокцидиоз у индюшат</a:t>
+            </a:r>
+          </a:p>
+        </p:txBody>
+      </p:sp>
+    </p:spTree>
+    <p:extLst>
+      <p:ext uri="{BB962C8B-B14F-4D97-AF65-F5344CB8AC3E}">
+        <p14:creationId xmlns:p14="http://schemas.microsoft.com/office/powerpoint/2010/main" val="2483465317"/>
+      </p:ext>
+    </p:extLst>
+  </p:cSld>
+  <p:clrMapOvr>
+    <a:masterClrMapping/>
+  </p:clrMapOvr>
+  <p:timing>
+    <p:tnLst>
+      <p:par>
+        <p:cTn id="1" dur="indefinite" restart="never" nodeType="tmRoot">
+          <p:childTnLst>
+            <p:seq>
+              <p:cTn id="2" dur="indefinite" nodeType="mainSeq"/>
+              <p:prevCondLst>
+                <p:cond evt="onPrev" delay="0">
+                  <p:tgtEl>
+                    <p:sldTgt/>
+                  </p:tgtEl>
+                </p:cond>
+              </p:prevCondLst>
+              <p:nextCondLst>
+                <p:cond evt="onNext" delay="0">
+                  <p:tgtEl>
+                    <p:sldTgt/>
+                  </p:tgtEl>
+                </p:cond>
+              </p:nextCondLst>
+            </p:seq>
+          </p:childTnLst>
+        </p:cTn>
+      </p:par>
+    </p:tnLst>
+  </p:timing>
+</p:sld>
+</file>
+
+<file path=ppt/slides/slide14.xml><?xml version="1.0" encoding="utf-8"?>
+<p:sld xmlns:a="http://schemas.openxmlformats.org/drawingml/2006/main" xmlns:r="http://schemas.openxmlformats.org/officeDocument/2006/relationships" xmlns:p="http://schemas.openxmlformats.org/presentationml/2006/main">
+  <p:cSld>
+    <p:spTree>
+      <p:nvGrpSpPr>
+        <p:cNvPr id="1" name=""/>
+        <p:cNvGrpSpPr/>
+        <p:nvPr/>
+      </p:nvGrpSpPr>
+      <p:grpSpPr>
+        <a:xfrm>
+          <a:off x="0" y="0"/>
+          <a:ext cx="0" cy="0"/>
+          <a:chOff x="0" y="0"/>
+          <a:chExt cx="0" cy="0"/>
+        </a:xfrm>
+      </p:grpSpPr>
+      <p:sp>
+        <p:nvSpPr>
+          <p:cNvPr id="91" name="TextShape 1"/>
+          <p:cNvSpPr txBox="1"/>
+          <p:nvPr/>
+        </p:nvSpPr>
+        <p:spPr>
+          <a:xfrm>
+            <a:off x="1371600" y="628386"/>
+            <a:ext cx="9600840" cy="1485720"/>
+          </a:xfrm>
+          <a:prstGeom prst="rect">
+            <a:avLst/>
+          </a:prstGeom>
+          <a:noFill/>
+          <a:ln>
+            <a:noFill/>
+          </a:ln>
+        </p:spPr>
+        <p:txBody>
+          <a:bodyPr/>
+          <a:lstStyle/>
+          <a:p>
+            <a:pPr>
+              <a:lnSpc>
+                <a:spcPct val="89000"/>
+              </a:lnSpc>
+            </a:pPr>
+            <a:r>
+              <a:rPr lang="ru-RU" sz="4400" spc="-1" dirty="0">
+                <a:solidFill>
+                  <a:srgbClr val="191B0E"/>
+                </a:solidFill>
+                <a:latin typeface="FuturaBookC"/>
+              </a:rPr>
+              <a:t>Вывод</a:t>
+            </a:r>
+            <a:endParaRPr lang="en-US" sz="4400" b="0" strike="noStrike" spc="-1" dirty="0">
+              <a:solidFill>
+                <a:srgbClr val="000000"/>
+              </a:solidFill>
+              <a:latin typeface="Franklin Gothic Book"/>
+            </a:endParaRPr>
+          </a:p>
+        </p:txBody>
+      </p:sp>
+      <p:sp>
+        <p:nvSpPr>
+          <p:cNvPr id="92" name="TextShape 2"/>
+          <p:cNvSpPr txBox="1"/>
+          <p:nvPr/>
+        </p:nvSpPr>
+        <p:spPr>
+          <a:xfrm>
+            <a:off x="1371600" y="2212399"/>
+            <a:ext cx="9343747" cy="3580920"/>
+          </a:xfrm>
+          <a:prstGeom prst="rect">
+            <a:avLst/>
+          </a:prstGeom>
+          <a:noFill/>
+          <a:ln>
+            <a:noFill/>
+          </a:ln>
+        </p:spPr>
+        <p:txBody>
+          <a:bodyPr/>
+          <a:lstStyle/>
+          <a:p>
+            <a:pPr>
+              <a:lnSpc>
+                <a:spcPct val="94000"/>
+              </a:lnSpc>
+              <a:spcBef>
+                <a:spcPts val="1001"/>
+              </a:spcBef>
+              <a:spcAft>
+                <a:spcPts val="201"/>
+              </a:spcAft>
+            </a:pPr>
+            <a:r>
+              <a:rPr lang="ru-RU" sz="2000" spc="-1" dirty="0">
+                <a:solidFill>
+                  <a:srgbClr val="191B0E"/>
+                </a:solidFill>
+                <a:latin typeface="Franklin Gothic Book"/>
+              </a:rPr>
+              <a:t>Получился интересный навык, основанный на машинном обучении. Но как не удивительно, на сегодняшний день машинная генерация стихов – лишь подбор слов, подходящих друг к другу по рифме. Иногда смысл проскакивает в произведениях машины, но это чистая случайность. Для реализации смысла в стихах с помощью машины, нужно представить каждое слово в его осмысленном виде и соединять слова как по смыслу, так и по рифме.</a:t>
+            </a:r>
+          </a:p>
+          <a:p>
+            <a:pPr>
+              <a:lnSpc>
+                <a:spcPct val="94000"/>
+              </a:lnSpc>
+              <a:spcBef>
+                <a:spcPts val="1001"/>
+              </a:spcBef>
+              <a:spcAft>
+                <a:spcPts val="201"/>
+              </a:spcAft>
+            </a:pPr>
+            <a:endParaRPr lang="ru-RU" sz="2000" spc="-1" dirty="0">
+              <a:solidFill>
+                <a:srgbClr val="191B0E"/>
+              </a:solidFill>
+              <a:latin typeface="Franklin Gothic Book"/>
+            </a:endParaRPr>
+          </a:p>
+          <a:p>
+            <a:pPr>
+              <a:lnSpc>
+                <a:spcPct val="94000"/>
+              </a:lnSpc>
+              <a:spcBef>
+                <a:spcPts val="1001"/>
+              </a:spcBef>
+              <a:spcAft>
+                <a:spcPts val="201"/>
+              </a:spcAft>
+            </a:pPr>
+            <a:r>
+              <a:rPr lang="ru-RU" sz="2000" spc="-1" dirty="0">
+                <a:solidFill>
+                  <a:srgbClr val="191B0E"/>
+                </a:solidFill>
+                <a:latin typeface="Franklin Gothic Book"/>
+              </a:rPr>
+              <a:t>Сейчас можно сделать это, но нужны огромные вычислительные мощности и еще более огромные данные.</a:t>
+            </a:r>
+          </a:p>
+        </p:txBody>
+      </p:sp>
+    </p:spTree>
+    <p:extLst>
+      <p:ext uri="{BB962C8B-B14F-4D97-AF65-F5344CB8AC3E}">
+        <p14:creationId xmlns:p14="http://schemas.microsoft.com/office/powerpoint/2010/main" val="937865971"/>
+      </p:ext>
+    </p:extLst>
+  </p:cSld>
+  <p:clrMapOvr>
+    <a:masterClrMapping/>
+  </p:clrMapOvr>
+  <p:timing>
+    <p:tnLst>
+      <p:par>
+        <p:cTn id="1" dur="indefinite" restart="never" nodeType="tmRoot">
+          <p:childTnLst>
+            <p:seq>
+              <p:cTn id="2" dur="indefinite" nodeType="mainSeq"/>
+              <p:prevCondLst>
+                <p:cond evt="onPrev" delay="0">
+                  <p:tgtEl>
+                    <p:sldTgt/>
+                  </p:tgtEl>
+                </p:cond>
+              </p:prevCondLst>
+              <p:nextCondLst>
+                <p:cond evt="onNext" delay="0">
+                  <p:tgtEl>
+                    <p:sldTgt/>
+                  </p:tgtEl>
+                </p:cond>
+              </p:nextCondLst>
+            </p:seq>
+          </p:childTnLst>
+        </p:cTn>
+      </p:par>
+    </p:tnLst>
+  </p:timing>
+</p:sld>
+</file>
+
+<file path=ppt/slides/slide15.xml><?xml version="1.0" encoding="utf-8"?>
+<p:sld xmlns:a="http://schemas.openxmlformats.org/drawingml/2006/main" xmlns:r="http://schemas.openxmlformats.org/officeDocument/2006/relationships" xmlns:p="http://schemas.openxmlformats.org/presentationml/2006/main">
+  <p:cSld>
+    <p:spTree>
+      <p:nvGrpSpPr>
+        <p:cNvPr id="1" name=""/>
+        <p:cNvGrpSpPr/>
+        <p:nvPr/>
+      </p:nvGrpSpPr>
+      <p:grpSpPr>
+        <a:xfrm>
+          <a:off x="0" y="0"/>
+          <a:ext cx="0" cy="0"/>
+          <a:chOff x="0" y="0"/>
+          <a:chExt cx="0" cy="0"/>
+        </a:xfrm>
+      </p:grpSpPr>
+      <p:sp>
+        <p:nvSpPr>
+          <p:cNvPr id="93" name="TextShape 1"/>
+          <p:cNvSpPr txBox="1"/>
+          <p:nvPr/>
+        </p:nvSpPr>
+        <p:spPr>
+          <a:xfrm>
+            <a:off x="3812760" y="2606760"/>
+            <a:ext cx="9600840" cy="1485720"/>
+          </a:xfrm>
+          <a:prstGeom prst="rect">
+            <a:avLst/>
+          </a:prstGeom>
+          <a:noFill/>
+          <a:ln>
+            <a:noFill/>
+          </a:ln>
+        </p:spPr>
+        <p:txBody>
+          <a:bodyPr/>
+          <a:lstStyle/>
+          <a:p>
+            <a:pPr>
+              <a:lnSpc>
+                <a:spcPct val="89000"/>
+              </a:lnSpc>
+            </a:pPr>
+            <a:r>
+              <a:rPr lang="en-US" sz="4400" b="0" strike="noStrike" spc="-1">
+                <a:solidFill>
+                  <a:srgbClr val="191B0E"/>
+                </a:solidFill>
+                <a:latin typeface="FuturaBookC"/>
+              </a:rPr>
+              <a:t>Спасибо за внимание</a:t>
+            </a:r>
+            <a:endParaRPr lang="en-US" sz="4400" b="0" strike="noStrike" spc="-1">
+              <a:solidFill>
+                <a:srgbClr val="000000"/>
+              </a:solidFill>
+              <a:latin typeface="Franklin Gothic Book"/>
+            </a:endParaRPr>
+          </a:p>
+        </p:txBody>
+      </p:sp>
+    </p:spTree>
+  </p:cSld>
+  <p:clrMapOvr>
+    <a:masterClrMapping/>
+  </p:clrMapOvr>
+  <p:timing>
+    <p:tnLst>
+      <p:par>
+        <p:cTn id="1" dur="indefinite" restart="never" nodeType="tmRoot">
+          <p:childTnLst>
+            <p:seq>
+              <p:cTn id="2" dur="indefinite" nodeType="mainSeq"/>
+              <p:prevCondLst>
+                <p:cond evt="onPrev" delay="0">
+                  <p:tgtEl>
+                    <p:sldTgt/>
+                  </p:tgtEl>
+                </p:cond>
+              </p:prevCondLst>
+              <p:nextCondLst>
+                <p:cond evt="onNext" delay="0">
                   <p:tgtEl>
                     <p:sldTgt/>
                   </p:tgtEl>
@@ -4015,7 +5934,7 @@
 </file>
 
 <file path=ppt/slides/slide2.xml><?xml version="1.0" encoding="utf-8"?>
-<p:sld xmlns:a="http://schemas.openxmlformats.org/drawingml/2006/main" xmlns:p="http://schemas.openxmlformats.org/presentationml/2006/main" xmlns:r="http://schemas.openxmlformats.org/officeDocument/2006/relationships" xmlns:p14="http://schemas.microsoft.com/office/powerpoint/2010/main" xmlns:p15="http://schemas.microsoft.com/office/powerpoint/2012/main" xmlns:mc="http://schemas.openxmlformats.org/markup-compatibility/2006">
+<p:sld xmlns:a="http://schemas.openxmlformats.org/drawingml/2006/main" xmlns:r="http://schemas.openxmlformats.org/officeDocument/2006/relationships" xmlns:p="http://schemas.openxmlformats.org/presentationml/2006/main">
   <p:cSld>
     <p:spTree>
       <p:nvGrpSpPr>
@@ -4052,6 +5971,7 @@
         </p:spPr>
         <p:txBody>
           <a:bodyPr/>
+          <a:lstStyle/>
           <a:p>
             <a:pPr>
               <a:lnSpc>
@@ -4059,15 +5979,15 @@
               </a:lnSpc>
             </a:pPr>
             <a:r>
-              <a:rPr b="0" lang="en-US" sz="4400" spc="-1" strike="noStrike">
-                <a:solidFill>
-                  <a:srgbClr val="191b0e"/>
+              <a:rPr lang="en-US" sz="4400" b="0" strike="noStrike" spc="-1">
+                <a:solidFill>
+                  <a:srgbClr val="191B0E"/>
                 </a:solidFill>
                 <a:latin typeface="FuturaBookC"/>
               </a:rPr>
               <a:t>Суть проекта</a:t>
             </a:r>
-            <a:endParaRPr b="0" lang="en-US" sz="4400" spc="-1" strike="noStrike">
+            <a:endParaRPr lang="en-US" sz="4400" b="0" strike="noStrike" spc="-1">
               <a:solidFill>
                 <a:srgbClr val="000000"/>
               </a:solidFill>
@@ -4097,6 +6017,7 @@
         </p:spPr>
         <p:txBody>
           <a:bodyPr/>
+          <a:lstStyle/>
           <a:p>
             <a:pPr>
               <a:lnSpc>
@@ -4110,60 +6031,275 @@
               </a:spcAft>
             </a:pPr>
             <a:r>
-              <a:rPr b="0" lang="en-US" sz="2000" spc="-1" strike="noStrike">
-                <a:solidFill>
-                  <a:srgbClr val="191b0e"/>
-                </a:solidFill>
-                <a:latin typeface="FuturaBookC"/>
-              </a:rPr>
-              <a:t>Навык генерирует стихотворения на основе данных сайта stihi.ru и поисковых запросов (используется </a:t>
-            </a:r>
-            <a:r>
-              <a:rPr b="0" lang="en-US" sz="2000" spc="-1" strike="noStrike">
-                <a:solidFill>
-                  <a:srgbClr val="191b0e"/>
-                </a:solidFill>
-                <a:latin typeface="FuturaBookC"/>
-                <a:hlinkClick r:id="rId1"/>
+              <a:rPr lang="en-US" sz="2000" b="0" strike="noStrike" spc="-1" dirty="0" err="1">
+                <a:solidFill>
+                  <a:srgbClr val="191B0E"/>
+                </a:solidFill>
+                <a:latin typeface="FuturaBookC"/>
+              </a:rPr>
+              <a:t>Навык</a:t>
+            </a:r>
+            <a:r>
+              <a:rPr lang="en-US" sz="2000" b="0" strike="noStrike" spc="-1" dirty="0">
+                <a:solidFill>
+                  <a:srgbClr val="191B0E"/>
+                </a:solidFill>
+                <a:latin typeface="FuturaBookC"/>
+              </a:rPr>
+              <a:t> </a:t>
+            </a:r>
+            <a:r>
+              <a:rPr lang="en-US" sz="2000" b="0" strike="noStrike" spc="-1" dirty="0" err="1">
+                <a:solidFill>
+                  <a:srgbClr val="191B0E"/>
+                </a:solidFill>
+                <a:latin typeface="FuturaBookC"/>
+              </a:rPr>
+              <a:t>генерирует</a:t>
+            </a:r>
+            <a:r>
+              <a:rPr lang="en-US" sz="2000" b="0" strike="noStrike" spc="-1" dirty="0">
+                <a:solidFill>
+                  <a:srgbClr val="191B0E"/>
+                </a:solidFill>
+                <a:latin typeface="FuturaBookC"/>
+              </a:rPr>
+              <a:t> </a:t>
+            </a:r>
+            <a:r>
+              <a:rPr lang="en-US" sz="2000" b="0" strike="noStrike" spc="-1" dirty="0" err="1">
+                <a:solidFill>
+                  <a:srgbClr val="191B0E"/>
+                </a:solidFill>
+                <a:latin typeface="FuturaBookC"/>
+              </a:rPr>
+              <a:t>стихотворения</a:t>
+            </a:r>
+            <a:r>
+              <a:rPr lang="en-US" sz="2000" b="0" strike="noStrike" spc="-1" dirty="0">
+                <a:solidFill>
+                  <a:srgbClr val="191B0E"/>
+                </a:solidFill>
+                <a:latin typeface="FuturaBookC"/>
+              </a:rPr>
+              <a:t> </a:t>
+            </a:r>
+            <a:r>
+              <a:rPr lang="en-US" sz="2000" b="0" strike="noStrike" spc="-1" dirty="0" err="1">
+                <a:solidFill>
+                  <a:srgbClr val="191B0E"/>
+                </a:solidFill>
+                <a:latin typeface="FuturaBookC"/>
+              </a:rPr>
+              <a:t>на</a:t>
+            </a:r>
+            <a:r>
+              <a:rPr lang="en-US" sz="2000" b="0" strike="noStrike" spc="-1" dirty="0">
+                <a:solidFill>
+                  <a:srgbClr val="191B0E"/>
+                </a:solidFill>
+                <a:latin typeface="FuturaBookC"/>
+              </a:rPr>
+              <a:t> </a:t>
+            </a:r>
+            <a:r>
+              <a:rPr lang="en-US" sz="2000" b="0" strike="noStrike" spc="-1" dirty="0" err="1">
+                <a:solidFill>
+                  <a:srgbClr val="191B0E"/>
+                </a:solidFill>
+                <a:latin typeface="FuturaBookC"/>
+              </a:rPr>
+              <a:t>основе</a:t>
+            </a:r>
+            <a:r>
+              <a:rPr lang="en-US" sz="2000" b="0" strike="noStrike" spc="-1" dirty="0">
+                <a:solidFill>
+                  <a:srgbClr val="191B0E"/>
+                </a:solidFill>
+                <a:latin typeface="FuturaBookC"/>
+              </a:rPr>
+              <a:t> </a:t>
+            </a:r>
+            <a:r>
+              <a:rPr lang="en-US" sz="2000" b="0" strike="noStrike" spc="-1" dirty="0" err="1">
+                <a:solidFill>
+                  <a:srgbClr val="191B0E"/>
+                </a:solidFill>
+                <a:latin typeface="FuturaBookC"/>
+              </a:rPr>
+              <a:t>данных</a:t>
+            </a:r>
+            <a:r>
+              <a:rPr lang="en-US" sz="2000" b="0" strike="noStrike" spc="-1" dirty="0">
+                <a:solidFill>
+                  <a:srgbClr val="191B0E"/>
+                </a:solidFill>
+                <a:latin typeface="FuturaBookC"/>
+              </a:rPr>
+              <a:t> </a:t>
+            </a:r>
+            <a:r>
+              <a:rPr lang="en-US" sz="2000" b="0" strike="noStrike" spc="-1" dirty="0" err="1">
+                <a:solidFill>
+                  <a:srgbClr val="191B0E"/>
+                </a:solidFill>
+                <a:latin typeface="FuturaBookC"/>
+              </a:rPr>
+              <a:t>сайта</a:t>
+            </a:r>
+            <a:r>
+              <a:rPr lang="en-US" sz="2000" b="0" strike="noStrike" spc="-1" dirty="0">
+                <a:solidFill>
+                  <a:srgbClr val="191B0E"/>
+                </a:solidFill>
+                <a:latin typeface="FuturaBookC"/>
+              </a:rPr>
+              <a:t> stihi.ru и </a:t>
+            </a:r>
+            <a:r>
+              <a:rPr lang="en-US" sz="2000" b="0" strike="noStrike" spc="-1" dirty="0" err="1">
+                <a:solidFill>
+                  <a:srgbClr val="191B0E"/>
+                </a:solidFill>
+                <a:latin typeface="FuturaBookC"/>
+              </a:rPr>
+              <a:t>поисковых</a:t>
+            </a:r>
+            <a:r>
+              <a:rPr lang="en-US" sz="2000" b="0" strike="noStrike" spc="-1" dirty="0">
+                <a:solidFill>
+                  <a:srgbClr val="191B0E"/>
+                </a:solidFill>
+                <a:latin typeface="FuturaBookC"/>
+              </a:rPr>
+              <a:t> </a:t>
+            </a:r>
+            <a:r>
+              <a:rPr lang="en-US" sz="2000" b="0" strike="noStrike" spc="-1" dirty="0" err="1">
+                <a:solidFill>
+                  <a:srgbClr val="191B0E"/>
+                </a:solidFill>
+                <a:latin typeface="FuturaBookC"/>
+              </a:rPr>
+              <a:t>запросов</a:t>
+            </a:r>
+            <a:r>
+              <a:rPr lang="en-US" sz="2000" b="0" strike="noStrike" spc="-1" dirty="0">
+                <a:solidFill>
+                  <a:srgbClr val="191B0E"/>
+                </a:solidFill>
+                <a:latin typeface="FuturaBookC"/>
+              </a:rPr>
+              <a:t> (</a:t>
+            </a:r>
+            <a:r>
+              <a:rPr lang="en-US" sz="2000" b="0" strike="noStrike" spc="-1" dirty="0" err="1">
+                <a:solidFill>
+                  <a:srgbClr val="191B0E"/>
+                </a:solidFill>
+                <a:latin typeface="FuturaBookC"/>
+              </a:rPr>
+              <a:t>используется</a:t>
+            </a:r>
+            <a:r>
+              <a:rPr lang="en-US" sz="2000" b="0" strike="noStrike" spc="-1" dirty="0">
+                <a:solidFill>
+                  <a:srgbClr val="191B0E"/>
+                </a:solidFill>
+                <a:latin typeface="FuturaBookC"/>
+              </a:rPr>
+              <a:t> </a:t>
+            </a:r>
+            <a:r>
+              <a:rPr lang="en-US" sz="2000" b="0" strike="noStrike" spc="-1" dirty="0">
+                <a:solidFill>
+                  <a:srgbClr val="191B0E"/>
+                </a:solidFill>
+                <a:latin typeface="FuturaBookC"/>
+                <a:hlinkClick r:id="rId2"/>
               </a:rPr>
               <a:t>https://yandex.ru/autopoet/</a:t>
             </a:r>
             <a:r>
-              <a:rPr b="0" lang="en-US" sz="2000" spc="-1" strike="noStrike">
-                <a:solidFill>
-                  <a:srgbClr val="191b0e"/>
+              <a:rPr lang="en-US" sz="2000" b="0" strike="noStrike" spc="-1" dirty="0">
+                <a:solidFill>
+                  <a:srgbClr val="191B0E"/>
                 </a:solidFill>
                 <a:latin typeface="FuturaBookC"/>
               </a:rPr>
               <a:t>).</a:t>
             </a:r>
-            <a:endParaRPr b="0" lang="en-US" sz="2000" spc="-1" strike="noStrike">
-              <a:solidFill>
-                <a:srgbClr val="191b0e"/>
-              </a:solidFill>
-              <a:latin typeface="Franklin Gothic Book"/>
-            </a:endParaRPr>
+            <a:endParaRPr lang="ru-RU" sz="2000" b="0" strike="noStrike" spc="-1" dirty="0">
+              <a:solidFill>
+                <a:srgbClr val="191B0E"/>
+              </a:solidFill>
+              <a:latin typeface="FuturaBookC"/>
+            </a:endParaRPr>
+          </a:p>
+          <a:p>
+            <a:pPr>
+              <a:lnSpc>
+                <a:spcPct val="94000"/>
+              </a:lnSpc>
+              <a:spcBef>
+                <a:spcPts val="1001"/>
+              </a:spcBef>
+              <a:spcAft>
+                <a:spcPts val="201"/>
+              </a:spcAft>
+            </a:pPr>
+            <a:endParaRPr lang="ru-RU" sz="2000" spc="-1" dirty="0">
+              <a:solidFill>
+                <a:srgbClr val="191B0E"/>
+              </a:solidFill>
+              <a:latin typeface="FuturaBookC"/>
+            </a:endParaRPr>
+          </a:p>
+          <a:p>
+            <a:pPr>
+              <a:lnSpc>
+                <a:spcPct val="94000"/>
+              </a:lnSpc>
+              <a:spcBef>
+                <a:spcPts val="1001"/>
+              </a:spcBef>
+              <a:spcAft>
+                <a:spcPts val="201"/>
+              </a:spcAft>
+            </a:pPr>
+            <a:r>
+              <a:rPr lang="ru-RU" sz="2000" spc="-1" dirty="0">
+                <a:solidFill>
+                  <a:srgbClr val="191B0E"/>
+                </a:solidFill>
+                <a:latin typeface="FuturaBookC"/>
+              </a:rPr>
+              <a:t>Я пробовал использовать 3 решения, однако лишь одно из них стало работать корректно.</a:t>
+            </a:r>
           </a:p>
         </p:txBody>
       </p:sp>
     </p:spTree>
   </p:cSld>
+  <p:clrMapOvr>
+    <a:masterClrMapping/>
+  </p:clrMapOvr>
   <p:timing>
     <p:tnLst>
       <p:par>
-        <p:cTn id="3" dur="indefinite" restart="never" nodeType="tmRoot">
+        <p:cTn id="1" dur="indefinite" restart="never" nodeType="tmRoot">
           <p:childTnLst>
             <p:seq>
-              <p:cTn id="4" dur="indefinite" nodeType="mainSeq"/>
+              <p:cTn id="2" dur="indefinite" nodeType="mainSeq"/>
               <p:prevCondLst>
-                <p:cond delay="0" evt="onPrev">
+                <p:cond evt="onPrev" delay="0">
                   <p:tgtEl>
                     <p:sldTgt/>
                   </p:tgtEl>
                 </p:cond>
               </p:prevCondLst>
               <p:nextCondLst>
-                <p:cond delay="0" evt="onNext">
+                <p:cond evt="onNext" delay="0">
                   <p:tgtEl>
                     <p:sldTgt/>
                   </p:tgtEl>
@@ -4179,7 +6315,7 @@
 </file>
 
 <file path=ppt/slides/slide3.xml><?xml version="1.0" encoding="utf-8"?>
-<p:sld xmlns:a="http://schemas.openxmlformats.org/drawingml/2006/main" xmlns:p="http://schemas.openxmlformats.org/presentationml/2006/main" xmlns:r="http://schemas.openxmlformats.org/officeDocument/2006/relationships" xmlns:p14="http://schemas.microsoft.com/office/powerpoint/2010/main" xmlns:p15="http://schemas.microsoft.com/office/powerpoint/2012/main" xmlns:mc="http://schemas.openxmlformats.org/markup-compatibility/2006">
+<p:sld xmlns:a="http://schemas.openxmlformats.org/drawingml/2006/main" xmlns:r="http://schemas.openxmlformats.org/officeDocument/2006/relationships" xmlns:p="http://schemas.openxmlformats.org/presentationml/2006/main">
   <p:cSld>
     <p:spTree>
       <p:nvGrpSpPr>
@@ -4216,6 +6352,7 @@
         </p:spPr>
         <p:txBody>
           <a:bodyPr/>
+          <a:lstStyle/>
           <a:p>
             <a:pPr>
               <a:lnSpc>
@@ -4223,15 +6360,15 @@
               </a:lnSpc>
             </a:pPr>
             <a:r>
-              <a:rPr b="0" lang="en-US" sz="4400" spc="-1" strike="noStrike">
-                <a:solidFill>
-                  <a:srgbClr val="191b0e"/>
-                </a:solidFill>
-                <a:latin typeface="FuturaBookC"/>
-              </a:rPr>
-              <a:t>Процесс генерации</a:t>
-            </a:r>
-            <a:endParaRPr b="0" lang="en-US" sz="4400" spc="-1" strike="noStrike">
+              <a:rPr lang="ru-RU" sz="4400" b="0" strike="noStrike" spc="-1" dirty="0">
+                <a:solidFill>
+                  <a:srgbClr val="191B0E"/>
+                </a:solidFill>
+                <a:latin typeface="FuturaBookC"/>
+              </a:rPr>
+              <a:t>Решение 1</a:t>
+            </a:r>
+            <a:endParaRPr lang="en-US" sz="4400" b="0" strike="noStrike" spc="-1" dirty="0">
               <a:solidFill>
                 <a:srgbClr val="000000"/>
               </a:solidFill>
@@ -4248,7 +6385,7 @@
         </p:nvSpPr>
         <p:spPr>
           <a:xfrm>
-            <a:off x="1371600" y="1713600"/>
+            <a:off x="1295580" y="2068707"/>
             <a:ext cx="9600840" cy="3580920"/>
           </a:xfrm>
           <a:prstGeom prst="rect">
@@ -4261,6 +6398,7 @@
         </p:spPr>
         <p:txBody>
           <a:bodyPr/>
+          <a:lstStyle/>
           <a:p>
             <a:pPr>
               <a:lnSpc>
@@ -4274,83 +6412,333 @@
               </a:spcAft>
             </a:pPr>
             <a:r>
-              <a:rPr b="0" lang="en-US" sz="2000" spc="-1" strike="noStrike">
-                <a:solidFill>
-                  <a:srgbClr val="191b0e"/>
-                </a:solidFill>
-                <a:latin typeface="FuturaBookC"/>
-              </a:rPr>
-              <a:t>Для генерации на основе данных используются обученные модели машинного обучения (взятые здесь </a:t>
-            </a:r>
-            <a:r>
-              <a:rPr b="0" lang="en-US" sz="2000" spc="-1" strike="noStrike">
-                <a:solidFill>
-                  <a:srgbClr val="191b0e"/>
-                </a:solidFill>
-                <a:latin typeface="FuturaBookC"/>
-                <a:hlinkClick r:id="rId1"/>
+              <a:rPr lang="en-US" sz="2000" b="0" strike="noStrike" spc="-1" dirty="0" err="1">
+                <a:solidFill>
+                  <a:srgbClr val="191B0E"/>
+                </a:solidFill>
+                <a:latin typeface="FuturaBookC"/>
+              </a:rPr>
+              <a:t>Для</a:t>
+            </a:r>
+            <a:r>
+              <a:rPr lang="en-US" sz="2000" b="0" strike="noStrike" spc="-1" dirty="0">
+                <a:solidFill>
+                  <a:srgbClr val="191B0E"/>
+                </a:solidFill>
+                <a:latin typeface="FuturaBookC"/>
+              </a:rPr>
+              <a:t> </a:t>
+            </a:r>
+            <a:r>
+              <a:rPr lang="en-US" sz="2000" b="0" strike="noStrike" spc="-1" dirty="0" err="1">
+                <a:solidFill>
+                  <a:srgbClr val="191B0E"/>
+                </a:solidFill>
+                <a:latin typeface="FuturaBookC"/>
+              </a:rPr>
+              <a:t>генерации</a:t>
+            </a:r>
+            <a:r>
+              <a:rPr lang="en-US" sz="2000" b="0" strike="noStrike" spc="-1" dirty="0">
+                <a:solidFill>
+                  <a:srgbClr val="191B0E"/>
+                </a:solidFill>
+                <a:latin typeface="FuturaBookC"/>
+              </a:rPr>
+              <a:t> </a:t>
+            </a:r>
+            <a:r>
+              <a:rPr lang="en-US" sz="2000" b="0" strike="noStrike" spc="-1" dirty="0" err="1">
+                <a:solidFill>
+                  <a:srgbClr val="191B0E"/>
+                </a:solidFill>
+                <a:latin typeface="FuturaBookC"/>
+              </a:rPr>
+              <a:t>на</a:t>
+            </a:r>
+            <a:r>
+              <a:rPr lang="en-US" sz="2000" b="0" strike="noStrike" spc="-1" dirty="0">
+                <a:solidFill>
+                  <a:srgbClr val="191B0E"/>
+                </a:solidFill>
+                <a:latin typeface="FuturaBookC"/>
+              </a:rPr>
+              <a:t> </a:t>
+            </a:r>
+            <a:r>
+              <a:rPr lang="en-US" sz="2000" b="0" strike="noStrike" spc="-1" dirty="0" err="1">
+                <a:solidFill>
+                  <a:srgbClr val="191B0E"/>
+                </a:solidFill>
+                <a:latin typeface="FuturaBookC"/>
+              </a:rPr>
+              <a:t>основе</a:t>
+            </a:r>
+            <a:r>
+              <a:rPr lang="en-US" sz="2000" b="0" strike="noStrike" spc="-1" dirty="0">
+                <a:solidFill>
+                  <a:srgbClr val="191B0E"/>
+                </a:solidFill>
+                <a:latin typeface="FuturaBookC"/>
+              </a:rPr>
+              <a:t> </a:t>
+            </a:r>
+            <a:r>
+              <a:rPr lang="en-US" sz="2000" b="0" strike="noStrike" spc="-1" dirty="0" err="1">
+                <a:solidFill>
+                  <a:srgbClr val="191B0E"/>
+                </a:solidFill>
+                <a:latin typeface="FuturaBookC"/>
+              </a:rPr>
+              <a:t>данных</a:t>
+            </a:r>
+            <a:r>
+              <a:rPr lang="en-US" sz="2000" b="0" strike="noStrike" spc="-1" dirty="0">
+                <a:solidFill>
+                  <a:srgbClr val="191B0E"/>
+                </a:solidFill>
+                <a:latin typeface="FuturaBookC"/>
+              </a:rPr>
+              <a:t> </a:t>
+            </a:r>
+            <a:r>
+              <a:rPr lang="en-US" sz="2000" b="0" strike="noStrike" spc="-1" dirty="0" err="1">
+                <a:solidFill>
+                  <a:srgbClr val="191B0E"/>
+                </a:solidFill>
+                <a:latin typeface="FuturaBookC"/>
+              </a:rPr>
+              <a:t>используются</a:t>
+            </a:r>
+            <a:r>
+              <a:rPr lang="en-US" sz="2000" b="0" strike="noStrike" spc="-1" dirty="0">
+                <a:solidFill>
+                  <a:srgbClr val="191B0E"/>
+                </a:solidFill>
+                <a:latin typeface="FuturaBookC"/>
+              </a:rPr>
+              <a:t> </a:t>
+            </a:r>
+            <a:r>
+              <a:rPr lang="en-US" sz="2000" b="0" strike="noStrike" spc="-1" dirty="0" err="1">
+                <a:solidFill>
+                  <a:srgbClr val="191B0E"/>
+                </a:solidFill>
+                <a:latin typeface="FuturaBookC"/>
+              </a:rPr>
+              <a:t>обученные</a:t>
+            </a:r>
+            <a:r>
+              <a:rPr lang="en-US" sz="2000" b="0" strike="noStrike" spc="-1" dirty="0">
+                <a:solidFill>
+                  <a:srgbClr val="191B0E"/>
+                </a:solidFill>
+                <a:latin typeface="FuturaBookC"/>
+              </a:rPr>
+              <a:t> </a:t>
+            </a:r>
+            <a:r>
+              <a:rPr lang="en-US" sz="2000" b="0" strike="noStrike" spc="-1" dirty="0" err="1">
+                <a:solidFill>
+                  <a:srgbClr val="191B0E"/>
+                </a:solidFill>
+                <a:latin typeface="FuturaBookC"/>
+              </a:rPr>
+              <a:t>модели</a:t>
+            </a:r>
+            <a:r>
+              <a:rPr lang="en-US" sz="2000" b="0" strike="noStrike" spc="-1" dirty="0">
+                <a:solidFill>
+                  <a:srgbClr val="191B0E"/>
+                </a:solidFill>
+                <a:latin typeface="FuturaBookC"/>
+              </a:rPr>
+              <a:t> </a:t>
+            </a:r>
+            <a:r>
+              <a:rPr lang="en-US" sz="2000" b="0" strike="noStrike" spc="-1" dirty="0" err="1">
+                <a:solidFill>
+                  <a:srgbClr val="191B0E"/>
+                </a:solidFill>
+                <a:latin typeface="FuturaBookC"/>
+              </a:rPr>
+              <a:t>машинного</a:t>
+            </a:r>
+            <a:r>
+              <a:rPr lang="en-US" sz="2000" b="0" strike="noStrike" spc="-1" dirty="0">
+                <a:solidFill>
+                  <a:srgbClr val="191B0E"/>
+                </a:solidFill>
+                <a:latin typeface="FuturaBookC"/>
+              </a:rPr>
+              <a:t> </a:t>
+            </a:r>
+            <a:r>
+              <a:rPr lang="en-US" sz="2000" b="0" strike="noStrike" spc="-1" dirty="0" err="1">
+                <a:solidFill>
+                  <a:srgbClr val="191B0E"/>
+                </a:solidFill>
+                <a:latin typeface="FuturaBookC"/>
+              </a:rPr>
+              <a:t>обучения</a:t>
+            </a:r>
+            <a:r>
+              <a:rPr lang="en-US" sz="2000" b="0" strike="noStrike" spc="-1" dirty="0">
+                <a:solidFill>
+                  <a:srgbClr val="191B0E"/>
+                </a:solidFill>
+                <a:latin typeface="FuturaBookC"/>
+              </a:rPr>
+              <a:t> (</a:t>
+            </a:r>
+            <a:r>
+              <a:rPr lang="en-US" sz="2000" b="0" strike="noStrike" spc="-1" dirty="0" err="1">
+                <a:solidFill>
+                  <a:srgbClr val="191B0E"/>
+                </a:solidFill>
+                <a:latin typeface="FuturaBookC"/>
+              </a:rPr>
+              <a:t>взятые</a:t>
+            </a:r>
+            <a:r>
+              <a:rPr lang="en-US" sz="2000" b="0" strike="noStrike" spc="-1" dirty="0">
+                <a:solidFill>
+                  <a:srgbClr val="191B0E"/>
+                </a:solidFill>
+                <a:latin typeface="FuturaBookC"/>
+              </a:rPr>
+              <a:t> </a:t>
+            </a:r>
+            <a:r>
+              <a:rPr lang="en-US" sz="2000" b="0" strike="noStrike" spc="-1" dirty="0" err="1">
+                <a:solidFill>
+                  <a:srgbClr val="191B0E"/>
+                </a:solidFill>
+                <a:latin typeface="FuturaBookC"/>
+              </a:rPr>
+              <a:t>здесь</a:t>
+            </a:r>
+            <a:r>
+              <a:rPr lang="en-US" sz="2000" b="0" strike="noStrike" spc="-1" dirty="0">
+                <a:solidFill>
+                  <a:srgbClr val="191B0E"/>
+                </a:solidFill>
+                <a:latin typeface="FuturaBookC"/>
+              </a:rPr>
+              <a:t> </a:t>
+            </a:r>
+            <a:r>
+              <a:rPr lang="en-US" sz="2000" b="0" strike="noStrike" spc="-1" dirty="0">
+                <a:solidFill>
+                  <a:srgbClr val="191B0E"/>
+                </a:solidFill>
+                <a:latin typeface="FuturaBookC"/>
+                <a:hlinkClick r:id="rId2"/>
               </a:rPr>
               <a:t>https://github.com/IlyaGusev/rupo</a:t>
             </a:r>
             <a:r>
-              <a:rPr b="0" lang="en-US" sz="2000" spc="-1" strike="noStrike">
-                <a:solidFill>
-                  <a:srgbClr val="191b0e"/>
-                </a:solidFill>
-                <a:latin typeface="FuturaBookC"/>
-              </a:rPr>
-              <a:t>), отредактированные для корректной работы с навыком.</a:t>
-            </a:r>
-            <a:endParaRPr b="0" lang="en-US" sz="2000" spc="-1" strike="noStrike">
-              <a:solidFill>
-                <a:srgbClr val="191b0e"/>
-              </a:solidFill>
-              <a:latin typeface="Franklin Gothic Book"/>
-            </a:endParaRPr>
-          </a:p>
-          <a:p>
-            <a:pPr>
-              <a:lnSpc>
-                <a:spcPct val="94000"/>
-              </a:lnSpc>
-              <a:spcBef>
-                <a:spcPts val="1001"/>
-              </a:spcBef>
-              <a:spcAft>
-                <a:spcPts val="201"/>
-              </a:spcAft>
-            </a:pPr>
-            <a:endParaRPr b="0" lang="en-US" sz="2000" spc="-1" strike="noStrike">
-              <a:solidFill>
-                <a:srgbClr val="191b0e"/>
-              </a:solidFill>
-              <a:latin typeface="Franklin Gothic Book"/>
-            </a:endParaRPr>
-          </a:p>
-          <a:p>
-            <a:pPr>
-              <a:lnSpc>
-                <a:spcPct val="94000"/>
-              </a:lnSpc>
-              <a:spcBef>
-                <a:spcPts val="1001"/>
-              </a:spcBef>
-              <a:spcAft>
-                <a:spcPts val="201"/>
-              </a:spcAft>
-            </a:pPr>
-            <a:r>
-              <a:rPr b="0" lang="en-US" sz="2000" spc="-1" strike="noStrike">
-                <a:solidFill>
-                  <a:srgbClr val="191b0e"/>
-                </a:solidFill>
-                <a:latin typeface="FuturaBookC"/>
-              </a:rPr>
-              <a:t>Более подробно про алгоритм можно прочитать здесь: https://github.com/IlyaGusev/rupo</a:t>
-            </a:r>
-            <a:endParaRPr b="0" lang="en-US" sz="2000" spc="-1" strike="noStrike">
-              <a:solidFill>
-                <a:srgbClr val="191b0e"/>
+              <a:rPr lang="en-US" sz="2000" b="0" strike="noStrike" spc="-1" dirty="0">
+                <a:solidFill>
+                  <a:srgbClr val="191B0E"/>
+                </a:solidFill>
+                <a:latin typeface="FuturaBookC"/>
+              </a:rPr>
+              <a:t>), </a:t>
+            </a:r>
+            <a:r>
+              <a:rPr lang="en-US" sz="2000" b="0" strike="noStrike" spc="-1" dirty="0" err="1">
+                <a:solidFill>
+                  <a:srgbClr val="191B0E"/>
+                </a:solidFill>
+                <a:latin typeface="FuturaBookC"/>
+              </a:rPr>
+              <a:t>отредактированные</a:t>
+            </a:r>
+            <a:r>
+              <a:rPr lang="en-US" sz="2000" b="0" strike="noStrike" spc="-1" dirty="0">
+                <a:solidFill>
+                  <a:srgbClr val="191B0E"/>
+                </a:solidFill>
+                <a:latin typeface="FuturaBookC"/>
+              </a:rPr>
+              <a:t> </a:t>
+            </a:r>
+            <a:r>
+              <a:rPr lang="en-US" sz="2000" b="0" strike="noStrike" spc="-1" dirty="0" err="1">
+                <a:solidFill>
+                  <a:srgbClr val="191B0E"/>
+                </a:solidFill>
+                <a:latin typeface="FuturaBookC"/>
+              </a:rPr>
+              <a:t>для</a:t>
+            </a:r>
+            <a:r>
+              <a:rPr lang="en-US" sz="2000" b="0" strike="noStrike" spc="-1" dirty="0">
+                <a:solidFill>
+                  <a:srgbClr val="191B0E"/>
+                </a:solidFill>
+                <a:latin typeface="FuturaBookC"/>
+              </a:rPr>
+              <a:t> </a:t>
+            </a:r>
+            <a:r>
+              <a:rPr lang="en-US" sz="2000" b="0" strike="noStrike" spc="-1" dirty="0" err="1">
+                <a:solidFill>
+                  <a:srgbClr val="191B0E"/>
+                </a:solidFill>
+                <a:latin typeface="FuturaBookC"/>
+              </a:rPr>
+              <a:t>корректной</a:t>
+            </a:r>
+            <a:r>
+              <a:rPr lang="en-US" sz="2000" b="0" strike="noStrike" spc="-1" dirty="0">
+                <a:solidFill>
+                  <a:srgbClr val="191B0E"/>
+                </a:solidFill>
+                <a:latin typeface="FuturaBookC"/>
+              </a:rPr>
+              <a:t> </a:t>
+            </a:r>
+            <a:r>
+              <a:rPr lang="en-US" sz="2000" b="0" strike="noStrike" spc="-1" dirty="0" err="1">
+                <a:solidFill>
+                  <a:srgbClr val="191B0E"/>
+                </a:solidFill>
+                <a:latin typeface="FuturaBookC"/>
+              </a:rPr>
+              <a:t>работы</a:t>
+            </a:r>
+            <a:r>
+              <a:rPr lang="en-US" sz="2000" b="0" strike="noStrike" spc="-1" dirty="0">
+                <a:solidFill>
+                  <a:srgbClr val="191B0E"/>
+                </a:solidFill>
+                <a:latin typeface="FuturaBookC"/>
+              </a:rPr>
+              <a:t> с </a:t>
+            </a:r>
+            <a:r>
+              <a:rPr lang="en-US" sz="2000" b="0" strike="noStrike" spc="-1" dirty="0" err="1">
+                <a:solidFill>
+                  <a:srgbClr val="191B0E"/>
+                </a:solidFill>
+                <a:latin typeface="FuturaBookC"/>
+              </a:rPr>
+              <a:t>навыком</a:t>
+            </a:r>
+            <a:r>
+              <a:rPr lang="en-US" sz="2000" b="0" strike="noStrike" spc="-1" dirty="0">
+                <a:solidFill>
+                  <a:srgbClr val="191B0E"/>
+                </a:solidFill>
+                <a:latin typeface="FuturaBookC"/>
+              </a:rPr>
+              <a:t>.</a:t>
+            </a:r>
+            <a:endParaRPr lang="en-US" sz="2000" b="0" strike="noStrike" spc="-1" dirty="0">
+              <a:solidFill>
+                <a:srgbClr val="191B0E"/>
               </a:solidFill>
               <a:latin typeface="Franklin Gothic Book"/>
             </a:endParaRPr>
@@ -4359,22 +6747,25 @@
       </p:sp>
     </p:spTree>
   </p:cSld>
+  <p:clrMapOvr>
+    <a:masterClrMapping/>
+  </p:clrMapOvr>
   <p:timing>
     <p:tnLst>
       <p:par>
-        <p:cTn id="5" dur="indefinite" restart="never" nodeType="tmRoot">
+        <p:cTn id="1" dur="indefinite" restart="never" nodeType="tmRoot">
           <p:childTnLst>
             <p:seq>
-              <p:cTn id="6" dur="indefinite" nodeType="mainSeq"/>
+              <p:cTn id="2" dur="indefinite" nodeType="mainSeq"/>
               <p:prevCondLst>
-                <p:cond delay="0" evt="onPrev">
+                <p:cond evt="onPrev" delay="0">
                   <p:tgtEl>
                     <p:sldTgt/>
                   </p:tgtEl>
                 </p:cond>
               </p:prevCondLst>
               <p:nextCondLst>
-                <p:cond delay="0" evt="onNext">
+                <p:cond evt="onNext" delay="0">
                   <p:tgtEl>
                     <p:sldTgt/>
                   </p:tgtEl>
@@ -4390,7 +6781,7 @@
 </file>
 
 <file path=ppt/slides/slide4.xml><?xml version="1.0" encoding="utf-8"?>
-<p:sld xmlns:a="http://schemas.openxmlformats.org/drawingml/2006/main" xmlns:p="http://schemas.openxmlformats.org/presentationml/2006/main" xmlns:r="http://schemas.openxmlformats.org/officeDocument/2006/relationships" xmlns:p14="http://schemas.microsoft.com/office/powerpoint/2010/main" xmlns:p15="http://schemas.microsoft.com/office/powerpoint/2012/main" xmlns:mc="http://schemas.openxmlformats.org/markup-compatibility/2006">
+<p:sld xmlns:a="http://schemas.openxmlformats.org/drawingml/2006/main" xmlns:r="http://schemas.openxmlformats.org/officeDocument/2006/relationships" xmlns:p="http://schemas.openxmlformats.org/presentationml/2006/main">
   <p:cSld>
     <p:spTree>
       <p:nvGrpSpPr>
@@ -4408,13 +6799,13 @@
       </p:grpSpPr>
       <p:sp>
         <p:nvSpPr>
-          <p:cNvPr id="93" name="TextShape 1"/>
+          <p:cNvPr id="91" name="TextShape 1"/>
           <p:cNvSpPr txBox="1"/>
           <p:nvPr/>
         </p:nvSpPr>
         <p:spPr>
           <a:xfrm>
-            <a:off x="3812760" y="2606760"/>
+            <a:off x="1371600" y="685800"/>
             <a:ext cx="9600840" cy="1485720"/>
           </a:xfrm>
           <a:prstGeom prst="rect">
@@ -4427,6 +6818,7 @@
         </p:spPr>
         <p:txBody>
           <a:bodyPr/>
+          <a:lstStyle/>
           <a:p>
             <a:pPr>
               <a:lnSpc>
@@ -4434,15 +6826,15 @@
               </a:lnSpc>
             </a:pPr>
             <a:r>
-              <a:rPr b="0" lang="en-US" sz="4400" spc="-1" strike="noStrike">
-                <a:solidFill>
-                  <a:srgbClr val="191b0e"/>
-                </a:solidFill>
-                <a:latin typeface="FuturaBookC"/>
-              </a:rPr>
-              <a:t>Спасибо за внимание</a:t>
-            </a:r>
-            <a:endParaRPr b="0" lang="en-US" sz="4400" spc="-1" strike="noStrike">
+              <a:rPr lang="ru-RU" sz="4400" b="0" strike="noStrike" spc="-1" dirty="0">
+                <a:solidFill>
+                  <a:srgbClr val="191B0E"/>
+                </a:solidFill>
+                <a:latin typeface="FuturaBookC"/>
+              </a:rPr>
+              <a:t>Решение 1- алгоритм</a:t>
+            </a:r>
+            <a:endParaRPr lang="en-US" sz="4400" b="0" strike="noStrike" spc="-1" dirty="0">
               <a:solidFill>
                 <a:srgbClr val="000000"/>
               </a:solidFill>
@@ -4451,24 +6843,1615 @@
           </a:p>
         </p:txBody>
       </p:sp>
+      <p:sp>
+        <p:nvSpPr>
+          <p:cNvPr id="92" name="TextShape 2"/>
+          <p:cNvSpPr txBox="1"/>
+          <p:nvPr/>
+        </p:nvSpPr>
+        <p:spPr>
+          <a:xfrm>
+            <a:off x="6172020" y="1709882"/>
+            <a:ext cx="5886456" cy="3580920"/>
+          </a:xfrm>
+          <a:prstGeom prst="rect">
+            <a:avLst/>
+          </a:prstGeom>
+          <a:noFill/>
+          <a:ln>
+            <a:noFill/>
+          </a:ln>
+        </p:spPr>
+        <p:txBody>
+          <a:bodyPr/>
+          <a:lstStyle/>
+          <a:p>
+            <a:pPr>
+              <a:lnSpc>
+                <a:spcPct val="94000"/>
+              </a:lnSpc>
+              <a:spcBef>
+                <a:spcPts val="1001"/>
+              </a:spcBef>
+              <a:spcAft>
+                <a:spcPts val="201"/>
+              </a:spcAft>
+            </a:pPr>
+            <a:endParaRPr lang="en-US" sz="2000" b="0" strike="noStrike" spc="-1" dirty="0">
+              <a:solidFill>
+                <a:srgbClr val="191B0E"/>
+              </a:solidFill>
+              <a:latin typeface="Franklin Gothic Book"/>
+            </a:endParaRPr>
+          </a:p>
+          <a:p>
+            <a:pPr>
+              <a:lnSpc>
+                <a:spcPct val="94000"/>
+              </a:lnSpc>
+              <a:spcBef>
+                <a:spcPts val="1001"/>
+              </a:spcBef>
+              <a:spcAft>
+                <a:spcPts val="201"/>
+              </a:spcAft>
+            </a:pPr>
+            <a:r>
+              <a:rPr lang="ru-RU" sz="2000" b="0" strike="noStrike" spc="-1" dirty="0">
+                <a:solidFill>
+                  <a:srgbClr val="191B0E"/>
+                </a:solidFill>
+                <a:latin typeface="FuturaBookC"/>
+              </a:rPr>
+              <a:t>Здесь мы видим итоговую модель генерации стихотворений (</a:t>
+            </a:r>
+            <a:r>
+              <a:rPr lang="ru-RU" dirty="0"/>
+              <a:t>в терминах библиотеки </a:t>
+            </a:r>
+            <a:r>
+              <a:rPr lang="en-US" dirty="0" err="1">
+                <a:hlinkClick r:id="rId2"/>
+              </a:rPr>
+              <a:t>keras</a:t>
+            </a:r>
+            <a:r>
+              <a:rPr lang="ru-RU" sz="2000" b="0" strike="noStrike" spc="-1" dirty="0">
+                <a:solidFill>
+                  <a:srgbClr val="191B0E"/>
+                </a:solidFill>
+                <a:latin typeface="FuturaBookC"/>
+              </a:rPr>
+              <a:t>).</a:t>
+            </a:r>
+          </a:p>
+          <a:p>
+            <a:pPr>
+              <a:lnSpc>
+                <a:spcPct val="94000"/>
+              </a:lnSpc>
+              <a:spcBef>
+                <a:spcPts val="1001"/>
+              </a:spcBef>
+              <a:spcAft>
+                <a:spcPts val="201"/>
+              </a:spcAft>
+            </a:pPr>
+            <a:endParaRPr lang="ru-RU" sz="2000" spc="-1" dirty="0">
+              <a:solidFill>
+                <a:srgbClr val="191B0E"/>
+              </a:solidFill>
+              <a:latin typeface="FuturaBookC"/>
+            </a:endParaRPr>
+          </a:p>
+          <a:p>
+            <a:pPr>
+              <a:lnSpc>
+                <a:spcPct val="94000"/>
+              </a:lnSpc>
+              <a:spcBef>
+                <a:spcPts val="1001"/>
+              </a:spcBef>
+              <a:spcAft>
+                <a:spcPts val="201"/>
+              </a:spcAft>
+            </a:pPr>
+            <a:endParaRPr lang="ru-RU" sz="2000" b="0" strike="noStrike" spc="-1" dirty="0">
+              <a:solidFill>
+                <a:srgbClr val="191B0E"/>
+              </a:solidFill>
+              <a:latin typeface="FuturaBookC"/>
+            </a:endParaRPr>
+          </a:p>
+          <a:p>
+            <a:pPr>
+              <a:lnSpc>
+                <a:spcPct val="94000"/>
+              </a:lnSpc>
+              <a:spcBef>
+                <a:spcPts val="1001"/>
+              </a:spcBef>
+              <a:spcAft>
+                <a:spcPts val="201"/>
+              </a:spcAft>
+            </a:pPr>
+            <a:r>
+              <a:rPr lang="en-US" sz="2000" b="0" strike="noStrike" spc="-1" dirty="0" err="1">
+                <a:solidFill>
+                  <a:srgbClr val="191B0E"/>
+                </a:solidFill>
+                <a:latin typeface="FuturaBookC"/>
+              </a:rPr>
+              <a:t>Более</a:t>
+            </a:r>
+            <a:r>
+              <a:rPr lang="en-US" sz="2000" b="0" strike="noStrike" spc="-1" dirty="0">
+                <a:solidFill>
+                  <a:srgbClr val="191B0E"/>
+                </a:solidFill>
+                <a:latin typeface="FuturaBookC"/>
+              </a:rPr>
+              <a:t> </a:t>
+            </a:r>
+            <a:r>
+              <a:rPr lang="en-US" sz="2000" b="0" strike="noStrike" spc="-1" dirty="0" err="1">
+                <a:solidFill>
+                  <a:srgbClr val="191B0E"/>
+                </a:solidFill>
+                <a:latin typeface="FuturaBookC"/>
+              </a:rPr>
+              <a:t>подробно</a:t>
+            </a:r>
+            <a:r>
+              <a:rPr lang="en-US" sz="2000" b="0" strike="noStrike" spc="-1" dirty="0">
+                <a:solidFill>
+                  <a:srgbClr val="191B0E"/>
+                </a:solidFill>
+                <a:latin typeface="FuturaBookC"/>
+              </a:rPr>
+              <a:t> </a:t>
+            </a:r>
+            <a:r>
+              <a:rPr lang="en-US" sz="2000" b="0" strike="noStrike" spc="-1" dirty="0" err="1">
+                <a:solidFill>
+                  <a:srgbClr val="191B0E"/>
+                </a:solidFill>
+                <a:latin typeface="FuturaBookC"/>
+              </a:rPr>
+              <a:t>про</a:t>
+            </a:r>
+            <a:r>
+              <a:rPr lang="en-US" sz="2000" b="0" strike="noStrike" spc="-1" dirty="0">
+                <a:solidFill>
+                  <a:srgbClr val="191B0E"/>
+                </a:solidFill>
+                <a:latin typeface="FuturaBookC"/>
+              </a:rPr>
+              <a:t> </a:t>
+            </a:r>
+            <a:r>
+              <a:rPr lang="en-US" sz="2000" b="0" strike="noStrike" spc="-1" dirty="0" err="1">
+                <a:solidFill>
+                  <a:srgbClr val="191B0E"/>
+                </a:solidFill>
+                <a:latin typeface="FuturaBookC"/>
+              </a:rPr>
+              <a:t>алгоритм</a:t>
+            </a:r>
+            <a:r>
+              <a:rPr lang="en-US" sz="2000" b="0" strike="noStrike" spc="-1" dirty="0">
+                <a:solidFill>
+                  <a:srgbClr val="191B0E"/>
+                </a:solidFill>
+                <a:latin typeface="FuturaBookC"/>
+              </a:rPr>
+              <a:t> </a:t>
+            </a:r>
+            <a:r>
+              <a:rPr lang="en-US" sz="2000" b="0" strike="noStrike" spc="-1" dirty="0" err="1">
+                <a:solidFill>
+                  <a:srgbClr val="191B0E"/>
+                </a:solidFill>
+                <a:latin typeface="FuturaBookC"/>
+              </a:rPr>
+              <a:t>можно</a:t>
+            </a:r>
+            <a:r>
+              <a:rPr lang="en-US" sz="2000" b="0" strike="noStrike" spc="-1" dirty="0">
+                <a:solidFill>
+                  <a:srgbClr val="191B0E"/>
+                </a:solidFill>
+                <a:latin typeface="FuturaBookC"/>
+              </a:rPr>
+              <a:t> </a:t>
+            </a:r>
+            <a:r>
+              <a:rPr lang="en-US" sz="2000" b="0" strike="noStrike" spc="-1" dirty="0" err="1">
+                <a:solidFill>
+                  <a:srgbClr val="191B0E"/>
+                </a:solidFill>
+                <a:latin typeface="FuturaBookC"/>
+              </a:rPr>
+              <a:t>прочитать</a:t>
+            </a:r>
+            <a:r>
+              <a:rPr lang="en-US" sz="2000" b="0" strike="noStrike" spc="-1" dirty="0">
+                <a:solidFill>
+                  <a:srgbClr val="191B0E"/>
+                </a:solidFill>
+                <a:latin typeface="FuturaBookC"/>
+              </a:rPr>
+              <a:t> </a:t>
+            </a:r>
+            <a:r>
+              <a:rPr lang="en-US" sz="2000" b="0" strike="noStrike" spc="-1" dirty="0" err="1">
+                <a:solidFill>
+                  <a:srgbClr val="191B0E"/>
+                </a:solidFill>
+                <a:latin typeface="FuturaBookC"/>
+              </a:rPr>
+              <a:t>здесь</a:t>
+            </a:r>
+            <a:r>
+              <a:rPr lang="en-US" sz="2000" b="0" strike="noStrike" spc="-1" dirty="0">
+                <a:solidFill>
+                  <a:srgbClr val="191B0E"/>
+                </a:solidFill>
+                <a:latin typeface="FuturaBookC"/>
+              </a:rPr>
+              <a:t>:</a:t>
+            </a:r>
+            <a:r>
+              <a:rPr lang="en-US" sz="2000" dirty="0">
+                <a:hlinkClick r:id="rId3"/>
+              </a:rPr>
+              <a:t> https://habr.com/ru/post/334046/</a:t>
+            </a:r>
+            <a:endParaRPr lang="en-US" sz="2000" b="0" strike="noStrike" spc="-1" dirty="0">
+              <a:solidFill>
+                <a:srgbClr val="191B0E"/>
+              </a:solidFill>
+              <a:latin typeface="Franklin Gothic Book"/>
+            </a:endParaRPr>
+          </a:p>
+        </p:txBody>
+      </p:sp>
+      <p:pic>
+        <p:nvPicPr>
+          <p:cNvPr id="1026" name="Picture 2" descr="https://habrastorage.org/web/138/a36/0cd/138a360cd7ee4d71969d055fe5aa6850.png">
+            <a:extLst>
+              <a:ext uri="{FF2B5EF4-FFF2-40B4-BE49-F238E27FC236}">
+                <a16:creationId xmlns:a16="http://schemas.microsoft.com/office/drawing/2014/main" id="{9572F5F1-D8BE-446A-93A5-023868D35CFD}"/>
+              </a:ext>
+            </a:extLst>
+          </p:cNvPr>
+          <p:cNvPicPr>
+            <a:picLocks noChangeAspect="1" noChangeArrowheads="1"/>
+          </p:cNvPicPr>
+          <p:nvPr/>
+        </p:nvPicPr>
+        <p:blipFill>
+          <a:blip r:embed="rId4">
+            <a:extLst>
+              <a:ext uri="{28A0092B-C50C-407E-A947-70E740481C1C}">
+                <a14:useLocalDpi xmlns:a14="http://schemas.microsoft.com/office/drawing/2010/main" val="0"/>
+              </a:ext>
+            </a:extLst>
+          </a:blip>
+          <a:srcRect/>
+          <a:stretch>
+            <a:fillRect/>
+          </a:stretch>
+        </p:blipFill>
+        <p:spPr bwMode="auto">
+          <a:xfrm>
+            <a:off x="1271646" y="1793289"/>
+            <a:ext cx="4748335" cy="4500396"/>
+          </a:xfrm>
+          <a:prstGeom prst="rect">
+            <a:avLst/>
+          </a:prstGeom>
+          <a:noFill/>
+          <a:extLst>
+            <a:ext uri="{909E8E84-426E-40DD-AFC4-6F175D3DCCD1}">
+              <a14:hiddenFill xmlns:a14="http://schemas.microsoft.com/office/drawing/2010/main">
+                <a:solidFill>
+                  <a:srgbClr val="FFFFFF"/>
+                </a:solidFill>
+              </a14:hiddenFill>
+            </a:ext>
+          </a:extLst>
+        </p:spPr>
+      </p:pic>
     </p:spTree>
+    <p:extLst>
+      <p:ext uri="{BB962C8B-B14F-4D97-AF65-F5344CB8AC3E}">
+        <p14:creationId xmlns:p14="http://schemas.microsoft.com/office/powerpoint/2010/main" val="1704509738"/>
+      </p:ext>
+    </p:extLst>
   </p:cSld>
+  <p:clrMapOvr>
+    <a:masterClrMapping/>
+  </p:clrMapOvr>
   <p:timing>
     <p:tnLst>
       <p:par>
-        <p:cTn id="7" dur="indefinite" restart="never" nodeType="tmRoot">
+        <p:cTn id="1" dur="indefinite" restart="never" nodeType="tmRoot">
           <p:childTnLst>
             <p:seq>
-              <p:cTn id="8" dur="indefinite" nodeType="mainSeq"/>
+              <p:cTn id="2" dur="indefinite" nodeType="mainSeq"/>
               <p:prevCondLst>
-                <p:cond delay="0" evt="onPrev">
+                <p:cond evt="onPrev" delay="0">
                   <p:tgtEl>
                     <p:sldTgt/>
                   </p:tgtEl>
                 </p:cond>
               </p:prevCondLst>
               <p:nextCondLst>
-                <p:cond delay="0" evt="onNext">
+                <p:cond evt="onNext" delay="0">
+                  <p:tgtEl>
+                    <p:sldTgt/>
+                  </p:tgtEl>
+                </p:cond>
+              </p:nextCondLst>
+            </p:seq>
+          </p:childTnLst>
+        </p:cTn>
+      </p:par>
+    </p:tnLst>
+  </p:timing>
+</p:sld>
+</file>
+
+<file path=ppt/slides/slide5.xml><?xml version="1.0" encoding="utf-8"?>
+<p:sld xmlns:a="http://schemas.openxmlformats.org/drawingml/2006/main" xmlns:r="http://schemas.openxmlformats.org/officeDocument/2006/relationships" xmlns:p="http://schemas.openxmlformats.org/presentationml/2006/main">
+  <p:cSld>
+    <p:spTree>
+      <p:nvGrpSpPr>
+        <p:cNvPr id="1" name=""/>
+        <p:cNvGrpSpPr/>
+        <p:nvPr/>
+      </p:nvGrpSpPr>
+      <p:grpSpPr>
+        <a:xfrm>
+          <a:off x="0" y="0"/>
+          <a:ext cx="0" cy="0"/>
+          <a:chOff x="0" y="0"/>
+          <a:chExt cx="0" cy="0"/>
+        </a:xfrm>
+      </p:grpSpPr>
+      <p:sp>
+        <p:nvSpPr>
+          <p:cNvPr id="91" name="TextShape 1"/>
+          <p:cNvSpPr txBox="1"/>
+          <p:nvPr/>
+        </p:nvSpPr>
+        <p:spPr>
+          <a:xfrm>
+            <a:off x="1371600" y="685800"/>
+            <a:ext cx="9600840" cy="1485720"/>
+          </a:xfrm>
+          <a:prstGeom prst="rect">
+            <a:avLst/>
+          </a:prstGeom>
+          <a:noFill/>
+          <a:ln>
+            <a:noFill/>
+          </a:ln>
+        </p:spPr>
+        <p:txBody>
+          <a:bodyPr/>
+          <a:lstStyle/>
+          <a:p>
+            <a:pPr>
+              <a:lnSpc>
+                <a:spcPct val="89000"/>
+              </a:lnSpc>
+            </a:pPr>
+            <a:r>
+              <a:rPr lang="ru-RU" sz="4400" b="0" strike="noStrike" spc="-1" dirty="0">
+                <a:solidFill>
+                  <a:srgbClr val="191B0E"/>
+                </a:solidFill>
+                <a:latin typeface="FuturaBookC"/>
+              </a:rPr>
+              <a:t>Решение 1</a:t>
+            </a:r>
+            <a:endParaRPr lang="en-US" sz="4400" b="0" strike="noStrike" spc="-1" dirty="0">
+              <a:solidFill>
+                <a:srgbClr val="000000"/>
+              </a:solidFill>
+              <a:latin typeface="Franklin Gothic Book"/>
+            </a:endParaRPr>
+          </a:p>
+        </p:txBody>
+      </p:sp>
+      <p:sp>
+        <p:nvSpPr>
+          <p:cNvPr id="92" name="TextShape 2"/>
+          <p:cNvSpPr txBox="1"/>
+          <p:nvPr/>
+        </p:nvSpPr>
+        <p:spPr>
+          <a:xfrm>
+            <a:off x="1371600" y="2171520"/>
+            <a:ext cx="9600840" cy="3580920"/>
+          </a:xfrm>
+          <a:prstGeom prst="rect">
+            <a:avLst/>
+          </a:prstGeom>
+          <a:noFill/>
+          <a:ln>
+            <a:noFill/>
+          </a:ln>
+        </p:spPr>
+        <p:txBody>
+          <a:bodyPr/>
+          <a:lstStyle/>
+          <a:p>
+            <a:pPr>
+              <a:lnSpc>
+                <a:spcPct val="94000"/>
+              </a:lnSpc>
+              <a:spcBef>
+                <a:spcPts val="1001"/>
+              </a:spcBef>
+              <a:spcAft>
+                <a:spcPts val="201"/>
+              </a:spcAft>
+            </a:pPr>
+            <a:r>
+              <a:rPr lang="ru-RU" sz="2000" b="0" strike="noStrike" spc="-1" dirty="0">
+                <a:solidFill>
+                  <a:srgbClr val="191B0E"/>
+                </a:solidFill>
+                <a:latin typeface="Franklin Gothic Book"/>
+              </a:rPr>
+              <a:t>П</a:t>
+            </a:r>
+            <a:r>
+              <a:rPr lang="ru-RU" sz="2000" spc="-1" dirty="0">
+                <a:solidFill>
+                  <a:srgbClr val="191B0E"/>
+                </a:solidFill>
+                <a:latin typeface="Franklin Gothic Book"/>
+              </a:rPr>
+              <a:t>опробовав те модели обучения из коробки, я пришел к выводу, что работает все как-то некорректно, пример сгенерированного стихотворения:</a:t>
+            </a:r>
+          </a:p>
+          <a:p>
+            <a:pPr>
+              <a:lnSpc>
+                <a:spcPct val="94000"/>
+              </a:lnSpc>
+              <a:spcBef>
+                <a:spcPts val="1001"/>
+              </a:spcBef>
+              <a:spcAft>
+                <a:spcPts val="201"/>
+              </a:spcAft>
+            </a:pPr>
+            <a:endParaRPr lang="ru-RU" sz="2000" b="0" strike="noStrike" spc="-1" dirty="0">
+              <a:solidFill>
+                <a:srgbClr val="191B0E"/>
+              </a:solidFill>
+              <a:latin typeface="Franklin Gothic Book"/>
+            </a:endParaRPr>
+          </a:p>
+          <a:p>
+            <a:pPr>
+              <a:lnSpc>
+                <a:spcPct val="94000"/>
+              </a:lnSpc>
+              <a:spcBef>
+                <a:spcPts val="1001"/>
+              </a:spcBef>
+              <a:spcAft>
+                <a:spcPts val="201"/>
+              </a:spcAft>
+            </a:pPr>
+            <a:r>
+              <a:rPr lang="ru-RU" dirty="0"/>
+              <a:t>И нами хоть до тех каких</a:t>
+            </a:r>
+            <a:br>
+              <a:rPr lang="ru-RU" sz="2000" dirty="0"/>
+            </a:br>
+            <a:r>
+              <a:rPr lang="ru-RU" dirty="0"/>
+              <a:t>Пор и я тону на твоих</a:t>
+            </a:r>
+            <a:br>
+              <a:rPr lang="ru-RU" sz="2000" dirty="0"/>
+            </a:br>
+            <a:r>
+              <a:rPr lang="ru-RU" dirty="0"/>
+              <a:t>Стенах гор и лик и медведь</a:t>
+            </a:r>
+            <a:br>
+              <a:rPr lang="ru-RU" sz="2000" dirty="0"/>
+            </a:br>
+            <a:r>
+              <a:rPr lang="ru-RU" dirty="0"/>
+              <a:t>Рукою тихо по воде</a:t>
+            </a:r>
+          </a:p>
+          <a:p>
+            <a:pPr>
+              <a:lnSpc>
+                <a:spcPct val="94000"/>
+              </a:lnSpc>
+              <a:spcBef>
+                <a:spcPts val="1001"/>
+              </a:spcBef>
+              <a:spcAft>
+                <a:spcPts val="201"/>
+              </a:spcAft>
+            </a:pPr>
+            <a:endParaRPr lang="ru-RU" sz="2000" b="0" strike="noStrike" spc="-1" dirty="0">
+              <a:solidFill>
+                <a:srgbClr val="191B0E"/>
+              </a:solidFill>
+              <a:latin typeface="Franklin Gothic Book"/>
+            </a:endParaRPr>
+          </a:p>
+          <a:p>
+            <a:pPr>
+              <a:lnSpc>
+                <a:spcPct val="94000"/>
+              </a:lnSpc>
+              <a:spcBef>
+                <a:spcPts val="1001"/>
+              </a:spcBef>
+              <a:spcAft>
+                <a:spcPts val="201"/>
+              </a:spcAft>
+            </a:pPr>
+            <a:r>
+              <a:rPr lang="ru-RU" sz="2000" b="0" strike="noStrike" spc="-1" dirty="0">
+                <a:solidFill>
+                  <a:srgbClr val="191B0E"/>
+                </a:solidFill>
+                <a:latin typeface="Franklin Gothic Book"/>
+              </a:rPr>
+              <a:t>Рифма между строчками проскакивает, но сами слова друг к другу не </a:t>
+            </a:r>
+            <a:r>
+              <a:rPr lang="en-US" sz="2000" b="0" strike="noStrike" spc="-1" dirty="0">
+                <a:solidFill>
+                  <a:srgbClr val="191B0E"/>
+                </a:solidFill>
+                <a:latin typeface="Franklin Gothic Book"/>
+              </a:rPr>
+              <a:t>“</a:t>
+            </a:r>
+            <a:r>
+              <a:rPr lang="ru-RU" sz="2000" b="0" strike="noStrike" spc="-1" dirty="0">
+                <a:solidFill>
+                  <a:srgbClr val="191B0E"/>
+                </a:solidFill>
+                <a:latin typeface="Franklin Gothic Book"/>
+              </a:rPr>
+              <a:t>подходят</a:t>
+            </a:r>
+            <a:r>
+              <a:rPr lang="en-US" sz="2000" b="0" strike="noStrike" spc="-1" dirty="0">
+                <a:solidFill>
+                  <a:srgbClr val="191B0E"/>
+                </a:solidFill>
+                <a:latin typeface="Franklin Gothic Book"/>
+              </a:rPr>
+              <a:t>”</a:t>
+            </a:r>
+            <a:r>
+              <a:rPr lang="ru-RU" sz="2000" b="0" strike="noStrike" spc="-1" dirty="0">
+                <a:solidFill>
+                  <a:srgbClr val="191B0E"/>
+                </a:solidFill>
+                <a:latin typeface="Franklin Gothic Book"/>
+              </a:rPr>
+              <a:t>.</a:t>
+            </a:r>
+            <a:endParaRPr lang="en-US" sz="2000" b="0" strike="noStrike" spc="-1" dirty="0">
+              <a:solidFill>
+                <a:srgbClr val="191B0E"/>
+              </a:solidFill>
+              <a:latin typeface="Franklin Gothic Book"/>
+            </a:endParaRPr>
+          </a:p>
+        </p:txBody>
+      </p:sp>
+    </p:spTree>
+    <p:extLst>
+      <p:ext uri="{BB962C8B-B14F-4D97-AF65-F5344CB8AC3E}">
+        <p14:creationId xmlns:p14="http://schemas.microsoft.com/office/powerpoint/2010/main" val="214234291"/>
+      </p:ext>
+    </p:extLst>
+  </p:cSld>
+  <p:clrMapOvr>
+    <a:masterClrMapping/>
+  </p:clrMapOvr>
+  <p:timing>
+    <p:tnLst>
+      <p:par>
+        <p:cTn id="1" dur="indefinite" restart="never" nodeType="tmRoot">
+          <p:childTnLst>
+            <p:seq>
+              <p:cTn id="2" dur="indefinite" nodeType="mainSeq"/>
+              <p:prevCondLst>
+                <p:cond evt="onPrev" delay="0">
+                  <p:tgtEl>
+                    <p:sldTgt/>
+                  </p:tgtEl>
+                </p:cond>
+              </p:prevCondLst>
+              <p:nextCondLst>
+                <p:cond evt="onNext" delay="0">
+                  <p:tgtEl>
+                    <p:sldTgt/>
+                  </p:tgtEl>
+                </p:cond>
+              </p:nextCondLst>
+            </p:seq>
+          </p:childTnLst>
+        </p:cTn>
+      </p:par>
+    </p:tnLst>
+  </p:timing>
+</p:sld>
+</file>
+
+<file path=ppt/slides/slide6.xml><?xml version="1.0" encoding="utf-8"?>
+<p:sld xmlns:a="http://schemas.openxmlformats.org/drawingml/2006/main" xmlns:r="http://schemas.openxmlformats.org/officeDocument/2006/relationships" xmlns:p="http://schemas.openxmlformats.org/presentationml/2006/main">
+  <p:cSld>
+    <p:spTree>
+      <p:nvGrpSpPr>
+        <p:cNvPr id="1" name=""/>
+        <p:cNvGrpSpPr/>
+        <p:nvPr/>
+      </p:nvGrpSpPr>
+      <p:grpSpPr>
+        <a:xfrm>
+          <a:off x="0" y="0"/>
+          <a:ext cx="0" cy="0"/>
+          <a:chOff x="0" y="0"/>
+          <a:chExt cx="0" cy="0"/>
+        </a:xfrm>
+      </p:grpSpPr>
+      <p:sp>
+        <p:nvSpPr>
+          <p:cNvPr id="91" name="TextShape 1"/>
+          <p:cNvSpPr txBox="1"/>
+          <p:nvPr/>
+        </p:nvSpPr>
+        <p:spPr>
+          <a:xfrm>
+            <a:off x="1371600" y="685800"/>
+            <a:ext cx="9600840" cy="1485720"/>
+          </a:xfrm>
+          <a:prstGeom prst="rect">
+            <a:avLst/>
+          </a:prstGeom>
+          <a:noFill/>
+          <a:ln>
+            <a:noFill/>
+          </a:ln>
+        </p:spPr>
+        <p:txBody>
+          <a:bodyPr/>
+          <a:lstStyle/>
+          <a:p>
+            <a:pPr>
+              <a:lnSpc>
+                <a:spcPct val="89000"/>
+              </a:lnSpc>
+            </a:pPr>
+            <a:r>
+              <a:rPr lang="ru-RU" sz="4400" b="0" strike="noStrike" spc="-1" dirty="0">
+                <a:solidFill>
+                  <a:srgbClr val="191B0E"/>
+                </a:solidFill>
+                <a:latin typeface="FuturaBookC"/>
+              </a:rPr>
+              <a:t>Решение </a:t>
+            </a:r>
+            <a:r>
+              <a:rPr lang="en-US" sz="4400" b="0" strike="noStrike" spc="-1" dirty="0">
+                <a:solidFill>
+                  <a:srgbClr val="191B0E"/>
+                </a:solidFill>
+                <a:latin typeface="FuturaBookC"/>
+              </a:rPr>
+              <a:t>2</a:t>
+            </a:r>
+            <a:endParaRPr lang="en-US" sz="4400" b="0" strike="noStrike" spc="-1" dirty="0">
+              <a:solidFill>
+                <a:srgbClr val="000000"/>
+              </a:solidFill>
+              <a:latin typeface="Franklin Gothic Book"/>
+            </a:endParaRPr>
+          </a:p>
+        </p:txBody>
+      </p:sp>
+      <p:sp>
+        <p:nvSpPr>
+          <p:cNvPr id="92" name="TextShape 2"/>
+          <p:cNvSpPr txBox="1"/>
+          <p:nvPr/>
+        </p:nvSpPr>
+        <p:spPr>
+          <a:xfrm>
+            <a:off x="1034249" y="2168011"/>
+            <a:ext cx="10950606" cy="3580920"/>
+          </a:xfrm>
+          <a:prstGeom prst="rect">
+            <a:avLst/>
+          </a:prstGeom>
+          <a:noFill/>
+          <a:ln>
+            <a:noFill/>
+          </a:ln>
+        </p:spPr>
+        <p:txBody>
+          <a:bodyPr/>
+          <a:lstStyle/>
+          <a:p>
+            <a:pPr>
+              <a:lnSpc>
+                <a:spcPct val="94000"/>
+              </a:lnSpc>
+              <a:spcBef>
+                <a:spcPts val="1001"/>
+              </a:spcBef>
+              <a:spcAft>
+                <a:spcPts val="201"/>
+              </a:spcAft>
+            </a:pPr>
+            <a:r>
+              <a:rPr lang="ru-RU" sz="2000" spc="-1" dirty="0">
+                <a:solidFill>
+                  <a:srgbClr val="191B0E"/>
+                </a:solidFill>
+                <a:latin typeface="Franklin Gothic Book"/>
+              </a:rPr>
+              <a:t>Тогда я решил попробовать использовать оптимизатор (</a:t>
+            </a:r>
+            <a:r>
+              <a:rPr lang="en-US" sz="2000" spc="-1" dirty="0">
+                <a:solidFill>
+                  <a:srgbClr val="191B0E"/>
+                </a:solidFill>
+                <a:latin typeface="Franklin Gothic Book"/>
+              </a:rPr>
+              <a:t>optimizer). </a:t>
+            </a:r>
+            <a:r>
+              <a:rPr lang="ru-RU" sz="2000" spc="-1" dirty="0">
+                <a:solidFill>
+                  <a:srgbClr val="191B0E"/>
+                </a:solidFill>
+                <a:latin typeface="Franklin Gothic Book"/>
+              </a:rPr>
+              <a:t>Его можно найти в этой папке: </a:t>
+            </a:r>
+            <a:r>
+              <a:rPr lang="en-US" sz="2000" dirty="0">
+                <a:hlinkClick r:id="rId2"/>
+              </a:rPr>
+              <a:t>https://github.com/gudo-m/alice-generate-poems/blob/master/generator/rupo/data/g2p_models/</a:t>
+            </a:r>
+            <a:endParaRPr lang="ru-RU" sz="2000" dirty="0"/>
+          </a:p>
+          <a:p>
+            <a:pPr>
+              <a:lnSpc>
+                <a:spcPct val="94000"/>
+              </a:lnSpc>
+              <a:spcBef>
+                <a:spcPts val="1001"/>
+              </a:spcBef>
+              <a:spcAft>
+                <a:spcPts val="201"/>
+              </a:spcAft>
+            </a:pPr>
+            <a:endParaRPr lang="ru-RU" sz="2000" b="0" strike="noStrike" spc="-1" dirty="0">
+              <a:solidFill>
+                <a:srgbClr val="191B0E"/>
+              </a:solidFill>
+              <a:latin typeface="Franklin Gothic Book"/>
+            </a:endParaRPr>
+          </a:p>
+          <a:p>
+            <a:pPr>
+              <a:lnSpc>
+                <a:spcPct val="94000"/>
+              </a:lnSpc>
+              <a:spcBef>
+                <a:spcPts val="1001"/>
+              </a:spcBef>
+              <a:spcAft>
+                <a:spcPts val="201"/>
+              </a:spcAft>
+            </a:pPr>
+            <a:r>
+              <a:rPr lang="ru-RU" sz="2000" b="0" strike="noStrike" spc="-1" dirty="0">
+                <a:solidFill>
+                  <a:srgbClr val="191B0E"/>
+                </a:solidFill>
+                <a:latin typeface="Franklin Gothic Book"/>
+              </a:rPr>
+              <a:t>Информация </a:t>
+            </a:r>
+            <a:r>
+              <a:rPr lang="ru-RU" sz="2000" spc="-1" dirty="0">
+                <a:solidFill>
+                  <a:srgbClr val="191B0E"/>
+                </a:solidFill>
+                <a:latin typeface="Franklin Gothic Book"/>
+              </a:rPr>
+              <a:t>об оптимизаторе есть в документации </a:t>
+            </a:r>
+            <a:r>
+              <a:rPr lang="en-US" sz="2000" spc="-1" dirty="0" err="1">
+                <a:solidFill>
+                  <a:srgbClr val="191B0E"/>
+                </a:solidFill>
+                <a:latin typeface="Franklin Gothic Book"/>
+              </a:rPr>
+              <a:t>tensorflow</a:t>
+            </a:r>
+            <a:r>
+              <a:rPr lang="en-US" sz="2000" spc="-1" dirty="0">
+                <a:solidFill>
+                  <a:srgbClr val="191B0E"/>
+                </a:solidFill>
+                <a:latin typeface="Franklin Gothic Book"/>
+              </a:rPr>
+              <a:t>: </a:t>
+            </a:r>
+            <a:r>
+              <a:rPr lang="en-US" sz="2000" dirty="0">
+                <a:hlinkClick r:id="rId3"/>
+              </a:rPr>
+              <a:t>https://www.tensorflow.org/lite/performance/model_optimization</a:t>
+            </a:r>
+            <a:endParaRPr lang="en-US" sz="2000" dirty="0"/>
+          </a:p>
+          <a:p>
+            <a:pPr>
+              <a:lnSpc>
+                <a:spcPct val="94000"/>
+              </a:lnSpc>
+              <a:spcBef>
+                <a:spcPts val="1001"/>
+              </a:spcBef>
+              <a:spcAft>
+                <a:spcPts val="201"/>
+              </a:spcAft>
+            </a:pPr>
+            <a:endParaRPr lang="en-US" sz="2000" b="0" strike="noStrike" spc="-1" dirty="0">
+              <a:solidFill>
+                <a:srgbClr val="191B0E"/>
+              </a:solidFill>
+              <a:latin typeface="Franklin Gothic Book"/>
+            </a:endParaRPr>
+          </a:p>
+        </p:txBody>
+      </p:sp>
+    </p:spTree>
+    <p:extLst>
+      <p:ext uri="{BB962C8B-B14F-4D97-AF65-F5344CB8AC3E}">
+        <p14:creationId xmlns:p14="http://schemas.microsoft.com/office/powerpoint/2010/main" val="3748568097"/>
+      </p:ext>
+    </p:extLst>
+  </p:cSld>
+  <p:clrMapOvr>
+    <a:masterClrMapping/>
+  </p:clrMapOvr>
+  <p:timing>
+    <p:tnLst>
+      <p:par>
+        <p:cTn id="1" dur="indefinite" restart="never" nodeType="tmRoot">
+          <p:childTnLst>
+            <p:seq>
+              <p:cTn id="2" dur="indefinite" nodeType="mainSeq"/>
+              <p:prevCondLst>
+                <p:cond evt="onPrev" delay="0">
+                  <p:tgtEl>
+                    <p:sldTgt/>
+                  </p:tgtEl>
+                </p:cond>
+              </p:prevCondLst>
+              <p:nextCondLst>
+                <p:cond evt="onNext" delay="0">
+                  <p:tgtEl>
+                    <p:sldTgt/>
+                  </p:tgtEl>
+                </p:cond>
+              </p:nextCondLst>
+            </p:seq>
+          </p:childTnLst>
+        </p:cTn>
+      </p:par>
+    </p:tnLst>
+  </p:timing>
+</p:sld>
+</file>
+
+<file path=ppt/slides/slide7.xml><?xml version="1.0" encoding="utf-8"?>
+<p:sld xmlns:a="http://schemas.openxmlformats.org/drawingml/2006/main" xmlns:r="http://schemas.openxmlformats.org/officeDocument/2006/relationships" xmlns:p="http://schemas.openxmlformats.org/presentationml/2006/main">
+  <p:cSld>
+    <p:spTree>
+      <p:nvGrpSpPr>
+        <p:cNvPr id="1" name=""/>
+        <p:cNvGrpSpPr/>
+        <p:nvPr/>
+      </p:nvGrpSpPr>
+      <p:grpSpPr>
+        <a:xfrm>
+          <a:off x="0" y="0"/>
+          <a:ext cx="0" cy="0"/>
+          <a:chOff x="0" y="0"/>
+          <a:chExt cx="0" cy="0"/>
+        </a:xfrm>
+      </p:grpSpPr>
+      <p:sp>
+        <p:nvSpPr>
+          <p:cNvPr id="91" name="TextShape 1"/>
+          <p:cNvSpPr txBox="1"/>
+          <p:nvPr/>
+        </p:nvSpPr>
+        <p:spPr>
+          <a:xfrm>
+            <a:off x="1371600" y="685800"/>
+            <a:ext cx="9600840" cy="1485720"/>
+          </a:xfrm>
+          <a:prstGeom prst="rect">
+            <a:avLst/>
+          </a:prstGeom>
+          <a:noFill/>
+          <a:ln>
+            <a:noFill/>
+          </a:ln>
+        </p:spPr>
+        <p:txBody>
+          <a:bodyPr/>
+          <a:lstStyle/>
+          <a:p>
+            <a:pPr>
+              <a:lnSpc>
+                <a:spcPct val="89000"/>
+              </a:lnSpc>
+            </a:pPr>
+            <a:r>
+              <a:rPr lang="ru-RU" sz="4400" b="0" strike="noStrike" spc="-1" dirty="0">
+                <a:solidFill>
+                  <a:srgbClr val="191B0E"/>
+                </a:solidFill>
+                <a:latin typeface="FuturaBookC"/>
+              </a:rPr>
+              <a:t>Решение </a:t>
+            </a:r>
+            <a:r>
+              <a:rPr lang="en-US" sz="4400" b="0" strike="noStrike" spc="-1" dirty="0">
+                <a:solidFill>
+                  <a:srgbClr val="191B0E"/>
+                </a:solidFill>
+                <a:latin typeface="FuturaBookC"/>
+              </a:rPr>
+              <a:t>2</a:t>
+            </a:r>
+            <a:endParaRPr lang="en-US" sz="4400" b="0" strike="noStrike" spc="-1" dirty="0">
+              <a:solidFill>
+                <a:srgbClr val="000000"/>
+              </a:solidFill>
+              <a:latin typeface="Franklin Gothic Book"/>
+            </a:endParaRPr>
+          </a:p>
+        </p:txBody>
+      </p:sp>
+      <p:sp>
+        <p:nvSpPr>
+          <p:cNvPr id="92" name="TextShape 2"/>
+          <p:cNvSpPr txBox="1"/>
+          <p:nvPr/>
+        </p:nvSpPr>
+        <p:spPr>
+          <a:xfrm>
+            <a:off x="1371600" y="2212399"/>
+            <a:ext cx="9343747" cy="3580920"/>
+          </a:xfrm>
+          <a:prstGeom prst="rect">
+            <a:avLst/>
+          </a:prstGeom>
+          <a:noFill/>
+          <a:ln>
+            <a:noFill/>
+          </a:ln>
+        </p:spPr>
+        <p:txBody>
+          <a:bodyPr/>
+          <a:lstStyle/>
+          <a:p>
+            <a:pPr>
+              <a:lnSpc>
+                <a:spcPct val="94000"/>
+              </a:lnSpc>
+              <a:spcBef>
+                <a:spcPts val="1001"/>
+              </a:spcBef>
+              <a:spcAft>
+                <a:spcPts val="201"/>
+              </a:spcAft>
+            </a:pPr>
+            <a:r>
+              <a:rPr lang="ru-RU" sz="2000" spc="-1" dirty="0">
+                <a:solidFill>
+                  <a:srgbClr val="191B0E"/>
+                </a:solidFill>
+                <a:latin typeface="Franklin Gothic Book"/>
+              </a:rPr>
+              <a:t>Оптимизатор создается автоматически, но долго, т.к. обрабатывается много данных. </a:t>
+            </a:r>
+          </a:p>
+          <a:p>
+            <a:pPr>
+              <a:lnSpc>
+                <a:spcPct val="94000"/>
+              </a:lnSpc>
+              <a:spcBef>
+                <a:spcPts val="1001"/>
+              </a:spcBef>
+              <a:spcAft>
+                <a:spcPts val="201"/>
+              </a:spcAft>
+            </a:pPr>
+            <a:endParaRPr lang="ru-RU" sz="2000" spc="-1" dirty="0">
+              <a:solidFill>
+                <a:srgbClr val="191B0E"/>
+              </a:solidFill>
+              <a:latin typeface="Franklin Gothic Book"/>
+            </a:endParaRPr>
+          </a:p>
+          <a:p>
+            <a:pPr>
+              <a:lnSpc>
+                <a:spcPct val="94000"/>
+              </a:lnSpc>
+              <a:spcBef>
+                <a:spcPts val="1001"/>
+              </a:spcBef>
+              <a:spcAft>
+                <a:spcPts val="201"/>
+              </a:spcAft>
+            </a:pPr>
+            <a:r>
+              <a:rPr lang="ru-RU" sz="2000" spc="-1" dirty="0">
+                <a:solidFill>
+                  <a:srgbClr val="191B0E"/>
+                </a:solidFill>
+                <a:latin typeface="Franklin Gothic Book"/>
+              </a:rPr>
+              <a:t>Он дополняет основное решение, дает ему оптимизацию в решении. Из-за этого решение сразу приобретает хороший вид.</a:t>
+            </a:r>
+            <a:endParaRPr lang="en-US" sz="2000" dirty="0"/>
+          </a:p>
+        </p:txBody>
+      </p:sp>
+    </p:spTree>
+    <p:extLst>
+      <p:ext uri="{BB962C8B-B14F-4D97-AF65-F5344CB8AC3E}">
+        <p14:creationId xmlns:p14="http://schemas.microsoft.com/office/powerpoint/2010/main" val="2310031793"/>
+      </p:ext>
+    </p:extLst>
+  </p:cSld>
+  <p:clrMapOvr>
+    <a:masterClrMapping/>
+  </p:clrMapOvr>
+  <p:timing>
+    <p:tnLst>
+      <p:par>
+        <p:cTn id="1" dur="indefinite" restart="never" nodeType="tmRoot">
+          <p:childTnLst>
+            <p:seq>
+              <p:cTn id="2" dur="indefinite" nodeType="mainSeq"/>
+              <p:prevCondLst>
+                <p:cond evt="onPrev" delay="0">
+                  <p:tgtEl>
+                    <p:sldTgt/>
+                  </p:tgtEl>
+                </p:cond>
+              </p:prevCondLst>
+              <p:nextCondLst>
+                <p:cond evt="onNext" delay="0">
+                  <p:tgtEl>
+                    <p:sldTgt/>
+                  </p:tgtEl>
+                </p:cond>
+              </p:nextCondLst>
+            </p:seq>
+          </p:childTnLst>
+        </p:cTn>
+      </p:par>
+    </p:tnLst>
+  </p:timing>
+</p:sld>
+</file>
+
+<file path=ppt/slides/slide8.xml><?xml version="1.0" encoding="utf-8"?>
+<p:sld xmlns:a="http://schemas.openxmlformats.org/drawingml/2006/main" xmlns:r="http://schemas.openxmlformats.org/officeDocument/2006/relationships" xmlns:p="http://schemas.openxmlformats.org/presentationml/2006/main">
+  <p:cSld>
+    <p:spTree>
+      <p:nvGrpSpPr>
+        <p:cNvPr id="1" name=""/>
+        <p:cNvGrpSpPr/>
+        <p:nvPr/>
+      </p:nvGrpSpPr>
+      <p:grpSpPr>
+        <a:xfrm>
+          <a:off x="0" y="0"/>
+          <a:ext cx="0" cy="0"/>
+          <a:chOff x="0" y="0"/>
+          <a:chExt cx="0" cy="0"/>
+        </a:xfrm>
+      </p:grpSpPr>
+      <p:sp>
+        <p:nvSpPr>
+          <p:cNvPr id="91" name="TextShape 1"/>
+          <p:cNvSpPr txBox="1"/>
+          <p:nvPr/>
+        </p:nvSpPr>
+        <p:spPr>
+          <a:xfrm>
+            <a:off x="1371600" y="685800"/>
+            <a:ext cx="9600840" cy="1485720"/>
+          </a:xfrm>
+          <a:prstGeom prst="rect">
+            <a:avLst/>
+          </a:prstGeom>
+          <a:noFill/>
+          <a:ln>
+            <a:noFill/>
+          </a:ln>
+        </p:spPr>
+        <p:txBody>
+          <a:bodyPr/>
+          <a:lstStyle/>
+          <a:p>
+            <a:pPr>
+              <a:lnSpc>
+                <a:spcPct val="89000"/>
+              </a:lnSpc>
+            </a:pPr>
+            <a:r>
+              <a:rPr lang="ru-RU" sz="4400" b="0" strike="noStrike" spc="-1" dirty="0">
+                <a:solidFill>
+                  <a:srgbClr val="191B0E"/>
+                </a:solidFill>
+                <a:latin typeface="FuturaBookC"/>
+              </a:rPr>
+              <a:t>Решение </a:t>
+            </a:r>
+            <a:r>
+              <a:rPr lang="en-US" sz="4400" b="0" strike="noStrike" spc="-1" dirty="0">
+                <a:solidFill>
+                  <a:srgbClr val="191B0E"/>
+                </a:solidFill>
+                <a:latin typeface="FuturaBookC"/>
+              </a:rPr>
+              <a:t>2</a:t>
+            </a:r>
+            <a:endParaRPr lang="en-US" sz="4400" b="0" strike="noStrike" spc="-1" dirty="0">
+              <a:solidFill>
+                <a:srgbClr val="000000"/>
+              </a:solidFill>
+              <a:latin typeface="Franklin Gothic Book"/>
+            </a:endParaRPr>
+          </a:p>
+        </p:txBody>
+      </p:sp>
+      <p:sp>
+        <p:nvSpPr>
+          <p:cNvPr id="92" name="TextShape 2"/>
+          <p:cNvSpPr txBox="1"/>
+          <p:nvPr/>
+        </p:nvSpPr>
+        <p:spPr>
+          <a:xfrm>
+            <a:off x="1371600" y="2212399"/>
+            <a:ext cx="9343747" cy="3580920"/>
+          </a:xfrm>
+          <a:prstGeom prst="rect">
+            <a:avLst/>
+          </a:prstGeom>
+          <a:noFill/>
+          <a:ln>
+            <a:noFill/>
+          </a:ln>
+        </p:spPr>
+        <p:txBody>
+          <a:bodyPr/>
+          <a:lstStyle/>
+          <a:p>
+            <a:pPr>
+              <a:lnSpc>
+                <a:spcPct val="94000"/>
+              </a:lnSpc>
+              <a:spcBef>
+                <a:spcPts val="1001"/>
+              </a:spcBef>
+              <a:spcAft>
+                <a:spcPts val="201"/>
+              </a:spcAft>
+            </a:pPr>
+            <a:r>
+              <a:rPr lang="ru-RU" sz="2000" spc="-1" dirty="0">
+                <a:solidFill>
+                  <a:srgbClr val="191B0E"/>
+                </a:solidFill>
+                <a:latin typeface="Franklin Gothic Book"/>
+              </a:rPr>
+              <a:t>Пример стихотворение при решении 2:</a:t>
+            </a:r>
+          </a:p>
+          <a:p>
+            <a:pPr>
+              <a:lnSpc>
+                <a:spcPct val="94000"/>
+              </a:lnSpc>
+              <a:spcBef>
+                <a:spcPts val="1001"/>
+              </a:spcBef>
+              <a:spcAft>
+                <a:spcPts val="201"/>
+              </a:spcAft>
+            </a:pPr>
+            <a:endParaRPr lang="ru-RU" sz="2000" spc="-1" dirty="0">
+              <a:solidFill>
+                <a:srgbClr val="191B0E"/>
+              </a:solidFill>
+              <a:latin typeface="Franklin Gothic Book"/>
+            </a:endParaRPr>
+          </a:p>
+          <a:p>
+            <a:pPr>
+              <a:lnSpc>
+                <a:spcPct val="94000"/>
+              </a:lnSpc>
+              <a:spcBef>
+                <a:spcPts val="1001"/>
+              </a:spcBef>
+              <a:spcAft>
+                <a:spcPts val="201"/>
+              </a:spcAft>
+            </a:pPr>
+            <a:r>
+              <a:rPr lang="ru-RU" dirty="0"/>
+              <a:t>Идти на завтра и гремят</a:t>
+            </a:r>
+            <a:br>
+              <a:rPr lang="ru-RU" sz="2000" dirty="0"/>
+            </a:br>
+            <a:r>
+              <a:rPr lang="ru-RU" dirty="0"/>
+              <a:t>Там жаркий дождь а я опять</a:t>
+            </a:r>
+            <a:br>
+              <a:rPr lang="ru-RU" sz="2000" dirty="0"/>
+            </a:br>
+            <a:r>
+              <a:rPr lang="ru-RU" dirty="0"/>
+              <a:t>Все время на весь силуэт</a:t>
+            </a:r>
+            <a:br>
+              <a:rPr lang="ru-RU" sz="2000" dirty="0"/>
+            </a:br>
+            <a:r>
+              <a:rPr lang="ru-RU" dirty="0"/>
+              <a:t>Живу сгораю я поэт</a:t>
+            </a:r>
+            <a:br>
+              <a:rPr lang="ru-RU" sz="2000" dirty="0"/>
+            </a:br>
+            <a:r>
+              <a:rPr lang="ru-RU" dirty="0"/>
+              <a:t>Мы не на новый год пришли</a:t>
+            </a:r>
+            <a:br>
+              <a:rPr lang="ru-RU" sz="2000" dirty="0"/>
+            </a:br>
+            <a:r>
+              <a:rPr lang="ru-RU" dirty="0"/>
+              <a:t>Прошли мы и во снах пошли</a:t>
+            </a:r>
+            <a:endParaRPr lang="ru-RU" sz="2000" spc="-1" dirty="0">
+              <a:solidFill>
+                <a:srgbClr val="191B0E"/>
+              </a:solidFill>
+              <a:latin typeface="Franklin Gothic Book"/>
+            </a:endParaRPr>
+          </a:p>
+          <a:p>
+            <a:pPr>
+              <a:lnSpc>
+                <a:spcPct val="94000"/>
+              </a:lnSpc>
+              <a:spcBef>
+                <a:spcPts val="1001"/>
+              </a:spcBef>
+              <a:spcAft>
+                <a:spcPts val="201"/>
+              </a:spcAft>
+            </a:pPr>
+            <a:endParaRPr lang="en-US" sz="2000" dirty="0"/>
+          </a:p>
+        </p:txBody>
+      </p:sp>
+    </p:spTree>
+    <p:extLst>
+      <p:ext uri="{BB962C8B-B14F-4D97-AF65-F5344CB8AC3E}">
+        <p14:creationId xmlns:p14="http://schemas.microsoft.com/office/powerpoint/2010/main" val="1946324617"/>
+      </p:ext>
+    </p:extLst>
+  </p:cSld>
+  <p:clrMapOvr>
+    <a:masterClrMapping/>
+  </p:clrMapOvr>
+  <p:timing>
+    <p:tnLst>
+      <p:par>
+        <p:cTn id="1" dur="indefinite" restart="never" nodeType="tmRoot">
+          <p:childTnLst>
+            <p:seq>
+              <p:cTn id="2" dur="indefinite" nodeType="mainSeq"/>
+              <p:prevCondLst>
+                <p:cond evt="onPrev" delay="0">
+                  <p:tgtEl>
+                    <p:sldTgt/>
+                  </p:tgtEl>
+                </p:cond>
+              </p:prevCondLst>
+              <p:nextCondLst>
+                <p:cond evt="onNext" delay="0">
+                  <p:tgtEl>
+                    <p:sldTgt/>
+                  </p:tgtEl>
+                </p:cond>
+              </p:nextCondLst>
+            </p:seq>
+          </p:childTnLst>
+        </p:cTn>
+      </p:par>
+    </p:tnLst>
+  </p:timing>
+</p:sld>
+</file>
+
+<file path=ppt/slides/slide9.xml><?xml version="1.0" encoding="utf-8"?>
+<p:sld xmlns:a="http://schemas.openxmlformats.org/drawingml/2006/main" xmlns:r="http://schemas.openxmlformats.org/officeDocument/2006/relationships" xmlns:p="http://schemas.openxmlformats.org/presentationml/2006/main">
+  <p:cSld>
+    <p:spTree>
+      <p:nvGrpSpPr>
+        <p:cNvPr id="1" name=""/>
+        <p:cNvGrpSpPr/>
+        <p:nvPr/>
+      </p:nvGrpSpPr>
+      <p:grpSpPr>
+        <a:xfrm>
+          <a:off x="0" y="0"/>
+          <a:ext cx="0" cy="0"/>
+          <a:chOff x="0" y="0"/>
+          <a:chExt cx="0" cy="0"/>
+        </a:xfrm>
+      </p:grpSpPr>
+      <p:sp>
+        <p:nvSpPr>
+          <p:cNvPr id="91" name="TextShape 1"/>
+          <p:cNvSpPr txBox="1"/>
+          <p:nvPr/>
+        </p:nvSpPr>
+        <p:spPr>
+          <a:xfrm>
+            <a:off x="1371600" y="685800"/>
+            <a:ext cx="9600840" cy="1485720"/>
+          </a:xfrm>
+          <a:prstGeom prst="rect">
+            <a:avLst/>
+          </a:prstGeom>
+          <a:noFill/>
+          <a:ln>
+            <a:noFill/>
+          </a:ln>
+        </p:spPr>
+        <p:txBody>
+          <a:bodyPr/>
+          <a:lstStyle/>
+          <a:p>
+            <a:pPr>
+              <a:lnSpc>
+                <a:spcPct val="89000"/>
+              </a:lnSpc>
+            </a:pPr>
+            <a:r>
+              <a:rPr lang="ru-RU" sz="4400" b="0" strike="noStrike" spc="-1" dirty="0">
+                <a:solidFill>
+                  <a:srgbClr val="191B0E"/>
+                </a:solidFill>
+                <a:latin typeface="FuturaBookC"/>
+              </a:rPr>
+              <a:t>Решение </a:t>
+            </a:r>
+            <a:r>
+              <a:rPr lang="en-US" sz="4400" b="0" strike="noStrike" spc="-1" dirty="0">
+                <a:solidFill>
+                  <a:srgbClr val="191B0E"/>
+                </a:solidFill>
+                <a:latin typeface="FuturaBookC"/>
+              </a:rPr>
+              <a:t>2</a:t>
+            </a:r>
+            <a:r>
+              <a:rPr lang="ru-RU" sz="4400" b="0" strike="noStrike" spc="-1" dirty="0">
+                <a:solidFill>
+                  <a:srgbClr val="191B0E"/>
+                </a:solidFill>
+                <a:latin typeface="FuturaBookC"/>
+              </a:rPr>
+              <a:t> - проблема</a:t>
+            </a:r>
+            <a:endParaRPr lang="en-US" sz="4400" b="0" strike="noStrike" spc="-1" dirty="0">
+              <a:solidFill>
+                <a:srgbClr val="000000"/>
+              </a:solidFill>
+              <a:latin typeface="Franklin Gothic Book"/>
+            </a:endParaRPr>
+          </a:p>
+        </p:txBody>
+      </p:sp>
+      <p:sp>
+        <p:nvSpPr>
+          <p:cNvPr id="92" name="TextShape 2"/>
+          <p:cNvSpPr txBox="1"/>
+          <p:nvPr/>
+        </p:nvSpPr>
+        <p:spPr>
+          <a:xfrm>
+            <a:off x="1371600" y="2212399"/>
+            <a:ext cx="9343747" cy="3580920"/>
+          </a:xfrm>
+          <a:prstGeom prst="rect">
+            <a:avLst/>
+          </a:prstGeom>
+          <a:noFill/>
+          <a:ln>
+            <a:noFill/>
+          </a:ln>
+        </p:spPr>
+        <p:txBody>
+          <a:bodyPr/>
+          <a:lstStyle/>
+          <a:p>
+            <a:pPr>
+              <a:lnSpc>
+                <a:spcPct val="94000"/>
+              </a:lnSpc>
+              <a:spcBef>
+                <a:spcPts val="1001"/>
+              </a:spcBef>
+              <a:spcAft>
+                <a:spcPts val="201"/>
+              </a:spcAft>
+            </a:pPr>
+            <a:r>
+              <a:rPr lang="ru-RU" sz="2000" spc="-1" dirty="0">
+                <a:solidFill>
+                  <a:srgbClr val="191B0E"/>
+                </a:solidFill>
+                <a:latin typeface="Franklin Gothic Book"/>
+              </a:rPr>
+              <a:t>Таким образом стихотворения уже приятно читать, и чаще присутствует рифма.</a:t>
+            </a:r>
+          </a:p>
+          <a:p>
+            <a:pPr>
+              <a:lnSpc>
+                <a:spcPct val="94000"/>
+              </a:lnSpc>
+              <a:spcBef>
+                <a:spcPts val="1001"/>
+              </a:spcBef>
+              <a:spcAft>
+                <a:spcPts val="201"/>
+              </a:spcAft>
+            </a:pPr>
+            <a:r>
+              <a:rPr lang="ru-RU" sz="2000" dirty="0"/>
+              <a:t>Но есть одна проблема – скорость. При запуске решения 2 (а оно сейчас есть на </a:t>
+            </a:r>
+            <a:r>
+              <a:rPr lang="en-US" sz="2000" dirty="0" err="1"/>
+              <a:t>github</a:t>
+            </a:r>
+            <a:r>
+              <a:rPr lang="en-US" sz="2000" dirty="0"/>
+              <a:t>, </a:t>
+            </a:r>
+            <a:r>
+              <a:rPr lang="ru-RU" sz="2000" dirty="0"/>
+              <a:t>можно его запустить) начинает запускаться </a:t>
+            </a:r>
+            <a:r>
+              <a:rPr lang="en-US" sz="2000" dirty="0" err="1"/>
+              <a:t>tensorflow</a:t>
+            </a:r>
+            <a:r>
+              <a:rPr lang="en-US" sz="2000" dirty="0"/>
+              <a:t>, </a:t>
+            </a:r>
+            <a:r>
+              <a:rPr lang="ru-RU" sz="2000" dirty="0"/>
+              <a:t>считываться веса модели и только потом генерировать стихотворение.</a:t>
+            </a:r>
+          </a:p>
+          <a:p>
+            <a:pPr>
+              <a:lnSpc>
+                <a:spcPct val="94000"/>
+              </a:lnSpc>
+              <a:spcBef>
+                <a:spcPts val="1001"/>
+              </a:spcBef>
+              <a:spcAft>
+                <a:spcPts val="201"/>
+              </a:spcAft>
+            </a:pPr>
+            <a:endParaRPr lang="ru-RU" sz="2000" dirty="0"/>
+          </a:p>
+          <a:p>
+            <a:pPr>
+              <a:lnSpc>
+                <a:spcPct val="94000"/>
+              </a:lnSpc>
+              <a:spcBef>
+                <a:spcPts val="1001"/>
+              </a:spcBef>
+              <a:spcAft>
+                <a:spcPts val="201"/>
+              </a:spcAft>
+            </a:pPr>
+            <a:r>
+              <a:rPr lang="ru-RU" sz="2000" dirty="0"/>
+              <a:t>В рамках данного проекта это слишком долго. </a:t>
+            </a:r>
+          </a:p>
+        </p:txBody>
+      </p:sp>
+    </p:spTree>
+    <p:extLst>
+      <p:ext uri="{BB962C8B-B14F-4D97-AF65-F5344CB8AC3E}">
+        <p14:creationId xmlns:p14="http://schemas.microsoft.com/office/powerpoint/2010/main" val="499553470"/>
+      </p:ext>
+    </p:extLst>
+  </p:cSld>
+  <p:clrMapOvr>
+    <a:masterClrMapping/>
+  </p:clrMapOvr>
+  <p:timing>
+    <p:tnLst>
+      <p:par>
+        <p:cTn id="1" dur="indefinite" restart="never" nodeType="tmRoot">
+          <p:childTnLst>
+            <p:seq>
+              <p:cTn id="2" dur="indefinite" nodeType="mainSeq"/>
+              <p:prevCondLst>
+                <p:cond evt="onPrev" delay="0">
+                  <p:tgtEl>
+                    <p:sldTgt/>
+                  </p:tgtEl>
+                </p:cond>
+              </p:prevCondLst>
+              <p:nextCondLst>
+                <p:cond evt="onNext" delay="0">
                   <p:tgtEl>
                     <p:sldTgt/>
                   </p:tgtEl>
@@ -4494,34 +8477,34 @@
         <a:sysClr val="window" lastClr="FFFFFF"/>
       </a:lt1>
       <a:dk2>
-        <a:srgbClr val="191b0e"/>
+        <a:srgbClr val="191B0E"/>
       </a:dk2>
       <a:lt2>
-        <a:srgbClr val="efede3"/>
+        <a:srgbClr val="EFEDE3"/>
       </a:lt2>
       <a:accent1>
-        <a:srgbClr val="8c8d86"/>
+        <a:srgbClr val="8C8D86"/>
       </a:accent1>
       <a:accent2>
-        <a:srgbClr val="e6c069"/>
+        <a:srgbClr val="E6C069"/>
       </a:accent2>
       <a:accent3>
-        <a:srgbClr val="897b61"/>
+        <a:srgbClr val="897B61"/>
       </a:accent3>
       <a:accent4>
-        <a:srgbClr val="8dab8e"/>
+        <a:srgbClr val="8DAB8E"/>
       </a:accent4>
       <a:accent5>
-        <a:srgbClr val="77a2bb"/>
+        <a:srgbClr val="77A2BB"/>
       </a:accent5>
       <a:accent6>
-        <a:srgbClr val="e28394"/>
+        <a:srgbClr val="E28394"/>
       </a:accent6>
       <a:hlink>
-        <a:srgbClr val="77a2bb"/>
+        <a:srgbClr val="77A2BB"/>
       </a:hlink>
       <a:folHlink>
-        <a:srgbClr val="957a99"/>
+        <a:srgbClr val="957A99"/>
       </a:folHlink>
     </a:clrScheme>
     <a:fontScheme name="Office">
@@ -4703,6 +8686,8 @@
       </a:bgFillStyleLst>
     </a:fmtScheme>
   </a:themeElements>
+  <a:objectDefaults/>
+  <a:extraClrSchemeLst/>
 </a:theme>
 </file>
 
@@ -4717,34 +8702,34 @@
         <a:sysClr val="window" lastClr="FFFFFF"/>
       </a:lt1>
       <a:dk2>
-        <a:srgbClr val="191b0e"/>
+        <a:srgbClr val="191B0E"/>
       </a:dk2>
       <a:lt2>
-        <a:srgbClr val="efede3"/>
+        <a:srgbClr val="EFEDE3"/>
       </a:lt2>
       <a:accent1>
-        <a:srgbClr val="8c8d86"/>
+        <a:srgbClr val="8C8D86"/>
       </a:accent1>
       <a:accent2>
-        <a:srgbClr val="e6c069"/>
+        <a:srgbClr val="E6C069"/>
       </a:accent2>
       <a:accent3>
-        <a:srgbClr val="897b61"/>
+        <a:srgbClr val="897B61"/>
       </a:accent3>
       <a:accent4>
-        <a:srgbClr val="8dab8e"/>
+        <a:srgbClr val="8DAB8E"/>
       </a:accent4>
       <a:accent5>
-        <a:srgbClr val="77a2bb"/>
+        <a:srgbClr val="77A2BB"/>
       </a:accent5>
       <a:accent6>
-        <a:srgbClr val="e28394"/>
+        <a:srgbClr val="E28394"/>
       </a:accent6>
       <a:hlink>
-        <a:srgbClr val="77a2bb"/>
+        <a:srgbClr val="77A2BB"/>
       </a:hlink>
       <a:folHlink>
-        <a:srgbClr val="957a99"/>
+        <a:srgbClr val="957A99"/>
       </a:folHlink>
     </a:clrScheme>
     <a:fontScheme name="Office">
@@ -4926,5 +8911,7 @@
       </a:bgFillStyleLst>
     </a:fmtScheme>
   </a:themeElements>
+  <a:objectDefaults/>
+  <a:extraClrSchemeLst/>
 </a:theme>
 </file>